--- a/scratch-leapmotion/instructions/nl/Introductie-Scratch.pptx
+++ b/scratch-leapmotion/instructions/nl/Introductie-Scratch.pptx
@@ -129,6 +129,22 @@
       </a:defRPr>
     </a:lvl9pPr>
   </p:defaultTextStyle>
+  <p:extLst>
+    <p:ext uri="{EFAFB233-063F-42B5-8137-9DF3F51BA10A}">
+      <p15:sldGuideLst xmlns:p15="http://schemas.microsoft.com/office/powerpoint/2012/main">
+        <p15:guide id="1" orient="horz" pos="2160">
+          <p15:clr>
+            <a:srgbClr val="A4A3A4"/>
+          </p15:clr>
+        </p15:guide>
+        <p15:guide id="2" pos="2880">
+          <p15:clr>
+            <a:srgbClr val="A4A3A4"/>
+          </p15:clr>
+        </p15:guide>
+      </p15:sldGuideLst>
+    </p:ext>
+  </p:extLst>
 </p:presentation>
 </file>
 
@@ -214,7 +230,7 @@
           <a:p>
             <a:fld id="{FD5240AD-D0E5-8743-BED0-4875EEDE37D1}" type="datetimeFigureOut">
               <a:rPr lang="en-US" smtClean="0"/>
-              <a:t>09/09/15</a:t>
+              <a:t>4/13/18</a:t>
             </a:fld>
             <a:endParaRPr lang="en-US"/>
           </a:p>
@@ -380,7 +396,7 @@
           <a:p>
             <a:fld id="{59F1AF83-5EC3-2645-9357-E8053F4E6264}" type="datetimeFigureOut">
               <a:rPr lang="en-US" smtClean="0"/>
-              <a:t>09/09/15</a:t>
+              <a:t>4/13/18</a:t>
             </a:fld>
             <a:endParaRPr lang="en-US"/>
           </a:p>
@@ -444,35 +460,35 @@
           <a:p>
             <a:pPr lvl="0"/>
             <a:r>
-              <a:rPr lang="nl-BE" smtClean="0"/>
+              <a:rPr lang="nl-BE"/>
               <a:t>Click to edit Master text styles</a:t>
             </a:r>
           </a:p>
           <a:p>
             <a:pPr lvl="1"/>
             <a:r>
-              <a:rPr lang="nl-BE" smtClean="0"/>
+              <a:rPr lang="nl-BE"/>
               <a:t>Second level</a:t>
             </a:r>
           </a:p>
           <a:p>
             <a:pPr lvl="2"/>
             <a:r>
-              <a:rPr lang="nl-BE" smtClean="0"/>
+              <a:rPr lang="nl-BE"/>
               <a:t>Third level</a:t>
             </a:r>
           </a:p>
           <a:p>
             <a:pPr lvl="3"/>
             <a:r>
-              <a:rPr lang="nl-BE" smtClean="0"/>
+              <a:rPr lang="nl-BE"/>
               <a:t>Fourth level</a:t>
             </a:r>
           </a:p>
           <a:p>
             <a:pPr lvl="4"/>
             <a:r>
-              <a:rPr lang="nl-BE" smtClean="0"/>
+              <a:rPr lang="nl-BE"/>
               <a:t>Fifth level</a:t>
             </a:r>
             <a:endParaRPr lang="en-US"/>
@@ -690,7 +706,7 @@
           <a:lstStyle/>
           <a:p>
             <a:r>
-              <a:rPr lang="nl-BE" smtClean="0"/>
+              <a:rPr lang="nl-BE"/>
               <a:t>Click to edit Master title style</a:t>
             </a:r>
             <a:endParaRPr lang="en-US"/>
@@ -812,7 +828,7 @@
           </a:lstStyle>
           <a:p>
             <a:r>
-              <a:rPr lang="nl-BE" smtClean="0"/>
+              <a:rPr lang="nl-BE"/>
               <a:t>Click to edit Master subtitle style</a:t>
             </a:r>
             <a:endParaRPr lang="en-US"/>
@@ -1000,7 +1016,7 @@
           </a:lstStyle>
           <a:p>
             <a:r>
-              <a:rPr lang="nl-BE" sz="1800" dirty="0" smtClean="0">
+              <a:rPr lang="nl-BE" sz="1800" dirty="0">
                 <a:latin typeface="+mn-lt"/>
               </a:rPr>
               <a:t>www.devoxx4kids.com</a:t>
@@ -1066,35 +1082,35 @@
           <a:p>
             <a:pPr lvl="0"/>
             <a:r>
-              <a:rPr lang="nl-BE" dirty="0" smtClean="0"/>
+              <a:rPr lang="nl-BE" dirty="0"/>
               <a:t>Click to edit Master text styles</a:t>
             </a:r>
           </a:p>
           <a:p>
             <a:pPr lvl="1"/>
             <a:r>
-              <a:rPr lang="nl-BE" dirty="0" smtClean="0"/>
+              <a:rPr lang="nl-BE" dirty="0"/>
               <a:t>Second level</a:t>
             </a:r>
           </a:p>
           <a:p>
             <a:pPr lvl="2"/>
             <a:r>
-              <a:rPr lang="nl-BE" dirty="0" smtClean="0"/>
+              <a:rPr lang="nl-BE" dirty="0"/>
               <a:t>Third level</a:t>
             </a:r>
           </a:p>
           <a:p>
             <a:pPr lvl="3"/>
             <a:r>
-              <a:rPr lang="nl-BE" dirty="0" smtClean="0"/>
+              <a:rPr lang="nl-BE" dirty="0"/>
               <a:t>Fourth level</a:t>
             </a:r>
           </a:p>
           <a:p>
             <a:pPr lvl="4"/>
             <a:r>
-              <a:rPr lang="nl-BE" dirty="0" smtClean="0"/>
+              <a:rPr lang="nl-BE" dirty="0"/>
               <a:t>Fifth level</a:t>
             </a:r>
             <a:endParaRPr lang="en-US" dirty="0"/>
@@ -1186,7 +1202,7 @@
           <a:lstStyle/>
           <a:p>
             <a:r>
-              <a:rPr lang="nl-BE" dirty="0" smtClean="0"/>
+              <a:rPr lang="nl-BE" dirty="0"/>
               <a:t>Click to edit Master title style</a:t>
             </a:r>
             <a:endParaRPr lang="en-US" dirty="0"/>
@@ -1254,7 +1270,7 @@
           </a:lstStyle>
           <a:p>
             <a:r>
-              <a:rPr lang="nl-BE" sz="1800" dirty="0" smtClean="0">
+              <a:rPr lang="nl-BE" sz="1800" dirty="0">
                 <a:latin typeface="+mn-lt"/>
               </a:rPr>
               <a:t>www.devoxx4kids.com</a:t>
@@ -1319,7 +1335,7 @@
           <a:lstStyle/>
           <a:p>
             <a:r>
-              <a:rPr lang="nl-BE" dirty="0" smtClean="0"/>
+              <a:rPr lang="nl-BE" dirty="0"/>
               <a:t>Click to edit Master title style</a:t>
             </a:r>
             <a:endParaRPr lang="en-US" dirty="0"/>
@@ -1351,35 +1367,35 @@
           <a:p>
             <a:pPr lvl="0"/>
             <a:r>
-              <a:rPr lang="nl-BE" dirty="0" smtClean="0"/>
+              <a:rPr lang="nl-BE" dirty="0"/>
               <a:t>Click to edit Master text styles</a:t>
             </a:r>
           </a:p>
           <a:p>
             <a:pPr lvl="1"/>
             <a:r>
-              <a:rPr lang="nl-BE" dirty="0" smtClean="0"/>
+              <a:rPr lang="nl-BE" dirty="0"/>
               <a:t>Second level</a:t>
             </a:r>
           </a:p>
           <a:p>
             <a:pPr lvl="2"/>
             <a:r>
-              <a:rPr lang="nl-BE" dirty="0" smtClean="0"/>
+              <a:rPr lang="nl-BE" dirty="0"/>
               <a:t>Third level</a:t>
             </a:r>
           </a:p>
           <a:p>
             <a:pPr lvl="3"/>
             <a:r>
-              <a:rPr lang="nl-BE" dirty="0" smtClean="0"/>
+              <a:rPr lang="nl-BE" dirty="0"/>
               <a:t>Fourth level</a:t>
             </a:r>
           </a:p>
           <a:p>
             <a:pPr lvl="4"/>
             <a:r>
-              <a:rPr lang="nl-BE" dirty="0" smtClean="0"/>
+              <a:rPr lang="nl-BE" dirty="0"/>
               <a:t>Fifth level</a:t>
             </a:r>
             <a:endParaRPr lang="en-US" dirty="0"/>
@@ -1480,7 +1496,7 @@
           </a:lstStyle>
           <a:p>
             <a:r>
-              <a:rPr lang="nl-BE" sz="1800" dirty="0" smtClean="0">
+              <a:rPr lang="nl-BE" sz="1800" dirty="0">
                 <a:latin typeface="+mn-lt"/>
               </a:rPr>
               <a:t>www.devoxx4kids.com</a:t>
@@ -1577,7 +1593,7 @@
           </a:lstStyle>
           <a:p>
             <a:r>
-              <a:rPr lang="nl-BE" smtClean="0"/>
+              <a:rPr lang="nl-BE"/>
               <a:t>Click to edit Master title style</a:t>
             </a:r>
             <a:endParaRPr lang="en-US"/>
@@ -1700,7 +1716,7 @@
           <a:p>
             <a:pPr lvl="0"/>
             <a:r>
-              <a:rPr lang="nl-BE" smtClean="0"/>
+              <a:rPr lang="nl-BE"/>
               <a:t>Click to edit Master text styles</a:t>
             </a:r>
           </a:p>
@@ -1831,7 +1847,7 @@
           </a:lstStyle>
           <a:p>
             <a:r>
-              <a:rPr lang="nl-BE" sz="1800" dirty="0" smtClean="0">
+              <a:rPr lang="nl-BE" sz="1800" dirty="0">
                 <a:latin typeface="+mn-lt"/>
               </a:rPr>
               <a:t>www.devoxx4kids.com</a:t>
@@ -1925,35 +1941,35 @@
           <a:p>
             <a:pPr lvl="0"/>
             <a:r>
-              <a:rPr lang="nl-BE" smtClean="0"/>
+              <a:rPr lang="nl-BE"/>
               <a:t>Click to edit Master text styles</a:t>
             </a:r>
           </a:p>
           <a:p>
             <a:pPr lvl="1"/>
             <a:r>
-              <a:rPr lang="nl-BE" smtClean="0"/>
+              <a:rPr lang="nl-BE"/>
               <a:t>Second level</a:t>
             </a:r>
           </a:p>
           <a:p>
             <a:pPr lvl="2"/>
             <a:r>
-              <a:rPr lang="nl-BE" smtClean="0"/>
+              <a:rPr lang="nl-BE"/>
               <a:t>Third level</a:t>
             </a:r>
           </a:p>
           <a:p>
             <a:pPr lvl="3"/>
             <a:r>
-              <a:rPr lang="nl-BE" smtClean="0"/>
+              <a:rPr lang="nl-BE"/>
               <a:t>Fourth level</a:t>
             </a:r>
           </a:p>
           <a:p>
             <a:pPr lvl="4"/>
             <a:r>
-              <a:rPr lang="nl-BE" smtClean="0"/>
+              <a:rPr lang="nl-BE"/>
               <a:t>Fifth level</a:t>
             </a:r>
             <a:endParaRPr lang="en-US"/>
@@ -2013,35 +2029,35 @@
           <a:p>
             <a:pPr lvl="0"/>
             <a:r>
-              <a:rPr lang="nl-BE" smtClean="0"/>
+              <a:rPr lang="nl-BE"/>
               <a:t>Click to edit Master text styles</a:t>
             </a:r>
           </a:p>
           <a:p>
             <a:pPr lvl="1"/>
             <a:r>
-              <a:rPr lang="nl-BE" smtClean="0"/>
+              <a:rPr lang="nl-BE"/>
               <a:t>Second level</a:t>
             </a:r>
           </a:p>
           <a:p>
             <a:pPr lvl="2"/>
             <a:r>
-              <a:rPr lang="nl-BE" smtClean="0"/>
+              <a:rPr lang="nl-BE"/>
               <a:t>Third level</a:t>
             </a:r>
           </a:p>
           <a:p>
             <a:pPr lvl="3"/>
             <a:r>
-              <a:rPr lang="nl-BE" smtClean="0"/>
+              <a:rPr lang="nl-BE"/>
               <a:t>Fourth level</a:t>
             </a:r>
           </a:p>
           <a:p>
             <a:pPr lvl="4"/>
             <a:r>
-              <a:rPr lang="nl-BE" smtClean="0"/>
+              <a:rPr lang="nl-BE"/>
               <a:t>Fifth level</a:t>
             </a:r>
             <a:endParaRPr lang="en-US"/>
@@ -2133,7 +2149,7 @@
           <a:lstStyle/>
           <a:p>
             <a:r>
-              <a:rPr lang="nl-BE" dirty="0" smtClean="0"/>
+              <a:rPr lang="nl-BE" dirty="0"/>
               <a:t>Click to edit Master title style</a:t>
             </a:r>
             <a:endParaRPr lang="en-US" dirty="0"/>
@@ -2201,7 +2217,7 @@
           </a:lstStyle>
           <a:p>
             <a:r>
-              <a:rPr lang="nl-BE" sz="1800" dirty="0" smtClean="0">
+              <a:rPr lang="nl-BE" sz="1800" dirty="0">
                 <a:latin typeface="+mn-lt"/>
               </a:rPr>
               <a:t>www.devoxx4kids.com</a:t>
@@ -2304,7 +2320,7 @@
           <a:p>
             <a:pPr lvl="0"/>
             <a:r>
-              <a:rPr lang="nl-BE" smtClean="0"/>
+              <a:rPr lang="nl-BE"/>
               <a:t>Click to edit Master text styles</a:t>
             </a:r>
           </a:p>
@@ -2363,35 +2379,35 @@
           <a:p>
             <a:pPr lvl="0"/>
             <a:r>
-              <a:rPr lang="nl-BE" smtClean="0"/>
+              <a:rPr lang="nl-BE"/>
               <a:t>Click to edit Master text styles</a:t>
             </a:r>
           </a:p>
           <a:p>
             <a:pPr lvl="1"/>
             <a:r>
-              <a:rPr lang="nl-BE" smtClean="0"/>
+              <a:rPr lang="nl-BE"/>
               <a:t>Second level</a:t>
             </a:r>
           </a:p>
           <a:p>
             <a:pPr lvl="2"/>
             <a:r>
-              <a:rPr lang="nl-BE" smtClean="0"/>
+              <a:rPr lang="nl-BE"/>
               <a:t>Third level</a:t>
             </a:r>
           </a:p>
           <a:p>
             <a:pPr lvl="3"/>
             <a:r>
-              <a:rPr lang="nl-BE" smtClean="0"/>
+              <a:rPr lang="nl-BE"/>
               <a:t>Fourth level</a:t>
             </a:r>
           </a:p>
           <a:p>
             <a:pPr lvl="4"/>
             <a:r>
-              <a:rPr lang="nl-BE" smtClean="0"/>
+              <a:rPr lang="nl-BE"/>
               <a:t>Fifth level</a:t>
             </a:r>
             <a:endParaRPr lang="en-US"/>
@@ -2460,7 +2476,7 @@
           <a:p>
             <a:pPr lvl="0"/>
             <a:r>
-              <a:rPr lang="nl-BE" smtClean="0"/>
+              <a:rPr lang="nl-BE"/>
               <a:t>Click to edit Master text styles</a:t>
             </a:r>
           </a:p>
@@ -2519,35 +2535,35 @@
           <a:p>
             <a:pPr lvl="0"/>
             <a:r>
-              <a:rPr lang="nl-BE" smtClean="0"/>
+              <a:rPr lang="nl-BE"/>
               <a:t>Click to edit Master text styles</a:t>
             </a:r>
           </a:p>
           <a:p>
             <a:pPr lvl="1"/>
             <a:r>
-              <a:rPr lang="nl-BE" smtClean="0"/>
+              <a:rPr lang="nl-BE"/>
               <a:t>Second level</a:t>
             </a:r>
           </a:p>
           <a:p>
             <a:pPr lvl="2"/>
             <a:r>
-              <a:rPr lang="nl-BE" smtClean="0"/>
+              <a:rPr lang="nl-BE"/>
               <a:t>Third level</a:t>
             </a:r>
           </a:p>
           <a:p>
             <a:pPr lvl="3"/>
             <a:r>
-              <a:rPr lang="nl-BE" smtClean="0"/>
+              <a:rPr lang="nl-BE"/>
               <a:t>Fourth level</a:t>
             </a:r>
           </a:p>
           <a:p>
             <a:pPr lvl="4"/>
             <a:r>
-              <a:rPr lang="nl-BE" smtClean="0"/>
+              <a:rPr lang="nl-BE"/>
               <a:t>Fifth level</a:t>
             </a:r>
             <a:endParaRPr lang="en-US"/>
@@ -2639,7 +2655,7 @@
           <a:lstStyle/>
           <a:p>
             <a:r>
-              <a:rPr lang="nl-BE" dirty="0" smtClean="0"/>
+              <a:rPr lang="nl-BE" dirty="0"/>
               <a:t>Click to edit Master title style</a:t>
             </a:r>
             <a:endParaRPr lang="en-US" dirty="0"/>
@@ -2707,7 +2723,7 @@
           </a:lstStyle>
           <a:p>
             <a:r>
-              <a:rPr lang="nl-BE" sz="1800" dirty="0" smtClean="0">
+              <a:rPr lang="nl-BE" sz="1800" dirty="0">
                 <a:latin typeface="+mn-lt"/>
               </a:rPr>
               <a:t>www.devoxx4kids.com</a:t>
@@ -2833,7 +2849,7 @@
           <a:lstStyle/>
           <a:p>
             <a:r>
-              <a:rPr lang="nl-BE" dirty="0" smtClean="0"/>
+              <a:rPr lang="nl-BE" dirty="0"/>
               <a:t>Click to edit Master title style</a:t>
             </a:r>
             <a:endParaRPr lang="en-US" dirty="0"/>
@@ -2901,7 +2917,7 @@
           </a:lstStyle>
           <a:p>
             <a:r>
-              <a:rPr lang="nl-BE" sz="1800" dirty="0" smtClean="0">
+              <a:rPr lang="nl-BE" sz="1800" dirty="0">
                 <a:latin typeface="+mn-lt"/>
               </a:rPr>
               <a:t>www.devoxx4kids.com</a:t>
@@ -3064,7 +3080,7 @@
           </a:lstStyle>
           <a:p>
             <a:r>
-              <a:rPr lang="nl-BE" sz="1800" dirty="0" smtClean="0">
+              <a:rPr lang="nl-BE" sz="1800" dirty="0">
                 <a:latin typeface="+mn-lt"/>
               </a:rPr>
               <a:t>www.devoxx4kids.com</a:t>
@@ -3133,7 +3149,7 @@
           </a:lstStyle>
           <a:p>
             <a:r>
-              <a:rPr lang="nl-BE" dirty="0" smtClean="0"/>
+              <a:rPr lang="nl-BE" dirty="0"/>
               <a:t>Click to edit Master title style</a:t>
             </a:r>
             <a:endParaRPr lang="en-US" dirty="0"/>
@@ -3193,35 +3209,35 @@
           <a:p>
             <a:pPr lvl="0"/>
             <a:r>
-              <a:rPr lang="nl-BE" smtClean="0"/>
+              <a:rPr lang="nl-BE"/>
               <a:t>Click to edit Master text styles</a:t>
             </a:r>
           </a:p>
           <a:p>
             <a:pPr lvl="1"/>
             <a:r>
-              <a:rPr lang="nl-BE" smtClean="0"/>
+              <a:rPr lang="nl-BE"/>
               <a:t>Second level</a:t>
             </a:r>
           </a:p>
           <a:p>
             <a:pPr lvl="2"/>
             <a:r>
-              <a:rPr lang="nl-BE" smtClean="0"/>
+              <a:rPr lang="nl-BE"/>
               <a:t>Third level</a:t>
             </a:r>
           </a:p>
           <a:p>
             <a:pPr lvl="3"/>
             <a:r>
-              <a:rPr lang="nl-BE" smtClean="0"/>
+              <a:rPr lang="nl-BE"/>
               <a:t>Fourth level</a:t>
             </a:r>
           </a:p>
           <a:p>
             <a:pPr lvl="4"/>
             <a:r>
-              <a:rPr lang="nl-BE" smtClean="0"/>
+              <a:rPr lang="nl-BE"/>
               <a:t>Fifth level</a:t>
             </a:r>
             <a:endParaRPr lang="en-US"/>
@@ -3290,7 +3306,7 @@
           <a:p>
             <a:pPr lvl="0"/>
             <a:r>
-              <a:rPr lang="nl-BE" dirty="0" smtClean="0"/>
+              <a:rPr lang="nl-BE" dirty="0"/>
               <a:t>Click to edit Master text styles</a:t>
             </a:r>
           </a:p>
@@ -3418,7 +3434,7 @@
           </a:lstStyle>
           <a:p>
             <a:r>
-              <a:rPr lang="nl-BE" sz="1800" dirty="0" smtClean="0">
+              <a:rPr lang="nl-BE" sz="1800" dirty="0">
                 <a:latin typeface="+mn-lt"/>
               </a:rPr>
               <a:t>www.devoxx4kids.com</a:t>
@@ -3487,7 +3503,7 @@
           </a:lstStyle>
           <a:p>
             <a:r>
-              <a:rPr lang="nl-BE" dirty="0" smtClean="0"/>
+              <a:rPr lang="nl-BE" dirty="0"/>
               <a:t>Click to edit Master title style</a:t>
             </a:r>
             <a:endParaRPr lang="en-US" dirty="0"/>
@@ -3620,7 +3636,7 @@
           <a:p>
             <a:pPr lvl="0"/>
             <a:r>
-              <a:rPr lang="nl-BE" smtClean="0"/>
+              <a:rPr lang="nl-BE"/>
               <a:t>Click to edit Master text styles</a:t>
             </a:r>
           </a:p>
@@ -3748,7 +3764,7 @@
           </a:lstStyle>
           <a:p>
             <a:r>
-              <a:rPr lang="nl-BE" sz="1800" dirty="0" smtClean="0">
+              <a:rPr lang="nl-BE" sz="1800" dirty="0">
                 <a:latin typeface="+mn-lt"/>
               </a:rPr>
               <a:t>www.devoxx4kids.com</a:t>
@@ -4106,13 +4122,13 @@
           <a:lstStyle/>
           <a:p>
             <a:r>
-              <a:rPr lang="en-US" altLang="zh-TW" dirty="0" err="1" smtClean="0">
+              <a:rPr lang="en-US" altLang="zh-TW" dirty="0" err="1">
                 <a:latin typeface="Comic Sans MS" charset="0"/>
               </a:rPr>
               <a:t>Introductie</a:t>
             </a:r>
             <a:r>
-              <a:rPr lang="en-US" altLang="zh-TW" dirty="0" smtClean="0">
+              <a:rPr lang="en-US" altLang="zh-TW" dirty="0">
                 <a:latin typeface="Comic Sans MS" charset="0"/>
               </a:rPr>
               <a:t> van</a:t>
@@ -4153,7 +4169,7 @@
           <a:noFill/>
           <a:extLst>
             <a:ext uri="{909E8E84-426E-40dd-AFC4-6F175D3DCCD1}">
-              <a14:hiddenFill xmlns:a14="http://schemas.microsoft.com/office/drawing/2010/main">
+              <a14:hiddenFill xmlns:a14="http://schemas.microsoft.com/office/drawing/2010/main" xmlns="">
                 <a:solidFill>
                   <a:srgbClr val="FFFFFF"/>
                 </a:solidFill>
@@ -4194,7 +4210,7 @@
           <a:noFill/>
           <a:extLst>
             <a:ext uri="{909E8E84-426E-40dd-AFC4-6F175D3DCCD1}">
-              <a14:hiddenFill xmlns:a14="http://schemas.microsoft.com/office/drawing/2010/main">
+              <a14:hiddenFill xmlns:a14="http://schemas.microsoft.com/office/drawing/2010/main" xmlns="">
                 <a:solidFill>
                   <a:srgbClr val="FFFFFF"/>
                 </a:solidFill>
@@ -4253,16 +4269,12 @@
           <a:lstStyle/>
           <a:p>
             <a:r>
-              <a:rPr lang="nl-NL" sz="2400" dirty="0" smtClean="0">
+              <a:rPr lang="nl-NL" sz="2400" dirty="0">
                 <a:latin typeface="Comic Sans MS"/>
                 <a:cs typeface="Comic Sans MS"/>
               </a:rPr>
               <a:t>En</a:t>
             </a:r>
-            <a:endParaRPr lang="nl-NL" sz="2400" dirty="0">
-              <a:latin typeface="Comic Sans MS"/>
-              <a:cs typeface="Comic Sans MS"/>
-            </a:endParaRPr>
           </a:p>
         </p:txBody>
       </p:sp>
@@ -4300,13 +4312,6 @@
   <p:clrMapOvr>
     <a:masterClrMapping/>
   </p:clrMapOvr>
-  <p:timing>
-    <p:tnLst>
-      <p:par>
-        <p:cTn xmlns:p14="http://schemas.microsoft.com/office/powerpoint/2010/main" id="1" dur="indefinite" restart="never" nodeType="tmRoot"/>
-      </p:par>
-    </p:tnLst>
-  </p:timing>
 </p:sld>
 </file>
 
@@ -4343,7 +4348,7 @@
           <a:lstStyle/>
           <a:p>
             <a:r>
-              <a:rPr lang="en-US" dirty="0" err="1" smtClean="0">
+              <a:rPr lang="en-US" dirty="0" err="1">
                 <a:latin typeface="Comic Sans MS"/>
                 <a:cs typeface="Comic Sans MS"/>
               </a:rPr>
@@ -4372,56 +4377,56 @@
           <a:lstStyle/>
           <a:p>
             <a:r>
-              <a:rPr lang="en-US" dirty="0" smtClean="0">
+              <a:rPr lang="en-US" dirty="0">
                 <a:latin typeface="Comic Sans MS"/>
                 <a:cs typeface="Comic Sans MS"/>
               </a:rPr>
               <a:t>Met </a:t>
             </a:r>
             <a:r>
-              <a:rPr lang="en-US" dirty="0" err="1" smtClean="0">
+              <a:rPr lang="en-US" dirty="0" err="1">
                 <a:latin typeface="Comic Sans MS"/>
                 <a:cs typeface="Comic Sans MS"/>
               </a:rPr>
               <a:t>behulp</a:t>
             </a:r>
             <a:r>
-              <a:rPr lang="en-US" dirty="0" smtClean="0">
+              <a:rPr lang="en-US" dirty="0">
                 <a:latin typeface="Comic Sans MS"/>
                 <a:cs typeface="Comic Sans MS"/>
               </a:rPr>
               <a:t> van de </a:t>
             </a:r>
             <a:r>
-              <a:rPr lang="en-US" dirty="0" err="1" smtClean="0">
+              <a:rPr lang="en-US" dirty="0" err="1">
                 <a:latin typeface="Comic Sans MS"/>
                 <a:cs typeface="Comic Sans MS"/>
               </a:rPr>
               <a:t>werkbalk</a:t>
             </a:r>
             <a:r>
-              <a:rPr lang="en-US" dirty="0" smtClean="0">
+              <a:rPr lang="en-US" dirty="0">
                 <a:latin typeface="Comic Sans MS"/>
                 <a:cs typeface="Comic Sans MS"/>
               </a:rPr>
               <a:t>, </a:t>
             </a:r>
             <a:r>
-              <a:rPr lang="en-US" dirty="0" err="1" smtClean="0">
+              <a:rPr lang="en-US" dirty="0" err="1">
                 <a:latin typeface="Comic Sans MS"/>
                 <a:cs typeface="Comic Sans MS"/>
               </a:rPr>
               <a:t>kan</a:t>
             </a:r>
             <a:r>
-              <a:rPr lang="en-US" dirty="0" smtClean="0">
+              <a:rPr lang="en-US" dirty="0">
                 <a:latin typeface="Comic Sans MS"/>
                 <a:cs typeface="Comic Sans MS"/>
               </a:rPr>
               <a:t> je je </a:t>
             </a:r>
             <a:r>
-              <a:rPr lang="en-US" dirty="0" smtClean="0">
+              <a:rPr lang="en-US" dirty="0">
                 <a:solidFill>
                   <a:srgbClr val="F79646"/>
                 </a:solidFill>
@@ -4431,132 +4436,128 @@
               <a:t>sprites</a:t>
             </a:r>
             <a:r>
-              <a:rPr lang="en-US" dirty="0" smtClean="0">
+              <a:rPr lang="en-US" dirty="0">
                 <a:latin typeface="Comic Sans MS"/>
                 <a:cs typeface="Comic Sans MS"/>
               </a:rPr>
               <a:t> </a:t>
             </a:r>
             <a:r>
-              <a:rPr lang="en-US" dirty="0" err="1" smtClean="0">
+              <a:rPr lang="en-US" dirty="0" err="1">
                 <a:latin typeface="Comic Sans MS"/>
                 <a:cs typeface="Comic Sans MS"/>
               </a:rPr>
               <a:t>groter</a:t>
             </a:r>
             <a:r>
-              <a:rPr lang="en-US" dirty="0" smtClean="0">
+              <a:rPr lang="en-US" dirty="0">
                 <a:latin typeface="Comic Sans MS"/>
                 <a:cs typeface="Comic Sans MS"/>
               </a:rPr>
               <a:t> en/of </a:t>
             </a:r>
             <a:r>
-              <a:rPr lang="en-US" dirty="0" err="1" smtClean="0">
+              <a:rPr lang="en-US" dirty="0" err="1">
                 <a:latin typeface="Comic Sans MS"/>
                 <a:cs typeface="Comic Sans MS"/>
               </a:rPr>
               <a:t>kleiner</a:t>
             </a:r>
             <a:r>
-              <a:rPr lang="en-US" dirty="0" smtClean="0">
+              <a:rPr lang="en-US" dirty="0">
                 <a:latin typeface="Comic Sans MS"/>
                 <a:cs typeface="Comic Sans MS"/>
               </a:rPr>
               <a:t> </a:t>
             </a:r>
             <a:r>
-              <a:rPr lang="en-US" dirty="0" err="1" smtClean="0">
+              <a:rPr lang="en-US" dirty="0" err="1">
                 <a:latin typeface="Comic Sans MS"/>
                 <a:cs typeface="Comic Sans MS"/>
               </a:rPr>
               <a:t>maken</a:t>
             </a:r>
             <a:r>
-              <a:rPr lang="en-US" dirty="0" smtClean="0">
+              <a:rPr lang="en-US" dirty="0">
                 <a:latin typeface="Comic Sans MS"/>
                 <a:cs typeface="Comic Sans MS"/>
               </a:rPr>
               <a:t>.</a:t>
             </a:r>
-            <a:endParaRPr lang="en-US" dirty="0">
-              <a:latin typeface="Comic Sans MS"/>
-              <a:cs typeface="Comic Sans MS"/>
-            </a:endParaRPr>
-          </a:p>
-          <a:p>
-            <a:r>
-              <a:rPr lang="en-US" dirty="0" smtClean="0">
+          </a:p>
+          <a:p>
+            <a:r>
+              <a:rPr lang="en-US" dirty="0">
                 <a:latin typeface="Comic Sans MS"/>
                 <a:cs typeface="Comic Sans MS"/>
               </a:rPr>
               <a:t>Je </a:t>
             </a:r>
             <a:r>
-              <a:rPr lang="en-US" dirty="0" err="1" smtClean="0">
+              <a:rPr lang="en-US" dirty="0" err="1">
                 <a:latin typeface="Comic Sans MS"/>
                 <a:cs typeface="Comic Sans MS"/>
               </a:rPr>
               <a:t>kan</a:t>
             </a:r>
             <a:r>
-              <a:rPr lang="en-US" dirty="0" smtClean="0">
+              <a:rPr lang="en-US" dirty="0">
                 <a:latin typeface="Comic Sans MS"/>
                 <a:cs typeface="Comic Sans MS"/>
               </a:rPr>
               <a:t> </a:t>
             </a:r>
             <a:r>
-              <a:rPr lang="en-US" dirty="0" err="1" smtClean="0">
+              <a:rPr lang="en-US" dirty="0" err="1">
                 <a:latin typeface="Comic Sans MS"/>
                 <a:cs typeface="Comic Sans MS"/>
               </a:rPr>
               <a:t>ze</a:t>
             </a:r>
             <a:r>
-              <a:rPr lang="en-US" dirty="0" smtClean="0">
+              <a:rPr lang="en-US" dirty="0">
                 <a:latin typeface="Comic Sans MS"/>
                 <a:cs typeface="Comic Sans MS"/>
               </a:rPr>
               <a:t> </a:t>
             </a:r>
             <a:r>
-              <a:rPr lang="en-US" dirty="0" err="1" smtClean="0">
+              <a:rPr lang="en-US" dirty="0" err="1">
                 <a:latin typeface="Comic Sans MS"/>
                 <a:cs typeface="Comic Sans MS"/>
               </a:rPr>
               <a:t>ook</a:t>
             </a:r>
             <a:r>
-              <a:rPr lang="en-US" dirty="0" smtClean="0">
+              <a:rPr lang="en-US" dirty="0">
                 <a:latin typeface="Comic Sans MS"/>
                 <a:cs typeface="Comic Sans MS"/>
               </a:rPr>
               <a:t> </a:t>
             </a:r>
             <a:r>
-              <a:rPr lang="en-US" dirty="0" err="1" smtClean="0">
+              <a:rPr lang="en-US" dirty="0" err="1">
                 <a:latin typeface="Comic Sans MS"/>
                 <a:cs typeface="Comic Sans MS"/>
               </a:rPr>
               <a:t>kopiëren</a:t>
             </a:r>
             <a:r>
-              <a:rPr lang="en-US" dirty="0" smtClean="0">
+              <a:rPr lang="en-US" dirty="0">
                 <a:latin typeface="Comic Sans MS"/>
                 <a:cs typeface="Comic Sans MS"/>
               </a:rPr>
               <a:t> of </a:t>
             </a:r>
             <a:r>
-              <a:rPr lang="en-US" dirty="0" err="1" smtClean="0">
+              <a:rPr lang="en-US" dirty="0" err="1">
                 <a:latin typeface="Comic Sans MS"/>
                 <a:cs typeface="Comic Sans MS"/>
               </a:rPr>
               <a:t>weghalen</a:t>
             </a:r>
             <a:r>
-              <a:rPr lang="en-US" dirty="0" smtClean="0">
+              <a:rPr lang="en-US" dirty="0">
                 <a:latin typeface="Comic Sans MS"/>
                 <a:cs typeface="Comic Sans MS"/>
               </a:rPr>
@@ -4787,14 +4788,14 @@
           <a:effectLst/>
           <a:extLst>
             <a:ext uri="{909E8E84-426E-40dd-AFC4-6F175D3DCCD1}">
-              <a14:hiddenFill xmlns:a14="http://schemas.microsoft.com/office/drawing/2010/main">
+              <a14:hiddenFill xmlns:a14="http://schemas.microsoft.com/office/drawing/2010/main" xmlns="">
                 <a:solidFill>
                   <a:schemeClr val="accent1"/>
                 </a:solidFill>
               </a14:hiddenFill>
             </a:ext>
             <a:ext uri="{91240B29-F687-4f45-9708-019B960494DF}">
-              <a14:hiddenLine xmlns:a14="http://schemas.microsoft.com/office/drawing/2010/main" w="9525">
+              <a14:hiddenLine xmlns:a14="http://schemas.microsoft.com/office/drawing/2010/main" xmlns="" w="9525">
                 <a:solidFill>
                   <a:schemeClr val="tx1"/>
                 </a:solidFill>
@@ -4804,7 +4805,7 @@
               </a14:hiddenLine>
             </a:ext>
             <a:ext uri="{AF507438-7753-43e0-B8FC-AC1667EBCBE1}">
-              <a14:hiddenEffects xmlns:a14="http://schemas.microsoft.com/office/drawing/2010/main">
+              <a14:hiddenEffects xmlns:a14="http://schemas.microsoft.com/office/drawing/2010/main" xmlns="">
                 <a:effectLst>
                   <a:outerShdw blurRad="63500" dist="38099" dir="2700000" algn="ctr" rotWithShape="0">
                     <a:schemeClr val="bg2">
@@ -4830,7 +4831,7 @@
   <p:timing>
     <p:tnLst>
       <p:par>
-        <p:cTn xmlns:p14="http://schemas.microsoft.com/office/powerpoint/2010/main" id="1" dur="indefinite" restart="never" nodeType="tmRoot">
+        <p:cTn id="1" dur="indefinite" restart="never" nodeType="tmRoot">
           <p:childTnLst>
             <p:seq concurrent="1" nextAc="seek">
               <p:cTn id="2" dur="indefinite" nodeType="mainSeq">
@@ -5184,7 +5185,7 @@
           <a:lstStyle/>
           <a:p>
             <a:r>
-              <a:rPr lang="en-US" dirty="0" err="1" smtClean="0"/>
+              <a:rPr lang="en-US" dirty="0" err="1"/>
               <a:t>Programmeren</a:t>
             </a:r>
             <a:endParaRPr lang="en-US" dirty="0"/>
@@ -5325,7 +5326,7 @@
           <a:lstStyle/>
           <a:p>
             <a:r>
-              <a:rPr lang="nl-NL" sz="2000" dirty="0" smtClean="0">
+              <a:rPr lang="nl-NL" sz="2000" dirty="0">
                 <a:latin typeface="Comic Sans MS"/>
                 <a:cs typeface="Comic Sans MS"/>
               </a:rPr>
@@ -5357,25 +5358,11 @@
           <a:lstStyle/>
           <a:p>
             <a:r>
-              <a:rPr lang="nl-NL" dirty="0" smtClean="0">
-                <a:latin typeface="Comic Sans MS"/>
-                <a:cs typeface="Comic Sans MS"/>
-              </a:rPr>
-              <a:t>Je </a:t>
-            </a:r>
-            <a:r>
               <a:rPr lang="nl-NL" dirty="0">
                 <a:latin typeface="Comic Sans MS"/>
                 <a:cs typeface="Comic Sans MS"/>
               </a:rPr>
-              <a:t>bouwstenen, </a:t>
-            </a:r>
-            <a:r>
-              <a:rPr lang="nl-NL" dirty="0" smtClean="0">
-                <a:latin typeface="Comic Sans MS"/>
-                <a:cs typeface="Comic Sans MS"/>
-              </a:rPr>
-              <a:t>besturen je </a:t>
+              <a:t>Je bouwstenen, besturen je </a:t>
             </a:r>
             <a:r>
               <a:rPr lang="nl-NL" dirty="0" err="1">
@@ -5389,19 +5376,8 @@
                 <a:latin typeface="Comic Sans MS"/>
                 <a:cs typeface="Comic Sans MS"/>
               </a:rPr>
-              <a:t> op </a:t>
-            </a:r>
-            <a:r>
-              <a:rPr lang="nl-NL" dirty="0" smtClean="0">
-                <a:latin typeface="Comic Sans MS"/>
-                <a:cs typeface="Comic Sans MS"/>
-              </a:rPr>
-              <a:t>het speelveld.</a:t>
-            </a:r>
-            <a:endParaRPr lang="nl-NL" dirty="0">
-              <a:latin typeface="Comic Sans MS"/>
-              <a:cs typeface="Comic Sans MS"/>
-            </a:endParaRPr>
+              <a:t> op het speelveld.</a:t>
+            </a:r>
           </a:p>
           <a:p>
             <a:pPr marL="285750" indent="-285750">
@@ -5425,7 +5401,7 @@
   <p:timing>
     <p:tnLst>
       <p:par>
-        <p:cTn xmlns:p14="http://schemas.microsoft.com/office/powerpoint/2010/main" id="1" dur="indefinite" restart="never" nodeType="tmRoot">
+        <p:cTn id="1" dur="indefinite" restart="never" nodeType="tmRoot">
           <p:childTnLst>
             <p:seq concurrent="1" nextAc="seek">
               <p:cTn id="2" dur="indefinite" nodeType="mainSeq">
@@ -5636,7 +5612,7 @@
           <a:lstStyle/>
           <a:p>
             <a:r>
-              <a:rPr lang="en-US" dirty="0" err="1" smtClean="0">
+              <a:rPr lang="en-US" dirty="0" err="1">
                 <a:latin typeface="Comic Sans MS"/>
                 <a:cs typeface="Comic Sans MS"/>
               </a:rPr>
@@ -5665,149 +5641,145 @@
           <a:lstStyle/>
           <a:p>
             <a:r>
-              <a:rPr lang="en-US" dirty="0" err="1" smtClean="0">
+              <a:rPr lang="en-US" dirty="0" err="1">
                 <a:latin typeface="Comic Sans MS"/>
                 <a:cs typeface="Comic Sans MS"/>
               </a:rPr>
               <a:t>Tijdens</a:t>
             </a:r>
             <a:r>
-              <a:rPr lang="en-US" dirty="0" smtClean="0">
+              <a:rPr lang="en-US" dirty="0">
                 <a:latin typeface="Comic Sans MS"/>
                 <a:cs typeface="Comic Sans MS"/>
               </a:rPr>
               <a:t> je </a:t>
             </a:r>
             <a:r>
-              <a:rPr lang="en-US" dirty="0" err="1" smtClean="0">
+              <a:rPr lang="en-US" dirty="0" err="1">
                 <a:latin typeface="Comic Sans MS"/>
                 <a:cs typeface="Comic Sans MS"/>
               </a:rPr>
               <a:t>programma</a:t>
             </a:r>
             <a:r>
-              <a:rPr lang="en-US" dirty="0" smtClean="0">
+              <a:rPr lang="en-US" dirty="0">
                 <a:latin typeface="Comic Sans MS"/>
                 <a:cs typeface="Comic Sans MS"/>
               </a:rPr>
               <a:t> </a:t>
             </a:r>
             <a:r>
-              <a:rPr lang="en-US" dirty="0" err="1" smtClean="0">
+              <a:rPr lang="en-US" dirty="0" err="1">
                 <a:latin typeface="Comic Sans MS"/>
                 <a:cs typeface="Comic Sans MS"/>
               </a:rPr>
               <a:t>kan</a:t>
             </a:r>
             <a:r>
-              <a:rPr lang="en-US" dirty="0" smtClean="0">
+              <a:rPr lang="en-US" dirty="0">
                 <a:latin typeface="Comic Sans MS"/>
                 <a:cs typeface="Comic Sans MS"/>
               </a:rPr>
               <a:t> je </a:t>
             </a:r>
             <a:r>
-              <a:rPr lang="en-US" dirty="0" err="1" smtClean="0">
+              <a:rPr lang="en-US" dirty="0" err="1">
                 <a:latin typeface="Comic Sans MS"/>
                 <a:cs typeface="Comic Sans MS"/>
               </a:rPr>
               <a:t>kiezen</a:t>
             </a:r>
             <a:r>
-              <a:rPr lang="en-US" dirty="0" smtClean="0">
+              <a:rPr lang="en-US" dirty="0">
                 <a:latin typeface="Comic Sans MS"/>
                 <a:cs typeface="Comic Sans MS"/>
               </a:rPr>
               <a:t> hoe je sprite </a:t>
             </a:r>
             <a:r>
-              <a:rPr lang="en-US" dirty="0" err="1" smtClean="0">
+              <a:rPr lang="en-US" dirty="0" err="1">
                 <a:latin typeface="Comic Sans MS"/>
                 <a:cs typeface="Comic Sans MS"/>
               </a:rPr>
               <a:t>eruit</a:t>
             </a:r>
             <a:r>
-              <a:rPr lang="en-US" dirty="0" smtClean="0">
+              <a:rPr lang="en-US" dirty="0">
                 <a:latin typeface="Comic Sans MS"/>
                 <a:cs typeface="Comic Sans MS"/>
               </a:rPr>
               <a:t> </a:t>
             </a:r>
             <a:r>
-              <a:rPr lang="en-US" dirty="0" err="1" smtClean="0">
+              <a:rPr lang="en-US" dirty="0" err="1">
                 <a:latin typeface="Comic Sans MS"/>
                 <a:cs typeface="Comic Sans MS"/>
               </a:rPr>
               <a:t>ziet</a:t>
             </a:r>
             <a:r>
-              <a:rPr lang="en-US" dirty="0" smtClean="0">
+              <a:rPr lang="en-US" dirty="0">
                 <a:latin typeface="Comic Sans MS"/>
                 <a:cs typeface="Comic Sans MS"/>
               </a:rPr>
               <a:t> door hem </a:t>
             </a:r>
             <a:r>
-              <a:rPr lang="en-US" dirty="0" err="1" smtClean="0">
+              <a:rPr lang="en-US" dirty="0" err="1">
                 <a:latin typeface="Comic Sans MS"/>
                 <a:cs typeface="Comic Sans MS"/>
               </a:rPr>
               <a:t>anders</a:t>
             </a:r>
             <a:r>
-              <a:rPr lang="en-US" dirty="0" smtClean="0">
+              <a:rPr lang="en-US" dirty="0">
                 <a:latin typeface="Comic Sans MS"/>
                 <a:cs typeface="Comic Sans MS"/>
               </a:rPr>
               <a:t> </a:t>
             </a:r>
             <a:r>
-              <a:rPr lang="en-US" dirty="0" err="1" smtClean="0">
+              <a:rPr lang="en-US" dirty="0" err="1">
                 <a:latin typeface="Comic Sans MS"/>
                 <a:cs typeface="Comic Sans MS"/>
               </a:rPr>
               <a:t>aan</a:t>
             </a:r>
             <a:r>
-              <a:rPr lang="en-US" dirty="0" smtClean="0">
+              <a:rPr lang="en-US" dirty="0">
                 <a:latin typeface="Comic Sans MS"/>
                 <a:cs typeface="Comic Sans MS"/>
               </a:rPr>
               <a:t> </a:t>
             </a:r>
             <a:r>
-              <a:rPr lang="en-US" dirty="0" err="1" smtClean="0">
+              <a:rPr lang="en-US" dirty="0" err="1">
                 <a:latin typeface="Comic Sans MS"/>
                 <a:cs typeface="Comic Sans MS"/>
               </a:rPr>
               <a:t>te</a:t>
             </a:r>
             <a:r>
-              <a:rPr lang="en-US" dirty="0" smtClean="0">
+              <a:rPr lang="en-US" dirty="0">
                 <a:latin typeface="Comic Sans MS"/>
                 <a:cs typeface="Comic Sans MS"/>
               </a:rPr>
               <a:t> </a:t>
             </a:r>
             <a:r>
-              <a:rPr lang="en-US" dirty="0" err="1" smtClean="0">
+              <a:rPr lang="en-US" dirty="0" err="1">
                 <a:latin typeface="Comic Sans MS"/>
                 <a:cs typeface="Comic Sans MS"/>
               </a:rPr>
               <a:t>kleden</a:t>
             </a:r>
             <a:r>
-              <a:rPr lang="en-US" dirty="0" smtClean="0">
+              <a:rPr lang="en-US" dirty="0">
                 <a:latin typeface="Comic Sans MS"/>
                 <a:cs typeface="Comic Sans MS"/>
               </a:rPr>
               <a:t>.</a:t>
             </a:r>
-            <a:endParaRPr lang="en-US" dirty="0">
-              <a:latin typeface="Comic Sans MS"/>
-              <a:cs typeface="Comic Sans MS"/>
-            </a:endParaRPr>
           </a:p>
           <a:p>
             <a:endParaRPr lang="en-US" dirty="0"/>
@@ -5891,7 +5863,7 @@
           <a:noFill/>
           <a:extLst>
             <a:ext uri="{909E8E84-426E-40dd-AFC4-6F175D3DCCD1}">
-              <a14:hiddenFill xmlns:a14="http://schemas.microsoft.com/office/drawing/2010/main">
+              <a14:hiddenFill xmlns:a14="http://schemas.microsoft.com/office/drawing/2010/main" xmlns="">
                 <a:solidFill>
                   <a:srgbClr val="FFFFFF"/>
                 </a:solidFill>
@@ -6013,16 +5985,12 @@
           <a:lstStyle/>
           <a:p>
             <a:r>
-              <a:rPr lang="nl-NL" sz="4800" dirty="0" smtClean="0">
+              <a:rPr lang="nl-NL" sz="4800" dirty="0">
                 <a:latin typeface="Comic Sans MS"/>
                 <a:cs typeface="Comic Sans MS"/>
               </a:rPr>
               <a:t>Of</a:t>
             </a:r>
-            <a:endParaRPr lang="nl-NL" sz="4800" dirty="0">
-              <a:latin typeface="Comic Sans MS"/>
-              <a:cs typeface="Comic Sans MS"/>
-            </a:endParaRPr>
           </a:p>
         </p:txBody>
       </p:sp>
@@ -6156,18 +6124,10 @@
   <p:clrMapOvr>
     <a:masterClrMapping/>
   </p:clrMapOvr>
-  <mc:AlternateContent xmlns:mc="http://schemas.openxmlformats.org/markup-compatibility/2006" xmlns:p14="http://schemas.microsoft.com/office/powerpoint/2010/main">
-    <mc:Choice Requires="p14">
-      <p:transition p14:dur="0"/>
-    </mc:Choice>
-    <mc:Fallback xmlns="">
-      <p:transition xmlns:p14="http://schemas.microsoft.com/office/powerpoint/2010/main"/>
-    </mc:Fallback>
-  </mc:AlternateContent>
   <p:timing>
     <p:tnLst>
       <p:par>
-        <p:cTn xmlns:p14="http://schemas.microsoft.com/office/powerpoint/2010/main" id="1" dur="indefinite" restart="never" nodeType="tmRoot">
+        <p:cTn id="1" dur="indefinite" restart="never" nodeType="tmRoot">
           <p:childTnLst>
             <p:seq concurrent="1" nextAc="seek">
               <p:cTn id="2" dur="indefinite" nodeType="mainSeq">
@@ -6783,21 +6743,21 @@
           <a:lstStyle/>
           <a:p>
             <a:r>
-              <a:rPr lang="en-US" dirty="0" err="1" smtClean="0">
+              <a:rPr lang="en-US" dirty="0" err="1">
                 <a:latin typeface="Comic Sans MS"/>
                 <a:cs typeface="Comic Sans MS"/>
               </a:rPr>
               <a:t>Uiterlijken</a:t>
             </a:r>
             <a:r>
-              <a:rPr lang="en-US" dirty="0" smtClean="0">
+              <a:rPr lang="en-US" dirty="0">
                 <a:latin typeface="Comic Sans MS"/>
                 <a:cs typeface="Comic Sans MS"/>
               </a:rPr>
               <a:t> </a:t>
             </a:r>
             <a:r>
-              <a:rPr lang="en-US" dirty="0" err="1" smtClean="0">
+              <a:rPr lang="en-US" dirty="0" err="1">
                 <a:latin typeface="Comic Sans MS"/>
                 <a:cs typeface="Comic Sans MS"/>
               </a:rPr>
@@ -7042,7 +7002,7 @@
   <p:timing>
     <p:tnLst>
       <p:par>
-        <p:cTn xmlns:p14="http://schemas.microsoft.com/office/powerpoint/2010/main" id="1" dur="indefinite" restart="never" nodeType="tmRoot">
+        <p:cTn id="1" dur="indefinite" restart="never" nodeType="tmRoot">
           <p:childTnLst>
             <p:seq concurrent="1" nextAc="seek">
               <p:cTn id="2" dur="indefinite" nodeType="mainSeq">
@@ -7467,21 +7427,21 @@
           <a:lstStyle/>
           <a:p>
             <a:r>
-              <a:rPr lang="en-US" sz="3600" dirty="0" err="1" smtClean="0">
+              <a:rPr lang="en-US" sz="3600" dirty="0" err="1">
                 <a:latin typeface="Comic Sans MS"/>
                 <a:cs typeface="Comic Sans MS"/>
               </a:rPr>
               <a:t>Starten</a:t>
             </a:r>
             <a:r>
-              <a:rPr lang="en-US" sz="3600" dirty="0" smtClean="0">
+              <a:rPr lang="en-US" sz="3600" dirty="0">
                 <a:latin typeface="Comic Sans MS"/>
                 <a:cs typeface="Comic Sans MS"/>
               </a:rPr>
               <a:t> en </a:t>
             </a:r>
             <a:r>
-              <a:rPr lang="en-US" sz="3600" dirty="0" err="1" smtClean="0">
+              <a:rPr lang="en-US" sz="3600" dirty="0" err="1">
                 <a:latin typeface="Comic Sans MS"/>
                 <a:cs typeface="Comic Sans MS"/>
               </a:rPr>
@@ -7507,148 +7467,140 @@
           <a:lstStyle/>
           <a:p>
             <a:r>
-              <a:rPr lang="en-US" dirty="0" err="1" smtClean="0">
+              <a:rPr lang="en-US" dirty="0" err="1">
                 <a:latin typeface="Comic Sans MS"/>
                 <a:cs typeface="Comic Sans MS"/>
               </a:rPr>
               <a:t>Klik</a:t>
             </a:r>
             <a:r>
-              <a:rPr lang="en-US" dirty="0" smtClean="0">
+              <a:rPr lang="en-US" dirty="0">
                 <a:latin typeface="Comic Sans MS"/>
                 <a:cs typeface="Comic Sans MS"/>
               </a:rPr>
               <a:t> op de </a:t>
             </a:r>
             <a:r>
-              <a:rPr lang="en-US" dirty="0" err="1" smtClean="0">
+              <a:rPr lang="en-US" dirty="0" err="1">
                 <a:latin typeface="Comic Sans MS"/>
                 <a:cs typeface="Comic Sans MS"/>
               </a:rPr>
               <a:t>groene</a:t>
             </a:r>
             <a:r>
-              <a:rPr lang="en-US" dirty="0" smtClean="0">
+              <a:rPr lang="en-US" dirty="0">
                 <a:latin typeface="Comic Sans MS"/>
                 <a:cs typeface="Comic Sans MS"/>
               </a:rPr>
               <a:t> </a:t>
             </a:r>
             <a:r>
-              <a:rPr lang="en-US" dirty="0" err="1" smtClean="0">
+              <a:rPr lang="en-US" dirty="0" err="1">
                 <a:latin typeface="Comic Sans MS"/>
                 <a:cs typeface="Comic Sans MS"/>
               </a:rPr>
               <a:t>vlag</a:t>
             </a:r>
             <a:r>
-              <a:rPr lang="en-US" dirty="0" smtClean="0">
+              <a:rPr lang="en-US" dirty="0">
                 <a:latin typeface="Comic Sans MS"/>
                 <a:cs typeface="Comic Sans MS"/>
               </a:rPr>
               <a:t> </a:t>
             </a:r>
             <a:r>
-              <a:rPr lang="en-US" dirty="0" err="1" smtClean="0">
+              <a:rPr lang="en-US" dirty="0" err="1">
                 <a:latin typeface="Comic Sans MS"/>
                 <a:cs typeface="Comic Sans MS"/>
               </a:rPr>
               <a:t>om</a:t>
             </a:r>
             <a:r>
-              <a:rPr lang="en-US" dirty="0" smtClean="0">
+              <a:rPr lang="en-US" dirty="0">
                 <a:latin typeface="Comic Sans MS"/>
                 <a:cs typeface="Comic Sans MS"/>
               </a:rPr>
               <a:t> je </a:t>
             </a:r>
             <a:r>
-              <a:rPr lang="en-US" dirty="0" err="1" smtClean="0">
+              <a:rPr lang="en-US" dirty="0" err="1">
                 <a:latin typeface="Comic Sans MS"/>
                 <a:cs typeface="Comic Sans MS"/>
               </a:rPr>
               <a:t>programma</a:t>
             </a:r>
             <a:r>
-              <a:rPr lang="en-US" dirty="0" smtClean="0">
+              <a:rPr lang="en-US" dirty="0">
                 <a:latin typeface="Comic Sans MS"/>
                 <a:cs typeface="Comic Sans MS"/>
               </a:rPr>
               <a:t> </a:t>
             </a:r>
             <a:r>
-              <a:rPr lang="en-US" dirty="0" err="1" smtClean="0">
+              <a:rPr lang="en-US" dirty="0" err="1">
                 <a:latin typeface="Comic Sans MS"/>
                 <a:cs typeface="Comic Sans MS"/>
               </a:rPr>
               <a:t>te</a:t>
             </a:r>
             <a:r>
-              <a:rPr lang="en-US" dirty="0" smtClean="0">
+              <a:rPr lang="en-US" dirty="0">
                 <a:latin typeface="Comic Sans MS"/>
                 <a:cs typeface="Comic Sans MS"/>
               </a:rPr>
               <a:t> </a:t>
             </a:r>
             <a:r>
-              <a:rPr lang="en-US" dirty="0" err="1" smtClean="0">
+              <a:rPr lang="en-US" dirty="0" err="1">
                 <a:latin typeface="Comic Sans MS"/>
                 <a:cs typeface="Comic Sans MS"/>
               </a:rPr>
               <a:t>starten</a:t>
             </a:r>
             <a:r>
-              <a:rPr lang="en-US" dirty="0" smtClean="0">
+              <a:rPr lang="en-US" dirty="0">
                 <a:latin typeface="Comic Sans MS"/>
                 <a:cs typeface="Comic Sans MS"/>
               </a:rPr>
               <a:t>.</a:t>
             </a:r>
-            <a:endParaRPr lang="en-US" dirty="0">
-              <a:latin typeface="Comic Sans MS"/>
-              <a:cs typeface="Comic Sans MS"/>
-            </a:endParaRPr>
-          </a:p>
-          <a:p>
-            <a:r>
-              <a:rPr lang="en-US" dirty="0" smtClean="0">
+          </a:p>
+          <a:p>
+            <a:r>
+              <a:rPr lang="en-US" dirty="0">
                 <a:latin typeface="Comic Sans MS"/>
                 <a:cs typeface="Comic Sans MS"/>
               </a:rPr>
               <a:t>De rode knop </a:t>
             </a:r>
             <a:r>
-              <a:rPr lang="en-US" dirty="0" err="1" smtClean="0">
+              <a:rPr lang="en-US" dirty="0" err="1">
                 <a:latin typeface="Comic Sans MS"/>
                 <a:cs typeface="Comic Sans MS"/>
               </a:rPr>
               <a:t>stopt</a:t>
             </a:r>
             <a:r>
-              <a:rPr lang="en-US" dirty="0" smtClean="0">
+              <a:rPr lang="en-US" dirty="0">
                 <a:latin typeface="Comic Sans MS"/>
                 <a:cs typeface="Comic Sans MS"/>
               </a:rPr>
               <a:t> je </a:t>
             </a:r>
             <a:r>
-              <a:rPr lang="en-US" dirty="0" err="1" smtClean="0">
+              <a:rPr lang="en-US" dirty="0" err="1">
                 <a:latin typeface="Comic Sans MS"/>
                 <a:cs typeface="Comic Sans MS"/>
               </a:rPr>
               <a:t>programma</a:t>
             </a:r>
             <a:r>
-              <a:rPr lang="en-US" dirty="0" smtClean="0">
+              <a:rPr lang="en-US" dirty="0">
                 <a:latin typeface="Comic Sans MS"/>
                 <a:cs typeface="Comic Sans MS"/>
               </a:rPr>
               <a:t>.</a:t>
             </a:r>
-            <a:endParaRPr lang="en-US" dirty="0">
-              <a:latin typeface="Comic Sans MS"/>
-              <a:cs typeface="Comic Sans MS"/>
-            </a:endParaRPr>
           </a:p>
           <a:p>
             <a:endParaRPr lang="en-US" dirty="0"/>
@@ -7732,7 +7684,7 @@
           <a:noFill/>
           <a:extLst>
             <a:ext uri="{909E8E84-426E-40dd-AFC4-6F175D3DCCD1}">
-              <a14:hiddenFill xmlns:a14="http://schemas.microsoft.com/office/drawing/2010/main">
+              <a14:hiddenFill xmlns:a14="http://schemas.microsoft.com/office/drawing/2010/main" xmlns="">
                 <a:solidFill>
                   <a:srgbClr val="FFFFFF"/>
                 </a:solidFill>
@@ -7882,13 +7834,6 @@
   <p:clrMapOvr>
     <a:masterClrMapping/>
   </p:clrMapOvr>
-  <p:timing>
-    <p:tnLst>
-      <p:par>
-        <p:cTn xmlns:p14="http://schemas.microsoft.com/office/powerpoint/2010/main" id="1" dur="indefinite" restart="never" nodeType="tmRoot"/>
-      </p:par>
-    </p:tnLst>
-  </p:timing>
 </p:sld>
 </file>
 
@@ -7929,19 +7874,8 @@
                 <a:latin typeface="Comic Sans MS"/>
                 <a:cs typeface="Comic Sans MS"/>
               </a:rPr>
-              <a:t>Scratch </a:t>
-            </a:r>
-            <a:r>
-              <a:rPr lang="en-US" dirty="0" smtClean="0">
-                <a:latin typeface="Comic Sans MS"/>
-                <a:cs typeface="Comic Sans MS"/>
-              </a:rPr>
-              <a:t>website</a:t>
-            </a:r>
-            <a:endParaRPr lang="en-US" dirty="0">
-              <a:latin typeface="Comic Sans MS"/>
-              <a:cs typeface="Comic Sans MS"/>
-            </a:endParaRPr>
+              <a:t>Scratch website</a:t>
+            </a:r>
           </a:p>
         </p:txBody>
       </p:sp>
@@ -7961,28 +7895,12 @@
           <a:lstStyle/>
           <a:p>
             <a:r>
-              <a:rPr lang="en-US" dirty="0" smtClean="0">
+              <a:rPr lang="en-US" dirty="0">
                 <a:latin typeface="Comic Sans MS"/>
                 <a:cs typeface="Comic Sans MS"/>
                 <a:hlinkClick r:id="rId2"/>
               </a:rPr>
-              <a:t>https</a:t>
-            </a:r>
-            <a:r>
-              <a:rPr lang="en-US" dirty="0">
-                <a:latin typeface="Comic Sans MS"/>
-                <a:cs typeface="Comic Sans MS"/>
-                <a:hlinkClick r:id="rId2"/>
-              </a:rPr>
-              <a:t>://scratch.mit.edu</a:t>
-            </a:r>
-            <a:r>
-              <a:rPr lang="en-US" dirty="0" smtClean="0">
-                <a:latin typeface="Comic Sans MS"/>
-                <a:cs typeface="Comic Sans MS"/>
-                <a:hlinkClick r:id="rId2"/>
-              </a:rPr>
-              <a:t>/</a:t>
+              <a:t>https://scratch.mit.edu/</a:t>
             </a:r>
             <a:endParaRPr lang="en-US" dirty="0">
               <a:latin typeface="Comic Sans MS"/>
@@ -7990,133 +7908,125 @@
             </a:endParaRPr>
           </a:p>
           <a:p>
-            <a:endParaRPr lang="en-US" dirty="0" smtClean="0">
-              <a:latin typeface="Comic Sans MS"/>
-              <a:cs typeface="Comic Sans MS"/>
-            </a:endParaRPr>
-          </a:p>
-          <a:p>
-            <a:r>
-              <a:rPr lang="en-US" dirty="0" smtClean="0">
-                <a:latin typeface="Comic Sans MS"/>
-                <a:cs typeface="Comic Sans MS"/>
-              </a:rPr>
-              <a:t>Je </a:t>
-            </a:r>
-            <a:r>
-              <a:rPr lang="en-US" dirty="0" err="1" smtClean="0">
-                <a:latin typeface="Comic Sans MS"/>
-                <a:cs typeface="Comic Sans MS"/>
-              </a:rPr>
-              <a:t>kan</a:t>
-            </a:r>
-            <a:r>
-              <a:rPr lang="en-US" dirty="0" smtClean="0">
-                <a:latin typeface="Comic Sans MS"/>
-                <a:cs typeface="Comic Sans MS"/>
-              </a:rPr>
-              <a:t> </a:t>
-            </a:r>
-            <a:r>
-              <a:rPr lang="en-US" dirty="0" err="1" smtClean="0">
-                <a:latin typeface="Comic Sans MS"/>
-                <a:cs typeface="Comic Sans MS"/>
-              </a:rPr>
-              <a:t>er</a:t>
-            </a:r>
-            <a:r>
-              <a:rPr lang="en-US" dirty="0" smtClean="0">
-                <a:latin typeface="Comic Sans MS"/>
-                <a:cs typeface="Comic Sans MS"/>
-              </a:rPr>
-              <a:t>:</a:t>
-            </a:r>
             <a:endParaRPr lang="en-US" dirty="0">
               <a:latin typeface="Comic Sans MS"/>
               <a:cs typeface="Comic Sans MS"/>
             </a:endParaRPr>
           </a:p>
           <a:p>
+            <a:r>
+              <a:rPr lang="en-US" dirty="0">
+                <a:latin typeface="Comic Sans MS"/>
+                <a:cs typeface="Comic Sans MS"/>
+              </a:rPr>
+              <a:t>Je </a:t>
+            </a:r>
+            <a:r>
+              <a:rPr lang="en-US" dirty="0" err="1">
+                <a:latin typeface="Comic Sans MS"/>
+                <a:cs typeface="Comic Sans MS"/>
+              </a:rPr>
+              <a:t>kan</a:t>
+            </a:r>
+            <a:r>
+              <a:rPr lang="en-US" dirty="0">
+                <a:latin typeface="Comic Sans MS"/>
+                <a:cs typeface="Comic Sans MS"/>
+              </a:rPr>
+              <a:t> </a:t>
+            </a:r>
+            <a:r>
+              <a:rPr lang="en-US" dirty="0" err="1">
+                <a:latin typeface="Comic Sans MS"/>
+                <a:cs typeface="Comic Sans MS"/>
+              </a:rPr>
+              <a:t>er</a:t>
+            </a:r>
+            <a:r>
+              <a:rPr lang="en-US" dirty="0">
+                <a:latin typeface="Comic Sans MS"/>
+                <a:cs typeface="Comic Sans MS"/>
+              </a:rPr>
+              <a:t>:</a:t>
+            </a:r>
+          </a:p>
+          <a:p>
             <a:pPr lvl="1"/>
             <a:r>
-              <a:rPr lang="en-US" dirty="0" smtClean="0">
+              <a:rPr lang="en-US" dirty="0">
                 <a:latin typeface="Comic Sans MS"/>
                 <a:cs typeface="Comic Sans MS"/>
               </a:rPr>
               <a:t>Het Scratch </a:t>
             </a:r>
             <a:r>
-              <a:rPr lang="en-US" dirty="0" err="1" smtClean="0">
+              <a:rPr lang="en-US" dirty="0" err="1">
                 <a:latin typeface="Comic Sans MS"/>
                 <a:cs typeface="Comic Sans MS"/>
               </a:rPr>
               <a:t>programma</a:t>
             </a:r>
             <a:r>
-              <a:rPr lang="en-US" dirty="0" smtClean="0">
+              <a:rPr lang="en-US" dirty="0">
                 <a:latin typeface="Comic Sans MS"/>
                 <a:cs typeface="Comic Sans MS"/>
               </a:rPr>
               <a:t> </a:t>
             </a:r>
             <a:r>
-              <a:rPr lang="en-US" dirty="0" err="1" smtClean="0">
+              <a:rPr lang="en-US" dirty="0" err="1">
                 <a:latin typeface="Comic Sans MS"/>
                 <a:cs typeface="Comic Sans MS"/>
               </a:rPr>
               <a:t>downloaden</a:t>
             </a:r>
             <a:r>
-              <a:rPr lang="en-US" dirty="0" smtClean="0">
+              <a:rPr lang="en-US" dirty="0">
                 <a:latin typeface="Comic Sans MS"/>
                 <a:cs typeface="Comic Sans MS"/>
               </a:rPr>
               <a:t>.</a:t>
             </a:r>
-            <a:endParaRPr lang="en-US" dirty="0">
-              <a:latin typeface="Comic Sans MS"/>
-              <a:cs typeface="Comic Sans MS"/>
-            </a:endParaRPr>
           </a:p>
           <a:p>
             <a:pPr lvl="1"/>
             <a:r>
-              <a:rPr lang="en-US" dirty="0" err="1" smtClean="0">
+              <a:rPr lang="en-US" dirty="0" err="1">
                 <a:latin typeface="Comic Sans MS"/>
                 <a:cs typeface="Comic Sans MS"/>
               </a:rPr>
               <a:t>Filmpjes</a:t>
             </a:r>
             <a:r>
-              <a:rPr lang="en-US" dirty="0" smtClean="0">
+              <a:rPr lang="en-US" dirty="0">
                 <a:latin typeface="Comic Sans MS"/>
                 <a:cs typeface="Comic Sans MS"/>
               </a:rPr>
               <a:t> met </a:t>
             </a:r>
             <a:r>
-              <a:rPr lang="en-US" dirty="0" err="1" smtClean="0">
+              <a:rPr lang="en-US" dirty="0" err="1">
                 <a:latin typeface="Comic Sans MS"/>
                 <a:cs typeface="Comic Sans MS"/>
               </a:rPr>
               <a:t>uitleg</a:t>
             </a:r>
             <a:r>
-              <a:rPr lang="en-US" dirty="0" smtClean="0">
+              <a:rPr lang="en-US" dirty="0">
                 <a:latin typeface="Comic Sans MS"/>
                 <a:cs typeface="Comic Sans MS"/>
               </a:rPr>
               <a:t> </a:t>
             </a:r>
             <a:r>
-              <a:rPr lang="en-US" dirty="0" err="1" smtClean="0">
+              <a:rPr lang="en-US" dirty="0" err="1">
                 <a:latin typeface="Comic Sans MS"/>
                 <a:cs typeface="Comic Sans MS"/>
               </a:rPr>
               <a:t>bekijken</a:t>
             </a:r>
             <a:r>
-              <a:rPr lang="en-US" dirty="0" smtClean="0">
+              <a:rPr lang="en-US" dirty="0">
                 <a:latin typeface="Comic Sans MS"/>
                 <a:cs typeface="Comic Sans MS"/>
               </a:rPr>
@@ -8126,28 +8036,28 @@
           <a:p>
             <a:pPr lvl="1"/>
             <a:r>
-              <a:rPr lang="en-US" dirty="0" err="1" smtClean="0">
+              <a:rPr lang="en-US" dirty="0" err="1">
                 <a:latin typeface="Comic Sans MS"/>
                 <a:cs typeface="Comic Sans MS"/>
               </a:rPr>
               <a:t>Hulp</a:t>
             </a:r>
             <a:r>
-              <a:rPr lang="en-US" dirty="0" smtClean="0">
+              <a:rPr lang="en-US" dirty="0">
                 <a:latin typeface="Comic Sans MS"/>
                 <a:cs typeface="Comic Sans MS"/>
               </a:rPr>
               <a:t> </a:t>
             </a:r>
             <a:r>
-              <a:rPr lang="en-US" dirty="0" err="1" smtClean="0">
+              <a:rPr lang="en-US" dirty="0" err="1">
                 <a:latin typeface="Comic Sans MS"/>
                 <a:cs typeface="Comic Sans MS"/>
               </a:rPr>
               <a:t>krijgen</a:t>
             </a:r>
             <a:r>
-              <a:rPr lang="en-US" dirty="0" smtClean="0">
+              <a:rPr lang="en-US" dirty="0">
                 <a:latin typeface="Comic Sans MS"/>
                 <a:cs typeface="Comic Sans MS"/>
               </a:rPr>
@@ -8161,66 +8071,59 @@
                 <a:latin typeface="Comic Sans MS"/>
                 <a:cs typeface="Comic Sans MS"/>
               </a:rPr>
-              <a:t>E</a:t>
-            </a:r>
-            <a:r>
-              <a:rPr lang="en-US" dirty="0" smtClean="0">
-                <a:latin typeface="Comic Sans MS"/>
-                <a:cs typeface="Comic Sans MS"/>
-              </a:rPr>
-              <a:t>n je </a:t>
-            </a:r>
-            <a:r>
-              <a:rPr lang="en-US" dirty="0" err="1" smtClean="0">
+              <a:t>En je </a:t>
+            </a:r>
+            <a:r>
+              <a:rPr lang="en-US" dirty="0" err="1">
                 <a:latin typeface="Comic Sans MS"/>
                 <a:cs typeface="Comic Sans MS"/>
               </a:rPr>
               <a:t>kan</a:t>
             </a:r>
             <a:r>
-              <a:rPr lang="en-US" dirty="0" smtClean="0">
+              <a:rPr lang="en-US" dirty="0">
                 <a:latin typeface="Comic Sans MS"/>
                 <a:cs typeface="Comic Sans MS"/>
               </a:rPr>
               <a:t> je </a:t>
             </a:r>
             <a:r>
-              <a:rPr lang="en-US" dirty="0" err="1" smtClean="0">
+              <a:rPr lang="en-US" dirty="0" err="1">
                 <a:latin typeface="Comic Sans MS"/>
                 <a:cs typeface="Comic Sans MS"/>
               </a:rPr>
               <a:t>projecten</a:t>
             </a:r>
             <a:r>
-              <a:rPr lang="en-US" dirty="0" smtClean="0">
+              <a:rPr lang="en-US" dirty="0">
                 <a:latin typeface="Comic Sans MS"/>
                 <a:cs typeface="Comic Sans MS"/>
               </a:rPr>
               <a:t> met </a:t>
             </a:r>
             <a:r>
-              <a:rPr lang="en-US" dirty="0" err="1" smtClean="0">
+              <a:rPr lang="en-US" dirty="0" err="1">
                 <a:latin typeface="Comic Sans MS"/>
                 <a:cs typeface="Comic Sans MS"/>
               </a:rPr>
               <a:t>andere</a:t>
             </a:r>
             <a:r>
-              <a:rPr lang="en-US" dirty="0" smtClean="0">
+              <a:rPr lang="en-US" dirty="0">
                 <a:latin typeface="Comic Sans MS"/>
                 <a:cs typeface="Comic Sans MS"/>
               </a:rPr>
               <a:t> </a:t>
             </a:r>
             <a:r>
-              <a:rPr lang="en-US" dirty="0" err="1" smtClean="0">
+              <a:rPr lang="en-US" dirty="0" err="1">
                 <a:latin typeface="Comic Sans MS"/>
                 <a:cs typeface="Comic Sans MS"/>
               </a:rPr>
               <a:t>delen</a:t>
             </a:r>
             <a:r>
-              <a:rPr lang="en-US" dirty="0" smtClean="0">
+              <a:rPr lang="en-US" dirty="0">
                 <a:latin typeface="Comic Sans MS"/>
                 <a:cs typeface="Comic Sans MS"/>
               </a:rPr>
@@ -8307,7 +8210,7 @@
           <a:noFill/>
           <a:extLst>
             <a:ext uri="{909E8E84-426E-40dd-AFC4-6F175D3DCCD1}">
-              <a14:hiddenFill xmlns:a14="http://schemas.microsoft.com/office/drawing/2010/main">
+              <a14:hiddenFill xmlns:a14="http://schemas.microsoft.com/office/drawing/2010/main" xmlns="">
                 <a:solidFill>
                   <a:srgbClr val="FFFFFF"/>
                 </a:solidFill>
@@ -8326,13 +8229,6 @@
   <p:clrMapOvr>
     <a:masterClrMapping/>
   </p:clrMapOvr>
-  <p:timing>
-    <p:tnLst>
-      <p:par>
-        <p:cTn xmlns:p14="http://schemas.microsoft.com/office/powerpoint/2010/main" id="1" dur="indefinite" restart="never" nodeType="tmRoot"/>
-      </p:par>
-    </p:tnLst>
-  </p:timing>
 </p:sld>
 </file>
 
@@ -8369,23 +8265,19 @@
           <a:lstStyle/>
           <a:p>
             <a:r>
-              <a:rPr lang="en-US" dirty="0" err="1" smtClean="0">
+              <a:rPr lang="en-US" dirty="0" err="1">
                 <a:latin typeface="Comic Sans MS"/>
                 <a:cs typeface="Comic Sans MS"/>
               </a:rPr>
               <a:t>Wat</a:t>
             </a:r>
             <a:r>
-              <a:rPr lang="en-US" dirty="0" smtClean="0">
+              <a:rPr lang="en-US" dirty="0">
                 <a:latin typeface="Comic Sans MS"/>
                 <a:cs typeface="Comic Sans MS"/>
               </a:rPr>
               <a:t> is Leap motion?</a:t>
             </a:r>
-            <a:endParaRPr lang="en-US" dirty="0">
-              <a:latin typeface="Comic Sans MS"/>
-              <a:cs typeface="Comic Sans MS"/>
-            </a:endParaRPr>
           </a:p>
         </p:txBody>
       </p:sp>
@@ -8600,70 +8492,70 @@
               <a:defRPr sz="1800"/>
             </a:pPr>
             <a:r>
-              <a:rPr lang="en-US" sz="2560" dirty="0" err="1" smtClean="0">
+              <a:rPr lang="en-US" sz="2560" dirty="0" err="1">
                 <a:latin typeface="Comic Sans MS"/>
                 <a:cs typeface="Comic Sans MS"/>
               </a:rPr>
               <a:t>Een</a:t>
             </a:r>
             <a:r>
-              <a:rPr lang="en-US" sz="2560" dirty="0" smtClean="0">
+              <a:rPr lang="en-US" sz="2560" dirty="0">
                 <a:latin typeface="Comic Sans MS"/>
                 <a:cs typeface="Comic Sans MS"/>
               </a:rPr>
               <a:t> </a:t>
             </a:r>
             <a:r>
-              <a:rPr lang="en-US" sz="2560" dirty="0" err="1" smtClean="0">
+              <a:rPr lang="en-US" sz="2560" dirty="0" err="1">
                 <a:latin typeface="Comic Sans MS"/>
                 <a:cs typeface="Comic Sans MS"/>
               </a:rPr>
               <a:t>klein</a:t>
             </a:r>
             <a:r>
-              <a:rPr lang="en-US" sz="2560" dirty="0" smtClean="0">
+              <a:rPr lang="en-US" sz="2560" dirty="0">
                 <a:latin typeface="Comic Sans MS"/>
                 <a:cs typeface="Comic Sans MS"/>
               </a:rPr>
               <a:t> </a:t>
             </a:r>
             <a:r>
-              <a:rPr lang="en-US" sz="2560" dirty="0" err="1" smtClean="0">
+              <a:rPr lang="en-US" sz="2560" dirty="0" err="1">
                 <a:latin typeface="Comic Sans MS"/>
                 <a:cs typeface="Comic Sans MS"/>
               </a:rPr>
               <a:t>toestelletje</a:t>
             </a:r>
             <a:r>
-              <a:rPr lang="en-US" sz="2560" dirty="0" smtClean="0">
+              <a:rPr lang="en-US" sz="2560" dirty="0">
                 <a:latin typeface="Comic Sans MS"/>
                 <a:cs typeface="Comic Sans MS"/>
               </a:rPr>
               <a:t> </a:t>
             </a:r>
             <a:r>
-              <a:rPr lang="en-US" sz="2560" dirty="0" err="1" smtClean="0">
+              <a:rPr lang="en-US" sz="2560" dirty="0" err="1">
                 <a:latin typeface="Comic Sans MS"/>
                 <a:cs typeface="Comic Sans MS"/>
               </a:rPr>
               <a:t>dat</a:t>
             </a:r>
             <a:r>
-              <a:rPr lang="en-US" sz="2560" dirty="0" smtClean="0">
+              <a:rPr lang="en-US" sz="2560" dirty="0">
                 <a:latin typeface="Comic Sans MS"/>
                 <a:cs typeface="Comic Sans MS"/>
               </a:rPr>
               <a:t> je </a:t>
             </a:r>
             <a:r>
-              <a:rPr lang="en-US" sz="2560" dirty="0" err="1" smtClean="0">
+              <a:rPr lang="en-US" sz="2560" dirty="0" err="1">
                 <a:latin typeface="Comic Sans MS"/>
                 <a:cs typeface="Comic Sans MS"/>
               </a:rPr>
               <a:t>aansluit</a:t>
             </a:r>
             <a:r>
-              <a:rPr lang="en-US" sz="2560" dirty="0" smtClean="0">
+              <a:rPr lang="en-US" sz="2560" dirty="0">
                 <a:latin typeface="Comic Sans MS"/>
                 <a:cs typeface="Comic Sans MS"/>
               </a:rPr>
@@ -8678,126 +8570,126 @@
               <a:defRPr sz="1800"/>
             </a:pPr>
             <a:r>
-              <a:rPr lang="en-US" sz="2560" dirty="0" err="1" smtClean="0">
+              <a:rPr lang="en-US" sz="2560" dirty="0" err="1">
                 <a:latin typeface="Comic Sans MS"/>
                 <a:cs typeface="Comic Sans MS"/>
               </a:rPr>
               <a:t>Hij</a:t>
             </a:r>
             <a:r>
-              <a:rPr lang="en-US" sz="2560" dirty="0" smtClean="0">
+              <a:rPr lang="en-US" sz="2560" dirty="0">
                 <a:latin typeface="Comic Sans MS"/>
                 <a:cs typeface="Comic Sans MS"/>
               </a:rPr>
               <a:t> ‘</a:t>
             </a:r>
             <a:r>
-              <a:rPr lang="en-US" sz="2560" dirty="0" err="1" smtClean="0">
+              <a:rPr lang="en-US" sz="2560" dirty="0" err="1">
                 <a:latin typeface="Comic Sans MS"/>
                 <a:cs typeface="Comic Sans MS"/>
               </a:rPr>
               <a:t>kijkt</a:t>
             </a:r>
             <a:r>
-              <a:rPr lang="en-US" sz="2560" dirty="0" smtClean="0">
+              <a:rPr lang="en-US" sz="2560" dirty="0">
                 <a:latin typeface="Comic Sans MS"/>
                 <a:cs typeface="Comic Sans MS"/>
               </a:rPr>
               <a:t>’ </a:t>
             </a:r>
             <a:r>
-              <a:rPr lang="en-US" sz="2560" dirty="0" err="1" smtClean="0">
+              <a:rPr lang="en-US" sz="2560" dirty="0" err="1">
                 <a:latin typeface="Comic Sans MS"/>
                 <a:cs typeface="Comic Sans MS"/>
               </a:rPr>
               <a:t>naar</a:t>
             </a:r>
             <a:r>
-              <a:rPr lang="en-US" sz="2560" dirty="0" smtClean="0">
+              <a:rPr lang="en-US" sz="2560" dirty="0">
                 <a:latin typeface="Comic Sans MS"/>
                 <a:cs typeface="Comic Sans MS"/>
               </a:rPr>
               <a:t> je </a:t>
             </a:r>
             <a:r>
-              <a:rPr lang="en-US" sz="2560" dirty="0" err="1" smtClean="0">
+              <a:rPr lang="en-US" sz="2560" dirty="0" err="1">
                 <a:latin typeface="Comic Sans MS"/>
                 <a:cs typeface="Comic Sans MS"/>
               </a:rPr>
               <a:t>handen</a:t>
             </a:r>
             <a:r>
-              <a:rPr lang="en-US" sz="2560" dirty="0" smtClean="0">
+              <a:rPr lang="en-US" sz="2560" dirty="0">
                 <a:latin typeface="Comic Sans MS"/>
                 <a:cs typeface="Comic Sans MS"/>
               </a:rPr>
               <a:t> </a:t>
             </a:r>
             <a:r>
-              <a:rPr lang="en-US" sz="2560" dirty="0" err="1" smtClean="0">
+              <a:rPr lang="en-US" sz="2560" dirty="0" err="1">
                 <a:latin typeface="Comic Sans MS"/>
                 <a:cs typeface="Comic Sans MS"/>
               </a:rPr>
               <a:t>als</a:t>
             </a:r>
             <a:r>
-              <a:rPr lang="en-US" sz="2560" dirty="0" smtClean="0">
+              <a:rPr lang="en-US" sz="2560" dirty="0">
                 <a:latin typeface="Comic Sans MS"/>
                 <a:cs typeface="Comic Sans MS"/>
               </a:rPr>
               <a:t> je </a:t>
             </a:r>
             <a:r>
-              <a:rPr lang="en-US" sz="2560" dirty="0" err="1" smtClean="0">
+              <a:rPr lang="en-US" sz="2560" dirty="0" err="1">
                 <a:latin typeface="Comic Sans MS"/>
                 <a:cs typeface="Comic Sans MS"/>
               </a:rPr>
               <a:t>ze</a:t>
             </a:r>
             <a:r>
-              <a:rPr lang="en-US" sz="2560" dirty="0" smtClean="0">
+              <a:rPr lang="en-US" sz="2560" dirty="0">
                 <a:latin typeface="Comic Sans MS"/>
                 <a:cs typeface="Comic Sans MS"/>
               </a:rPr>
               <a:t> in het veld </a:t>
             </a:r>
             <a:r>
-              <a:rPr lang="en-US" sz="2560" dirty="0" err="1" smtClean="0">
+              <a:rPr lang="en-US" sz="2560" dirty="0" err="1">
                 <a:latin typeface="Comic Sans MS"/>
                 <a:cs typeface="Comic Sans MS"/>
               </a:rPr>
               <a:t>rondom</a:t>
             </a:r>
             <a:r>
-              <a:rPr lang="en-US" sz="2560" dirty="0" smtClean="0">
+              <a:rPr lang="en-US" sz="2560" dirty="0">
                 <a:latin typeface="Comic Sans MS"/>
                 <a:cs typeface="Comic Sans MS"/>
               </a:rPr>
               <a:t> het </a:t>
             </a:r>
             <a:r>
-              <a:rPr lang="en-US" sz="2560" dirty="0" err="1" smtClean="0">
+              <a:rPr lang="en-US" sz="2560" dirty="0" err="1">
                 <a:latin typeface="Comic Sans MS"/>
                 <a:cs typeface="Comic Sans MS"/>
               </a:rPr>
               <a:t>toestel</a:t>
             </a:r>
             <a:r>
-              <a:rPr lang="en-US" sz="2560" dirty="0" smtClean="0">
+              <a:rPr lang="en-US" sz="2560" dirty="0">
                 <a:latin typeface="Comic Sans MS"/>
                 <a:cs typeface="Comic Sans MS"/>
               </a:rPr>
               <a:t> </a:t>
             </a:r>
             <a:r>
-              <a:rPr lang="en-US" sz="2560" dirty="0" err="1" smtClean="0">
+              <a:rPr lang="en-US" sz="2560" dirty="0" err="1">
                 <a:latin typeface="Comic Sans MS"/>
                 <a:cs typeface="Comic Sans MS"/>
               </a:rPr>
               <a:t>beweegt</a:t>
             </a:r>
             <a:r>
-              <a:rPr lang="en-US" sz="2560" dirty="0" smtClean="0">
+              <a:rPr lang="en-US" sz="2560" dirty="0">
                 <a:latin typeface="Comic Sans MS"/>
                 <a:cs typeface="Comic Sans MS"/>
               </a:rPr>
@@ -8812,70 +8704,70 @@
               <a:defRPr sz="1800"/>
             </a:pPr>
             <a:r>
-              <a:rPr lang="en-US" sz="2560" dirty="0" err="1" smtClean="0">
+              <a:rPr lang="en-US" sz="2560" dirty="0" err="1">
                 <a:latin typeface="Comic Sans MS"/>
                 <a:cs typeface="Comic Sans MS"/>
               </a:rPr>
               <a:t>Bepaald</a:t>
             </a:r>
             <a:r>
-              <a:rPr lang="en-US" sz="2560" dirty="0" smtClean="0">
+              <a:rPr lang="en-US" sz="2560" dirty="0">
                 <a:latin typeface="Comic Sans MS"/>
                 <a:cs typeface="Comic Sans MS"/>
               </a:rPr>
               <a:t> de </a:t>
             </a:r>
             <a:r>
-              <a:rPr lang="en-US" sz="2560" dirty="0" err="1" smtClean="0">
+              <a:rPr lang="en-US" sz="2560" dirty="0" err="1">
                 <a:latin typeface="Comic Sans MS"/>
                 <a:cs typeface="Comic Sans MS"/>
               </a:rPr>
               <a:t>plaats</a:t>
             </a:r>
             <a:r>
-              <a:rPr lang="en-US" sz="2560" dirty="0" smtClean="0">
+              <a:rPr lang="en-US" sz="2560" dirty="0">
                 <a:latin typeface="Comic Sans MS"/>
                 <a:cs typeface="Comic Sans MS"/>
               </a:rPr>
               <a:t> van je </a:t>
             </a:r>
             <a:r>
-              <a:rPr lang="en-US" sz="2560" dirty="0" err="1" smtClean="0">
+              <a:rPr lang="en-US" sz="2560" dirty="0" err="1">
                 <a:latin typeface="Comic Sans MS"/>
                 <a:cs typeface="Comic Sans MS"/>
               </a:rPr>
               <a:t>handen</a:t>
             </a:r>
             <a:r>
-              <a:rPr lang="en-US" sz="2560" dirty="0" smtClean="0">
+              <a:rPr lang="en-US" sz="2560" dirty="0">
                 <a:latin typeface="Comic Sans MS"/>
                 <a:cs typeface="Comic Sans MS"/>
               </a:rPr>
               <a:t> en hoe je </a:t>
             </a:r>
             <a:r>
-              <a:rPr lang="en-US" sz="2560" dirty="0" err="1" smtClean="0">
+              <a:rPr lang="en-US" sz="2560" dirty="0" err="1">
                 <a:latin typeface="Comic Sans MS"/>
                 <a:cs typeface="Comic Sans MS"/>
               </a:rPr>
               <a:t>vingers</a:t>
             </a:r>
             <a:r>
-              <a:rPr lang="en-US" sz="2560" dirty="0" smtClean="0">
+              <a:rPr lang="en-US" sz="2560" dirty="0">
                 <a:latin typeface="Comic Sans MS"/>
                 <a:cs typeface="Comic Sans MS"/>
               </a:rPr>
               <a:t> </a:t>
             </a:r>
             <a:r>
-              <a:rPr lang="en-US" sz="2560" dirty="0" err="1" smtClean="0">
+              <a:rPr lang="en-US" sz="2560" dirty="0" err="1">
                 <a:latin typeface="Comic Sans MS"/>
                 <a:cs typeface="Comic Sans MS"/>
               </a:rPr>
               <a:t>staan</a:t>
             </a:r>
             <a:r>
-              <a:rPr lang="en-US" sz="2560" dirty="0" smtClean="0">
+              <a:rPr lang="en-US" sz="2560" dirty="0">
                 <a:latin typeface="Comic Sans MS"/>
                 <a:cs typeface="Comic Sans MS"/>
               </a:rPr>
@@ -8921,13 +8813,6 @@
   <p:clrMapOvr>
     <a:masterClrMapping/>
   </p:clrMapOvr>
-  <p:timing>
-    <p:tnLst>
-      <p:par>
-        <p:cTn xmlns:p14="http://schemas.microsoft.com/office/powerpoint/2010/main" id="1" dur="indefinite" restart="never" nodeType="tmRoot"/>
-      </p:par>
-    </p:tnLst>
-  </p:timing>
 </p:sld>
 </file>
 
@@ -8964,10 +8849,9 @@
           <a:lstStyle/>
           <a:p>
             <a:r>
-              <a:rPr lang="en-US" dirty="0" smtClean="0"/>
+              <a:rPr lang="en-US" dirty="0"/>
               <a:t>Leap Motion Demo	</a:t>
             </a:r>
-            <a:endParaRPr lang="en-US" dirty="0"/>
           </a:p>
         </p:txBody>
       </p:sp>
@@ -8995,16 +8879,12 @@
               <a:buNone/>
             </a:pPr>
             <a:r>
-              <a:rPr lang="en-US" sz="8000" dirty="0" smtClean="0">
+              <a:rPr lang="en-US" sz="8000" dirty="0">
                 <a:latin typeface="Comic Sans MS"/>
                 <a:cs typeface="Comic Sans MS"/>
               </a:rPr>
               <a:t>DEMO</a:t>
             </a:r>
-            <a:endParaRPr lang="en-US" sz="8000" dirty="0">
-              <a:latin typeface="Comic Sans MS"/>
-              <a:cs typeface="Comic Sans MS"/>
-            </a:endParaRPr>
           </a:p>
         </p:txBody>
       </p:sp>
@@ -9063,13 +8943,6 @@
   <p:clrMapOvr>
     <a:masterClrMapping/>
   </p:clrMapOvr>
-  <p:timing>
-    <p:tnLst>
-      <p:par>
-        <p:cTn xmlns:p14="http://schemas.microsoft.com/office/powerpoint/2010/main" id="1" dur="indefinite" restart="never" nodeType="tmRoot"/>
-      </p:par>
-    </p:tnLst>
-  </p:timing>
 </p:sld>
 </file>
 
@@ -9106,51 +8979,47 @@
           <a:lstStyle/>
           <a:p>
             <a:r>
-              <a:rPr lang="en-US" sz="4000" dirty="0" err="1" smtClean="0">
+              <a:rPr lang="en-US" sz="4000" dirty="0" err="1">
                 <a:latin typeface="Comic Sans MS"/>
                 <a:cs typeface="Comic Sans MS"/>
               </a:rPr>
               <a:t>Wat</a:t>
             </a:r>
             <a:r>
-              <a:rPr lang="en-US" sz="4000" dirty="0" smtClean="0">
+              <a:rPr lang="en-US" sz="4000" dirty="0">
                 <a:latin typeface="Comic Sans MS"/>
                 <a:cs typeface="Comic Sans MS"/>
               </a:rPr>
               <a:t> </a:t>
             </a:r>
             <a:r>
-              <a:rPr lang="en-US" sz="4000" dirty="0" err="1" smtClean="0">
+              <a:rPr lang="en-US" sz="4000" dirty="0" err="1">
                 <a:latin typeface="Comic Sans MS"/>
                 <a:cs typeface="Comic Sans MS"/>
               </a:rPr>
               <a:t>kunnen</a:t>
             </a:r>
             <a:r>
-              <a:rPr lang="en-US" sz="4000" dirty="0" smtClean="0">
+              <a:rPr lang="en-US" sz="4000" dirty="0">
                 <a:latin typeface="Comic Sans MS"/>
                 <a:cs typeface="Comic Sans MS"/>
               </a:rPr>
               <a:t> we </a:t>
             </a:r>
             <a:r>
-              <a:rPr lang="en-US" sz="4000" dirty="0" err="1" smtClean="0">
+              <a:rPr lang="en-US" sz="4000" dirty="0" err="1">
                 <a:latin typeface="Comic Sans MS"/>
                 <a:cs typeface="Comic Sans MS"/>
               </a:rPr>
               <a:t>ermee</a:t>
             </a:r>
             <a:r>
-              <a:rPr lang="en-US" sz="4000" dirty="0" smtClean="0">
+              <a:rPr lang="en-US" sz="4000" dirty="0">
                 <a:latin typeface="Comic Sans MS"/>
                 <a:cs typeface="Comic Sans MS"/>
               </a:rPr>
               <a:t>?</a:t>
             </a:r>
-            <a:endParaRPr lang="en-US" sz="4000" dirty="0">
-              <a:latin typeface="Comic Sans MS"/>
-              <a:cs typeface="Comic Sans MS"/>
-            </a:endParaRPr>
           </a:p>
         </p:txBody>
       </p:sp>
@@ -9365,49 +9234,49 @@
               <a:defRPr sz="1800"/>
             </a:pPr>
             <a:r>
-              <a:rPr lang="en-US" sz="2560" dirty="0" smtClean="0">
+              <a:rPr lang="en-US" sz="2560" dirty="0">
                 <a:latin typeface="Comic Sans MS"/>
                 <a:cs typeface="Comic Sans MS"/>
               </a:rPr>
               <a:t>Je </a:t>
             </a:r>
             <a:r>
-              <a:rPr lang="en-US" sz="2560" dirty="0" err="1" smtClean="0">
+              <a:rPr lang="en-US" sz="2560" dirty="0" err="1">
                 <a:latin typeface="Comic Sans MS"/>
                 <a:cs typeface="Comic Sans MS"/>
               </a:rPr>
               <a:t>kan</a:t>
             </a:r>
             <a:r>
-              <a:rPr lang="en-US" sz="2560" dirty="0" smtClean="0">
+              <a:rPr lang="en-US" sz="2560" dirty="0">
                 <a:latin typeface="Comic Sans MS"/>
                 <a:cs typeface="Comic Sans MS"/>
               </a:rPr>
               <a:t> </a:t>
             </a:r>
             <a:r>
-              <a:rPr lang="en-US" sz="2560" dirty="0" err="1" smtClean="0">
+              <a:rPr lang="en-US" sz="2560" dirty="0" err="1">
                 <a:latin typeface="Comic Sans MS"/>
                 <a:cs typeface="Comic Sans MS"/>
               </a:rPr>
               <a:t>er</a:t>
             </a:r>
             <a:r>
-              <a:rPr lang="en-US" sz="2560" dirty="0" smtClean="0">
+              <a:rPr lang="en-US" sz="2560" dirty="0">
                 <a:latin typeface="Comic Sans MS"/>
                 <a:cs typeface="Comic Sans MS"/>
               </a:rPr>
               <a:t> </a:t>
             </a:r>
             <a:r>
-              <a:rPr lang="en-US" sz="2560" dirty="0" err="1" smtClean="0">
+              <a:rPr lang="en-US" sz="2560" dirty="0" err="1">
                 <a:latin typeface="Comic Sans MS"/>
                 <a:cs typeface="Comic Sans MS"/>
               </a:rPr>
               <a:t>bijvoorbeeld</a:t>
             </a:r>
             <a:r>
-              <a:rPr lang="en-US" sz="2560" dirty="0" smtClean="0">
+              <a:rPr lang="en-US" sz="2560" dirty="0">
                 <a:latin typeface="Comic Sans MS"/>
                 <a:cs typeface="Comic Sans MS"/>
               </a:rPr>
@@ -9422,28 +9291,28 @@
               <a:defRPr sz="1800"/>
             </a:pPr>
             <a:r>
-              <a:rPr lang="en-US" sz="2240" dirty="0" err="1" smtClean="0">
+              <a:rPr lang="en-US" sz="2240" dirty="0" err="1">
                 <a:latin typeface="Comic Sans MS"/>
                 <a:cs typeface="Comic Sans MS"/>
               </a:rPr>
               <a:t>Mee</a:t>
             </a:r>
             <a:r>
-              <a:rPr lang="en-US" sz="2240" dirty="0" smtClean="0">
+              <a:rPr lang="en-US" sz="2240" dirty="0">
                 <a:latin typeface="Comic Sans MS"/>
                 <a:cs typeface="Comic Sans MS"/>
               </a:rPr>
               <a:t> op internet </a:t>
             </a:r>
             <a:r>
-              <a:rPr lang="en-US" sz="2240" dirty="0" err="1" smtClean="0">
+              <a:rPr lang="en-US" sz="2240" dirty="0" err="1">
                 <a:latin typeface="Comic Sans MS"/>
                 <a:cs typeface="Comic Sans MS"/>
               </a:rPr>
               <a:t>surfen</a:t>
             </a:r>
             <a:r>
-              <a:rPr lang="en-US" sz="2240" dirty="0" smtClean="0">
+              <a:rPr lang="en-US" sz="2240" dirty="0">
                 <a:latin typeface="Comic Sans MS"/>
                 <a:cs typeface="Comic Sans MS"/>
               </a:rPr>
@@ -9458,56 +9327,56 @@
               <a:defRPr sz="1800"/>
             </a:pPr>
             <a:r>
-              <a:rPr lang="en-US" sz="2240" dirty="0" err="1" smtClean="0">
+              <a:rPr lang="en-US" sz="2240" dirty="0" err="1">
                 <a:latin typeface="Comic Sans MS"/>
                 <a:cs typeface="Comic Sans MS"/>
               </a:rPr>
               <a:t>Spelletjes</a:t>
             </a:r>
             <a:r>
-              <a:rPr lang="en-US" sz="2240" dirty="0" smtClean="0">
+              <a:rPr lang="en-US" sz="2240" dirty="0">
                 <a:latin typeface="Comic Sans MS"/>
                 <a:cs typeface="Comic Sans MS"/>
               </a:rPr>
               <a:t> </a:t>
             </a:r>
             <a:r>
-              <a:rPr lang="en-US" sz="2240" dirty="0" err="1" smtClean="0">
+              <a:rPr lang="en-US" sz="2240" dirty="0" err="1">
                 <a:latin typeface="Comic Sans MS"/>
                 <a:cs typeface="Comic Sans MS"/>
               </a:rPr>
               <a:t>mee</a:t>
             </a:r>
             <a:r>
-              <a:rPr lang="en-US" sz="2240" dirty="0" smtClean="0">
+              <a:rPr lang="en-US" sz="2240" dirty="0">
                 <a:latin typeface="Comic Sans MS"/>
                 <a:cs typeface="Comic Sans MS"/>
               </a:rPr>
               <a:t> </a:t>
             </a:r>
             <a:r>
-              <a:rPr lang="en-US" sz="2240" dirty="0" err="1" smtClean="0">
+              <a:rPr lang="en-US" sz="2240" dirty="0" err="1">
                 <a:latin typeface="Comic Sans MS"/>
                 <a:cs typeface="Comic Sans MS"/>
               </a:rPr>
               <a:t>spelen</a:t>
             </a:r>
             <a:r>
-              <a:rPr lang="en-US" sz="2240" dirty="0" smtClean="0">
+              <a:rPr lang="en-US" sz="2240" dirty="0">
                 <a:latin typeface="Comic Sans MS"/>
                 <a:cs typeface="Comic Sans MS"/>
               </a:rPr>
               <a:t>. (Call of Duty </a:t>
             </a:r>
             <a:r>
-              <a:rPr lang="en-US" sz="2240" dirty="0" err="1" smtClean="0">
+              <a:rPr lang="en-US" sz="2240" dirty="0" err="1">
                 <a:latin typeface="Comic Sans MS"/>
                 <a:cs typeface="Comic Sans MS"/>
               </a:rPr>
               <a:t>bijvoorbeeld</a:t>
             </a:r>
             <a:r>
-              <a:rPr lang="en-US" sz="2240" dirty="0" smtClean="0">
+              <a:rPr lang="en-US" sz="2240" dirty="0">
                 <a:latin typeface="Comic Sans MS"/>
                 <a:cs typeface="Comic Sans MS"/>
               </a:rPr>
@@ -9526,108 +9395,101 @@
                 <a:latin typeface="Comic Sans MS"/>
                 <a:cs typeface="Comic Sans MS"/>
               </a:rPr>
-              <a:t>J</a:t>
-            </a:r>
-            <a:r>
-              <a:rPr lang="en-US" sz="2240" dirty="0" smtClean="0">
-                <a:latin typeface="Comic Sans MS"/>
-                <a:cs typeface="Comic Sans MS"/>
-              </a:rPr>
-              <a:t>e </a:t>
-            </a:r>
-            <a:r>
-              <a:rPr lang="en-US" sz="2240" dirty="0" err="1" smtClean="0">
+              <a:t>Je </a:t>
+            </a:r>
+            <a:r>
+              <a:rPr lang="en-US" sz="2240" dirty="0" err="1">
                 <a:latin typeface="Comic Sans MS"/>
                 <a:cs typeface="Comic Sans MS"/>
               </a:rPr>
               <a:t>vingers</a:t>
             </a:r>
             <a:r>
-              <a:rPr lang="en-US" sz="2240" dirty="0" smtClean="0">
+              <a:rPr lang="en-US" sz="2240" dirty="0">
                 <a:latin typeface="Comic Sans MS"/>
                 <a:cs typeface="Comic Sans MS"/>
               </a:rPr>
               <a:t> </a:t>
             </a:r>
             <a:r>
-              <a:rPr lang="en-US" sz="2240" dirty="0" err="1" smtClean="0">
+              <a:rPr lang="en-US" sz="2240" dirty="0" err="1">
                 <a:latin typeface="Comic Sans MS"/>
                 <a:cs typeface="Comic Sans MS"/>
               </a:rPr>
               <a:t>samenknijpen</a:t>
             </a:r>
             <a:r>
-              <a:rPr lang="en-US" sz="2240" dirty="0" smtClean="0">
+              <a:rPr lang="en-US" sz="2240" dirty="0">
                 <a:latin typeface="Comic Sans MS"/>
                 <a:cs typeface="Comic Sans MS"/>
               </a:rPr>
               <a:t> </a:t>
             </a:r>
             <a:r>
-              <a:rPr lang="en-US" sz="2240" dirty="0" err="1" smtClean="0">
+              <a:rPr lang="en-US" sz="2240" dirty="0" err="1">
                 <a:latin typeface="Comic Sans MS"/>
                 <a:cs typeface="Comic Sans MS"/>
               </a:rPr>
               <a:t>om</a:t>
             </a:r>
             <a:r>
-              <a:rPr lang="en-US" sz="2240" dirty="0" smtClean="0">
+              <a:rPr lang="en-US" sz="2240" dirty="0">
                 <a:latin typeface="Comic Sans MS"/>
                 <a:cs typeface="Comic Sans MS"/>
               </a:rPr>
               <a:t> in </a:t>
             </a:r>
             <a:r>
-              <a:rPr lang="en-US" sz="2240" dirty="0" err="1" smtClean="0">
+              <a:rPr lang="en-US" sz="2240" dirty="0" err="1">
                 <a:latin typeface="Comic Sans MS"/>
                 <a:cs typeface="Comic Sans MS"/>
               </a:rPr>
               <a:t>te</a:t>
             </a:r>
             <a:r>
-              <a:rPr lang="en-US" sz="2240" dirty="0" smtClean="0">
+              <a:rPr lang="en-US" sz="2240" dirty="0">
                 <a:latin typeface="Comic Sans MS"/>
                 <a:cs typeface="Comic Sans MS"/>
               </a:rPr>
               <a:t> </a:t>
             </a:r>
             <a:r>
-              <a:rPr lang="en-US" sz="2240" dirty="0" err="1" smtClean="0">
+              <a:rPr lang="en-US" sz="2240" dirty="0" err="1">
                 <a:latin typeface="Comic Sans MS"/>
                 <a:cs typeface="Comic Sans MS"/>
               </a:rPr>
               <a:t>zoomen</a:t>
             </a:r>
             <a:r>
-              <a:rPr lang="en-US" sz="2240" dirty="0" smtClean="0">
+              <a:rPr lang="en-US" sz="2240" dirty="0">
                 <a:latin typeface="Comic Sans MS"/>
                 <a:cs typeface="Comic Sans MS"/>
               </a:rPr>
               <a:t> op </a:t>
             </a:r>
             <a:r>
-              <a:rPr lang="en-US" sz="2240" dirty="0" err="1" smtClean="0">
+              <a:rPr lang="en-US" sz="2240" dirty="0" err="1">
                 <a:latin typeface="Comic Sans MS"/>
                 <a:cs typeface="Comic Sans MS"/>
               </a:rPr>
               <a:t>een</a:t>
             </a:r>
             <a:r>
-              <a:rPr lang="en-US" sz="2240" dirty="0" smtClean="0">
+              <a:rPr lang="en-US" sz="2240" dirty="0">
                 <a:latin typeface="Comic Sans MS"/>
                 <a:cs typeface="Comic Sans MS"/>
               </a:rPr>
               <a:t> </a:t>
             </a:r>
             <a:r>
-              <a:rPr lang="en-US" sz="2240" dirty="0" err="1" smtClean="0">
+              <a:rPr lang="en-US" sz="2240" dirty="0" err="1">
                 <a:latin typeface="Comic Sans MS"/>
                 <a:cs typeface="Comic Sans MS"/>
               </a:rPr>
               <a:t>kaart</a:t>
             </a:r>
             <a:r>
-              <a:rPr lang="en-US" sz="2240" dirty="0" smtClean="0">
+              <a:rPr lang="en-US" sz="2240" dirty="0">
                 <a:latin typeface="Comic Sans MS"/>
                 <a:cs typeface="Comic Sans MS"/>
               </a:rPr>
@@ -9642,56 +9504,56 @@
               <a:defRPr sz="1800"/>
             </a:pPr>
             <a:r>
-              <a:rPr lang="en-US" sz="2240" dirty="0" err="1" smtClean="0">
+              <a:rPr lang="en-US" sz="2240" dirty="0" err="1">
                 <a:latin typeface="Comic Sans MS"/>
                 <a:cs typeface="Comic Sans MS"/>
               </a:rPr>
               <a:t>Hele</a:t>
             </a:r>
             <a:r>
-              <a:rPr lang="en-US" sz="2240" dirty="0" smtClean="0">
+              <a:rPr lang="en-US" sz="2240" dirty="0">
                 <a:latin typeface="Comic Sans MS"/>
                 <a:cs typeface="Comic Sans MS"/>
               </a:rPr>
               <a:t> </a:t>
             </a:r>
             <a:r>
-              <a:rPr lang="en-US" sz="2240" dirty="0" err="1" smtClean="0">
+              <a:rPr lang="en-US" sz="2240" dirty="0" err="1">
                 <a:latin typeface="Comic Sans MS"/>
                 <a:cs typeface="Comic Sans MS"/>
               </a:rPr>
               <a:t>mooie</a:t>
             </a:r>
             <a:r>
-              <a:rPr lang="en-US" sz="2240" dirty="0" smtClean="0">
+              <a:rPr lang="en-US" sz="2240" dirty="0">
                 <a:latin typeface="Comic Sans MS"/>
                 <a:cs typeface="Comic Sans MS"/>
               </a:rPr>
               <a:t> </a:t>
             </a:r>
             <a:r>
-              <a:rPr lang="en-US" sz="2240" dirty="0" err="1" smtClean="0">
+              <a:rPr lang="en-US" sz="2240" dirty="0" err="1">
                 <a:latin typeface="Comic Sans MS"/>
                 <a:cs typeface="Comic Sans MS"/>
               </a:rPr>
               <a:t>tekening</a:t>
             </a:r>
             <a:r>
-              <a:rPr lang="en-US" sz="2240" dirty="0" smtClean="0">
+              <a:rPr lang="en-US" sz="2240" dirty="0">
                 <a:latin typeface="Comic Sans MS"/>
                 <a:cs typeface="Comic Sans MS"/>
               </a:rPr>
               <a:t> </a:t>
             </a:r>
             <a:r>
-              <a:rPr lang="en-US" sz="2240" dirty="0" err="1" smtClean="0">
+              <a:rPr lang="en-US" sz="2240" dirty="0" err="1">
                 <a:latin typeface="Comic Sans MS"/>
                 <a:cs typeface="Comic Sans MS"/>
               </a:rPr>
               <a:t>maken</a:t>
             </a:r>
             <a:r>
-              <a:rPr lang="en-US" sz="2240" dirty="0" smtClean="0">
+              <a:rPr lang="en-US" sz="2240" dirty="0">
                 <a:latin typeface="Comic Sans MS"/>
                 <a:cs typeface="Comic Sans MS"/>
               </a:rPr>
@@ -9706,56 +9568,56 @@
               <a:defRPr sz="1800"/>
             </a:pPr>
             <a:r>
-              <a:rPr lang="en-US" sz="2240" dirty="0" err="1" smtClean="0">
+              <a:rPr lang="en-US" sz="2240" dirty="0" err="1">
                 <a:latin typeface="Comic Sans MS"/>
                 <a:cs typeface="Comic Sans MS"/>
               </a:rPr>
               <a:t>Objecten</a:t>
             </a:r>
             <a:r>
-              <a:rPr lang="en-US" sz="2240" dirty="0" smtClean="0">
+              <a:rPr lang="en-US" sz="2240" dirty="0">
                 <a:latin typeface="Comic Sans MS"/>
                 <a:cs typeface="Comic Sans MS"/>
               </a:rPr>
               <a:t> in 3D van </a:t>
             </a:r>
             <a:r>
-              <a:rPr lang="en-US" sz="2240" dirty="0" err="1" smtClean="0">
+              <a:rPr lang="en-US" sz="2240" dirty="0" err="1">
                 <a:latin typeface="Comic Sans MS"/>
                 <a:cs typeface="Comic Sans MS"/>
               </a:rPr>
               <a:t>alle</a:t>
             </a:r>
             <a:r>
-              <a:rPr lang="en-US" sz="2240" dirty="0" smtClean="0">
+              <a:rPr lang="en-US" sz="2240" dirty="0">
                 <a:latin typeface="Comic Sans MS"/>
                 <a:cs typeface="Comic Sans MS"/>
               </a:rPr>
               <a:t> </a:t>
             </a:r>
             <a:r>
-              <a:rPr lang="en-US" sz="2240" dirty="0" err="1" smtClean="0">
+              <a:rPr lang="en-US" sz="2240" dirty="0" err="1">
                 <a:latin typeface="Comic Sans MS"/>
                 <a:cs typeface="Comic Sans MS"/>
               </a:rPr>
               <a:t>kanten</a:t>
             </a:r>
             <a:r>
-              <a:rPr lang="en-US" sz="2240" dirty="0" smtClean="0">
+              <a:rPr lang="en-US" sz="2240" dirty="0">
                 <a:latin typeface="Comic Sans MS"/>
                 <a:cs typeface="Comic Sans MS"/>
               </a:rPr>
               <a:t> </a:t>
             </a:r>
             <a:r>
-              <a:rPr lang="en-US" sz="2240" dirty="0" err="1" smtClean="0">
+              <a:rPr lang="en-US" sz="2240" dirty="0" err="1">
                 <a:latin typeface="Comic Sans MS"/>
                 <a:cs typeface="Comic Sans MS"/>
               </a:rPr>
               <a:t>bekijken</a:t>
             </a:r>
             <a:r>
-              <a:rPr lang="en-US" sz="2240" dirty="0" smtClean="0">
+              <a:rPr lang="en-US" sz="2240" dirty="0">
                 <a:latin typeface="Comic Sans MS"/>
                 <a:cs typeface="Comic Sans MS"/>
               </a:rPr>
@@ -9770,7 +9632,7 @@
               <a:buNone/>
               <a:defRPr sz="1800"/>
             </a:pPr>
-            <a:endParaRPr lang="en-US" sz="2240" dirty="0" smtClean="0">
+            <a:endParaRPr lang="en-US" sz="2240" dirty="0">
               <a:latin typeface="Comic Sans MS"/>
               <a:cs typeface="Comic Sans MS"/>
             </a:endParaRPr>
@@ -9783,128 +9645,124 @@
               <a:defRPr sz="1800"/>
             </a:pPr>
             <a:r>
-              <a:rPr lang="en-US" sz="2640" dirty="0" smtClean="0">
+              <a:rPr lang="en-US" sz="2640" dirty="0">
                 <a:latin typeface="Comic Sans MS"/>
                 <a:cs typeface="Comic Sans MS"/>
               </a:rPr>
               <a:t>Met </a:t>
             </a:r>
             <a:r>
-              <a:rPr lang="en-US" sz="2640" dirty="0" err="1" smtClean="0">
+              <a:rPr lang="en-US" sz="2640" dirty="0" err="1">
                 <a:latin typeface="Comic Sans MS"/>
                 <a:cs typeface="Comic Sans MS"/>
               </a:rPr>
               <a:t>wat</a:t>
             </a:r>
             <a:r>
-              <a:rPr lang="en-US" sz="2640" dirty="0" smtClean="0">
+              <a:rPr lang="en-US" sz="2640" dirty="0">
                 <a:latin typeface="Comic Sans MS"/>
                 <a:cs typeface="Comic Sans MS"/>
               </a:rPr>
               <a:t> extra software </a:t>
             </a:r>
             <a:r>
-              <a:rPr lang="en-US" sz="2640" dirty="0" err="1" smtClean="0">
+              <a:rPr lang="en-US" sz="2640" dirty="0" err="1">
                 <a:latin typeface="Comic Sans MS"/>
                 <a:cs typeface="Comic Sans MS"/>
               </a:rPr>
               <a:t>voor</a:t>
             </a:r>
             <a:r>
-              <a:rPr lang="en-US" sz="2640" dirty="0" smtClean="0">
+              <a:rPr lang="en-US" sz="2640" dirty="0">
                 <a:latin typeface="Comic Sans MS"/>
                 <a:cs typeface="Comic Sans MS"/>
               </a:rPr>
               <a:t> Scratch </a:t>
             </a:r>
             <a:r>
-              <a:rPr lang="en-US" sz="2640" dirty="0" err="1" smtClean="0">
+              <a:rPr lang="en-US" sz="2640" dirty="0" err="1">
                 <a:latin typeface="Comic Sans MS"/>
                 <a:cs typeface="Comic Sans MS"/>
               </a:rPr>
               <a:t>kunnen</a:t>
             </a:r>
             <a:r>
-              <a:rPr lang="en-US" sz="2640" dirty="0" smtClean="0">
+              <a:rPr lang="en-US" sz="2640" dirty="0">
                 <a:latin typeface="Comic Sans MS"/>
                 <a:cs typeface="Comic Sans MS"/>
               </a:rPr>
               <a:t> we de </a:t>
             </a:r>
             <a:r>
-              <a:rPr lang="en-US" sz="2640" dirty="0" err="1" smtClean="0">
+              <a:rPr lang="en-US" sz="2640" dirty="0" err="1">
                 <a:latin typeface="Comic Sans MS"/>
                 <a:cs typeface="Comic Sans MS"/>
               </a:rPr>
               <a:t>LeapMotion</a:t>
             </a:r>
             <a:r>
-              <a:rPr lang="en-US" sz="2640" dirty="0" smtClean="0">
+              <a:rPr lang="en-US" sz="2640" dirty="0">
                 <a:latin typeface="Comic Sans MS"/>
                 <a:cs typeface="Comic Sans MS"/>
               </a:rPr>
               <a:t> </a:t>
             </a:r>
             <a:r>
-              <a:rPr lang="en-US" sz="2640" dirty="0" err="1" smtClean="0">
+              <a:rPr lang="en-US" sz="2640" dirty="0" err="1">
                 <a:latin typeface="Comic Sans MS"/>
                 <a:cs typeface="Comic Sans MS"/>
               </a:rPr>
               <a:t>ook</a:t>
             </a:r>
             <a:r>
-              <a:rPr lang="en-US" sz="2640" dirty="0" smtClean="0">
+              <a:rPr lang="en-US" sz="2640" dirty="0">
                 <a:latin typeface="Comic Sans MS"/>
                 <a:cs typeface="Comic Sans MS"/>
               </a:rPr>
               <a:t> in </a:t>
             </a:r>
             <a:r>
-              <a:rPr lang="en-US" sz="2640" dirty="0" err="1" smtClean="0">
+              <a:rPr lang="en-US" sz="2640" dirty="0" err="1">
                 <a:latin typeface="Comic Sans MS"/>
                 <a:cs typeface="Comic Sans MS"/>
               </a:rPr>
               <a:t>ons</a:t>
             </a:r>
             <a:r>
-              <a:rPr lang="en-US" sz="2640" dirty="0" smtClean="0">
+              <a:rPr lang="en-US" sz="2640" dirty="0">
                 <a:latin typeface="Comic Sans MS"/>
                 <a:cs typeface="Comic Sans MS"/>
               </a:rPr>
               <a:t> </a:t>
             </a:r>
             <a:r>
-              <a:rPr lang="en-US" sz="2640" dirty="0" err="1" smtClean="0">
+              <a:rPr lang="en-US" sz="2640" dirty="0" err="1">
                 <a:latin typeface="Comic Sans MS"/>
                 <a:cs typeface="Comic Sans MS"/>
               </a:rPr>
               <a:t>programma</a:t>
             </a:r>
             <a:r>
-              <a:rPr lang="en-US" sz="2640" dirty="0" smtClean="0">
+              <a:rPr lang="en-US" sz="2640" dirty="0">
                 <a:latin typeface="Comic Sans MS"/>
                 <a:cs typeface="Comic Sans MS"/>
               </a:rPr>
               <a:t> </a:t>
             </a:r>
             <a:r>
-              <a:rPr lang="en-US" sz="2640" dirty="0" err="1" smtClean="0">
+              <a:rPr lang="en-US" sz="2640" dirty="0" err="1">
                 <a:latin typeface="Comic Sans MS"/>
                 <a:cs typeface="Comic Sans MS"/>
               </a:rPr>
               <a:t>gebruiken</a:t>
             </a:r>
             <a:r>
-              <a:rPr lang="en-US" sz="2640" dirty="0" smtClean="0">
+              <a:rPr lang="en-US" sz="2640" dirty="0">
                 <a:latin typeface="Comic Sans MS"/>
                 <a:cs typeface="Comic Sans MS"/>
               </a:rPr>
               <a:t>.</a:t>
             </a:r>
-            <a:endParaRPr lang="en-US" sz="2640" dirty="0">
-              <a:latin typeface="Comic Sans MS"/>
-              <a:cs typeface="Comic Sans MS"/>
-            </a:endParaRPr>
           </a:p>
         </p:txBody>
       </p:sp>
@@ -9918,13 +9776,6 @@
   <p:clrMapOvr>
     <a:masterClrMapping/>
   </p:clrMapOvr>
-  <p:timing>
-    <p:tnLst>
-      <p:par>
-        <p:cTn xmlns:p14="http://schemas.microsoft.com/office/powerpoint/2010/main" id="1" dur="indefinite" restart="never" nodeType="tmRoot"/>
-      </p:par>
-    </p:tnLst>
-  </p:timing>
 </p:sld>
 </file>
 
@@ -9961,11 +9812,11 @@
           <a:lstStyle/>
           <a:p>
             <a:r>
-              <a:rPr lang="en-US" dirty="0" smtClean="0"/>
+              <a:rPr lang="en-US" dirty="0"/>
               <a:t>Extra </a:t>
             </a:r>
             <a:r>
-              <a:rPr lang="en-US" dirty="0" err="1" smtClean="0"/>
+              <a:rPr lang="en-US" dirty="0" err="1"/>
               <a:t>bouwstenen</a:t>
             </a:r>
             <a:endParaRPr lang="en-US" dirty="0"/>
@@ -10113,28 +9964,21 @@
       </p:sp>
       <p:pic>
         <p:nvPicPr>
-          <p:cNvPr id="7" name="Picture 6" descr="Screen Shot 2015-09-09 at 20.50.37.png"/>
+          <p:cNvPr id="7" name="Picture 6"/>
           <p:cNvPicPr>
             <a:picLocks noChangeAspect="1"/>
           </p:cNvPicPr>
           <p:nvPr/>
         </p:nvPicPr>
-        <p:blipFill>
-          <a:blip r:embed="rId3">
-            <a:extLst>
-              <a:ext uri="{28A0092B-C50C-407E-A947-70E740481C1C}">
-                <a14:useLocalDpi xmlns:a14="http://schemas.microsoft.com/office/drawing/2010/main" val="0"/>
-              </a:ext>
-            </a:extLst>
-          </a:blip>
-          <a:stretch>
-            <a:fillRect/>
-          </a:stretch>
+        <p:blipFill rotWithShape="1">
+          <a:blip r:embed="rId3"/>
+          <a:srcRect b="16525"/>
+          <a:stretch/>
         </p:blipFill>
         <p:spPr>
           <a:xfrm>
-            <a:off x="4146247" y="1600200"/>
-            <a:ext cx="2376110" cy="4370734"/>
+            <a:off x="4616379" y="1883315"/>
+            <a:ext cx="2325935" cy="7900480"/>
           </a:xfrm>
           <a:prstGeom prst="rect">
             <a:avLst/>
@@ -10164,30 +10008,26 @@
           <a:lstStyle/>
           <a:p>
             <a:r>
-              <a:rPr lang="nl-NL" sz="2400" dirty="0" smtClean="0">
+              <a:rPr lang="nl-NL" sz="2400" dirty="0">
                 <a:latin typeface="Comic Sans MS"/>
                 <a:cs typeface="Comic Sans MS"/>
               </a:rPr>
               <a:t>Met de aangesloten </a:t>
             </a:r>
             <a:r>
-              <a:rPr lang="nl-NL" sz="2400" dirty="0" err="1" smtClean="0">
+              <a:rPr lang="nl-NL" sz="2400" dirty="0" err="1">
                 <a:latin typeface="Comic Sans MS"/>
                 <a:cs typeface="Comic Sans MS"/>
               </a:rPr>
               <a:t>Leap</a:t>
             </a:r>
             <a:r>
-              <a:rPr lang="nl-NL" sz="2400" dirty="0" smtClean="0">
+              <a:rPr lang="nl-NL" sz="2400" dirty="0">
                 <a:latin typeface="Comic Sans MS"/>
                 <a:cs typeface="Comic Sans MS"/>
               </a:rPr>
               <a:t> Motion, krijg je in Scratch extra bouwstenen.</a:t>
             </a:r>
-            <a:endParaRPr lang="nl-NL" sz="2400" dirty="0">
-              <a:latin typeface="Comic Sans MS"/>
-              <a:cs typeface="Comic Sans MS"/>
-            </a:endParaRPr>
           </a:p>
         </p:txBody>
       </p:sp>
@@ -10204,7 +10044,7 @@
   <p:timing>
     <p:tnLst>
       <p:par>
-        <p:cTn xmlns:p14="http://schemas.microsoft.com/office/powerpoint/2010/main" id="1" dur="indefinite" restart="never" nodeType="tmRoot">
+        <p:cTn id="1" dur="indefinite" restart="never" nodeType="tmRoot">
           <p:childTnLst>
             <p:seq concurrent="1" nextAc="seek">
               <p:cTn id="2" dur="indefinite" nodeType="mainSeq">
@@ -10598,16 +10438,12 @@
           <a:p>
             <a:pPr algn="r"/>
             <a:r>
-              <a:rPr lang="en-US" dirty="0" smtClean="0">
+              <a:rPr lang="en-US" dirty="0">
                 <a:latin typeface="Comic Sans MS"/>
                 <a:cs typeface="Comic Sans MS"/>
               </a:rPr>
               <a:t>Over </a:t>
             </a:r>
-            <a:endParaRPr lang="en-US" dirty="0">
-              <a:latin typeface="Comic Sans MS"/>
-              <a:cs typeface="Comic Sans MS"/>
-            </a:endParaRPr>
           </a:p>
         </p:txBody>
       </p:sp>
@@ -10627,14 +10463,14 @@
           <a:lstStyle/>
           <a:p>
             <a:r>
-              <a:rPr lang="en-US" dirty="0" err="1" smtClean="0">
+              <a:rPr lang="en-US" dirty="0" err="1">
                 <a:latin typeface="Comic Sans MS"/>
                 <a:cs typeface="Comic Sans MS"/>
               </a:rPr>
               <a:t>Wat</a:t>
             </a:r>
             <a:r>
-              <a:rPr lang="en-US" dirty="0" smtClean="0">
+              <a:rPr lang="en-US" dirty="0">
                 <a:latin typeface="Comic Sans MS"/>
                 <a:cs typeface="Comic Sans MS"/>
               </a:rPr>
@@ -10650,28 +10486,28 @@
           <a:p>
             <a:pPr lvl="1"/>
             <a:r>
-              <a:rPr lang="en-US" dirty="0" smtClean="0">
+              <a:rPr lang="en-US" dirty="0">
                 <a:latin typeface="Comic Sans MS"/>
                 <a:cs typeface="Comic Sans MS"/>
               </a:rPr>
               <a:t>Scratch is </a:t>
             </a:r>
             <a:r>
-              <a:rPr lang="en-US" dirty="0" err="1" smtClean="0">
+              <a:rPr lang="en-US" dirty="0" err="1">
                 <a:latin typeface="Comic Sans MS"/>
                 <a:cs typeface="Comic Sans MS"/>
               </a:rPr>
               <a:t>een</a:t>
             </a:r>
             <a:r>
-              <a:rPr lang="en-US" dirty="0" smtClean="0">
+              <a:rPr lang="en-US" dirty="0">
                 <a:latin typeface="Comic Sans MS"/>
                 <a:cs typeface="Comic Sans MS"/>
               </a:rPr>
               <a:t> </a:t>
             </a:r>
             <a:r>
-              <a:rPr lang="en-US" dirty="0" err="1" smtClean="0">
+              <a:rPr lang="en-US" dirty="0" err="1">
                 <a:solidFill>
                   <a:schemeClr val="accent6">
                     <a:lumMod val="75000"/>
@@ -10683,7 +10519,7 @@
               <a:t>programmeer</a:t>
             </a:r>
             <a:r>
-              <a:rPr lang="en-US" dirty="0" smtClean="0">
+              <a:rPr lang="en-US" dirty="0">
                 <a:solidFill>
                   <a:schemeClr val="accent6">
                     <a:lumMod val="75000"/>
@@ -10695,7 +10531,7 @@
               <a:t> </a:t>
             </a:r>
             <a:r>
-              <a:rPr lang="en-US" dirty="0" err="1" smtClean="0">
+              <a:rPr lang="en-US" dirty="0" err="1">
                 <a:solidFill>
                   <a:schemeClr val="accent6">
                     <a:lumMod val="75000"/>
@@ -10707,7 +10543,7 @@
               <a:t>taal</a:t>
             </a:r>
             <a:r>
-              <a:rPr lang="en-US" dirty="0" smtClean="0">
+              <a:rPr lang="en-US" dirty="0">
                 <a:solidFill>
                   <a:schemeClr val="accent6">
                     <a:lumMod val="75000"/>
@@ -10718,7 +10554,7 @@
               </a:rPr>
               <a:t>.</a:t>
             </a:r>
-            <a:endParaRPr lang="en-US" dirty="0" smtClean="0">
+            <a:endParaRPr lang="en-US" dirty="0">
               <a:latin typeface="Comic Sans MS"/>
               <a:cs typeface="Comic Sans MS"/>
             </a:endParaRPr>
@@ -10733,154 +10569,154 @@
               <a:t>We </a:t>
             </a:r>
             <a:r>
-              <a:rPr lang="en-US" dirty="0" err="1" smtClean="0">
+              <a:rPr lang="en-US" dirty="0" err="1">
                 <a:latin typeface="Comic Sans MS"/>
                 <a:cs typeface="Comic Sans MS"/>
               </a:rPr>
               <a:t>kunnen</a:t>
             </a:r>
             <a:r>
-              <a:rPr lang="en-US" dirty="0" smtClean="0">
+              <a:rPr lang="en-US" dirty="0">
                 <a:latin typeface="Comic Sans MS"/>
                 <a:cs typeface="Comic Sans MS"/>
               </a:rPr>
               <a:t> </a:t>
             </a:r>
             <a:r>
-              <a:rPr lang="en-US" dirty="0" err="1" smtClean="0">
+              <a:rPr lang="en-US" dirty="0" err="1">
                 <a:latin typeface="Comic Sans MS"/>
                 <a:cs typeface="Comic Sans MS"/>
               </a:rPr>
               <a:t>er</a:t>
             </a:r>
             <a:r>
-              <a:rPr lang="en-US" dirty="0" smtClean="0">
+              <a:rPr lang="en-US" dirty="0">
                 <a:latin typeface="Comic Sans MS"/>
                 <a:cs typeface="Comic Sans MS"/>
               </a:rPr>
               <a:t> </a:t>
             </a:r>
             <a:r>
-              <a:rPr lang="en-US" dirty="0" err="1" smtClean="0">
+              <a:rPr lang="en-US" dirty="0" err="1">
                 <a:latin typeface="Comic Sans MS"/>
                 <a:cs typeface="Comic Sans MS"/>
               </a:rPr>
               <a:t>onze</a:t>
             </a:r>
             <a:r>
-              <a:rPr lang="en-US" dirty="0" smtClean="0">
+              <a:rPr lang="en-US" dirty="0">
                 <a:latin typeface="Comic Sans MS"/>
                 <a:cs typeface="Comic Sans MS"/>
               </a:rPr>
               <a:t> </a:t>
             </a:r>
             <a:r>
-              <a:rPr lang="en-US" dirty="0" err="1" smtClean="0">
+              <a:rPr lang="en-US" dirty="0" err="1">
                 <a:latin typeface="Comic Sans MS"/>
                 <a:cs typeface="Comic Sans MS"/>
               </a:rPr>
               <a:t>eigen</a:t>
             </a:r>
             <a:r>
-              <a:rPr lang="en-US" dirty="0" smtClean="0">
+              <a:rPr lang="en-US" dirty="0">
                 <a:latin typeface="Comic Sans MS"/>
                 <a:cs typeface="Comic Sans MS"/>
               </a:rPr>
               <a:t> </a:t>
             </a:r>
             <a:r>
-              <a:rPr lang="en-US" dirty="0" err="1" smtClean="0">
+              <a:rPr lang="en-US" dirty="0" err="1">
                 <a:latin typeface="Comic Sans MS"/>
                 <a:cs typeface="Comic Sans MS"/>
               </a:rPr>
               <a:t>interactieve</a:t>
             </a:r>
             <a:r>
-              <a:rPr lang="en-US" dirty="0" smtClean="0">
+              <a:rPr lang="en-US" dirty="0">
                 <a:latin typeface="Comic Sans MS"/>
                 <a:cs typeface="Comic Sans MS"/>
               </a:rPr>
               <a:t>* </a:t>
             </a:r>
             <a:r>
-              <a:rPr lang="en-US" dirty="0" err="1" smtClean="0">
+              <a:rPr lang="en-US" dirty="0" err="1">
                 <a:latin typeface="Comic Sans MS"/>
                 <a:cs typeface="Comic Sans MS"/>
               </a:rPr>
               <a:t>verhalen</a:t>
             </a:r>
             <a:r>
-              <a:rPr lang="en-US" dirty="0" smtClean="0">
+              <a:rPr lang="en-US" dirty="0">
                 <a:latin typeface="Comic Sans MS"/>
                 <a:cs typeface="Comic Sans MS"/>
               </a:rPr>
               <a:t>, </a:t>
             </a:r>
             <a:r>
-              <a:rPr lang="en-US" dirty="0" err="1" smtClean="0">
+              <a:rPr lang="en-US" dirty="0" err="1">
                 <a:latin typeface="Comic Sans MS"/>
                 <a:cs typeface="Comic Sans MS"/>
               </a:rPr>
               <a:t>animaties</a:t>
             </a:r>
             <a:r>
-              <a:rPr lang="en-US" dirty="0" smtClean="0">
+              <a:rPr lang="en-US" dirty="0">
                 <a:latin typeface="Comic Sans MS"/>
                 <a:cs typeface="Comic Sans MS"/>
               </a:rPr>
               <a:t>, games, </a:t>
             </a:r>
             <a:r>
-              <a:rPr lang="en-US" dirty="0" err="1" smtClean="0">
+              <a:rPr lang="en-US" dirty="0" err="1">
                 <a:latin typeface="Comic Sans MS"/>
                 <a:cs typeface="Comic Sans MS"/>
               </a:rPr>
               <a:t>muziek</a:t>
             </a:r>
             <a:r>
-              <a:rPr lang="en-US" dirty="0" smtClean="0">
+              <a:rPr lang="en-US" dirty="0">
                 <a:latin typeface="Comic Sans MS"/>
                 <a:cs typeface="Comic Sans MS"/>
               </a:rPr>
               <a:t> en </a:t>
             </a:r>
             <a:r>
-              <a:rPr lang="en-US" dirty="0" err="1" smtClean="0">
+              <a:rPr lang="en-US" dirty="0" err="1">
                 <a:latin typeface="Comic Sans MS"/>
                 <a:cs typeface="Comic Sans MS"/>
               </a:rPr>
               <a:t>kunst</a:t>
             </a:r>
             <a:r>
-              <a:rPr lang="en-US" dirty="0" smtClean="0">
+              <a:rPr lang="en-US" dirty="0">
                 <a:latin typeface="Comic Sans MS"/>
                 <a:cs typeface="Comic Sans MS"/>
               </a:rPr>
               <a:t> </a:t>
             </a:r>
             <a:r>
-              <a:rPr lang="en-US" dirty="0" err="1" smtClean="0">
+              <a:rPr lang="en-US" dirty="0" err="1">
                 <a:latin typeface="Comic Sans MS"/>
                 <a:cs typeface="Comic Sans MS"/>
               </a:rPr>
               <a:t>mee</a:t>
             </a:r>
             <a:r>
-              <a:rPr lang="en-US" dirty="0" smtClean="0">
+              <a:rPr lang="en-US" dirty="0">
                 <a:latin typeface="Comic Sans MS"/>
                 <a:cs typeface="Comic Sans MS"/>
               </a:rPr>
               <a:t> </a:t>
             </a:r>
             <a:r>
-              <a:rPr lang="en-US" dirty="0" err="1" smtClean="0">
+              <a:rPr lang="en-US" dirty="0" err="1">
                 <a:latin typeface="Comic Sans MS"/>
                 <a:cs typeface="Comic Sans MS"/>
               </a:rPr>
               <a:t>maken</a:t>
             </a:r>
             <a:r>
-              <a:rPr lang="en-US" dirty="0" smtClean="0">
+              <a:rPr lang="en-US" dirty="0">
                 <a:latin typeface="Comic Sans MS"/>
                 <a:cs typeface="Comic Sans MS"/>
               </a:rPr>
@@ -10899,48 +10735,48 @@
               <a:buNone/>
             </a:pPr>
             <a:r>
-              <a:rPr lang="en-US" dirty="0" smtClean="0">
+              <a:rPr lang="en-US" dirty="0">
                 <a:latin typeface="Comic Sans MS"/>
                 <a:cs typeface="Comic Sans MS"/>
               </a:rPr>
               <a:t>				* </a:t>
             </a:r>
             <a:r>
-              <a:rPr lang="en-US" dirty="0" err="1" smtClean="0">
+              <a:rPr lang="en-US" dirty="0" err="1">
                 <a:latin typeface="Comic Sans MS"/>
                 <a:cs typeface="Comic Sans MS"/>
               </a:rPr>
               <a:t>Waarbij</a:t>
             </a:r>
             <a:r>
-              <a:rPr lang="en-US" dirty="0" smtClean="0">
+              <a:rPr lang="en-US" dirty="0">
                 <a:latin typeface="Comic Sans MS"/>
                 <a:cs typeface="Comic Sans MS"/>
               </a:rPr>
               <a:t> je </a:t>
             </a:r>
             <a:r>
-              <a:rPr lang="en-US" dirty="0" err="1" smtClean="0">
+              <a:rPr lang="en-US" dirty="0" err="1">
                 <a:latin typeface="Comic Sans MS"/>
                 <a:cs typeface="Comic Sans MS"/>
               </a:rPr>
               <a:t>invloed</a:t>
             </a:r>
             <a:r>
-              <a:rPr lang="en-US" dirty="0" smtClean="0">
+              <a:rPr lang="en-US" dirty="0">
                 <a:latin typeface="Comic Sans MS"/>
                 <a:cs typeface="Comic Sans MS"/>
               </a:rPr>
               <a:t> </a:t>
             </a:r>
             <a:r>
-              <a:rPr lang="en-US" dirty="0" err="1" smtClean="0">
+              <a:rPr lang="en-US" dirty="0" err="1">
                 <a:latin typeface="Comic Sans MS"/>
                 <a:cs typeface="Comic Sans MS"/>
               </a:rPr>
               <a:t>hebt</a:t>
             </a:r>
-            <a:endParaRPr lang="en-US" dirty="0" smtClean="0">
+            <a:endParaRPr lang="en-US" dirty="0">
               <a:latin typeface="Comic Sans MS"/>
               <a:cs typeface="Comic Sans MS"/>
             </a:endParaRPr>
@@ -10954,45 +10790,38 @@
                 <a:latin typeface="Comic Sans MS"/>
                 <a:cs typeface="Comic Sans MS"/>
               </a:rPr>
+              <a:t>                    op </a:t>
+            </a:r>
+            <a:r>
+              <a:rPr lang="en-US" dirty="0" err="1">
+                <a:latin typeface="Comic Sans MS"/>
+                <a:cs typeface="Comic Sans MS"/>
+              </a:rPr>
+              <a:t>wat</a:t>
+            </a:r>
+            <a:r>
+              <a:rPr lang="en-US" dirty="0">
+                <a:latin typeface="Comic Sans MS"/>
+                <a:cs typeface="Comic Sans MS"/>
+              </a:rPr>
               <a:t> </a:t>
             </a:r>
             <a:r>
-              <a:rPr lang="en-US" dirty="0" smtClean="0">
-                <a:latin typeface="Comic Sans MS"/>
-                <a:cs typeface="Comic Sans MS"/>
-              </a:rPr>
-              <a:t>                   op </a:t>
-            </a:r>
-            <a:r>
-              <a:rPr lang="en-US" dirty="0" err="1" smtClean="0">
-                <a:latin typeface="Comic Sans MS"/>
-                <a:cs typeface="Comic Sans MS"/>
-              </a:rPr>
-              <a:t>wat</a:t>
-            </a:r>
-            <a:r>
-              <a:rPr lang="en-US" dirty="0" smtClean="0">
+              <a:rPr lang="en-US" dirty="0" err="1">
+                <a:latin typeface="Comic Sans MS"/>
+                <a:cs typeface="Comic Sans MS"/>
+              </a:rPr>
+              <a:t>er</a:t>
+            </a:r>
+            <a:r>
+              <a:rPr lang="en-US" dirty="0">
                 <a:latin typeface="Comic Sans MS"/>
                 <a:cs typeface="Comic Sans MS"/>
               </a:rPr>
               <a:t> </a:t>
             </a:r>
             <a:r>
-              <a:rPr lang="en-US" dirty="0" err="1" smtClean="0">
-                <a:latin typeface="Comic Sans MS"/>
-                <a:cs typeface="Comic Sans MS"/>
-              </a:rPr>
-              <a:t>er</a:t>
-            </a:r>
-            <a:r>
-              <a:rPr lang="en-US" dirty="0" smtClean="0">
-                <a:latin typeface="Comic Sans MS"/>
-                <a:cs typeface="Comic Sans MS"/>
-              </a:rPr>
-              <a:t> </a:t>
-            </a:r>
-            <a:r>
-              <a:rPr lang="en-US" dirty="0" err="1" smtClean="0">
+              <a:rPr lang="en-US" dirty="0" err="1">
                 <a:latin typeface="Comic Sans MS"/>
                 <a:cs typeface="Comic Sans MS"/>
               </a:rPr>
@@ -11082,7 +10911,7 @@
           <a:noFill/>
           <a:extLst>
             <a:ext uri="{909E8E84-426E-40dd-AFC4-6F175D3DCCD1}">
-              <a14:hiddenFill xmlns:a14="http://schemas.microsoft.com/office/drawing/2010/main">
+              <a14:hiddenFill xmlns:a14="http://schemas.microsoft.com/office/drawing/2010/main" xmlns="">
                 <a:solidFill>
                   <a:srgbClr val="FFFFFF"/>
                 </a:solidFill>
@@ -11123,7 +10952,7 @@
           <a:noFill/>
           <a:extLst>
             <a:ext uri="{909E8E84-426E-40dd-AFC4-6F175D3DCCD1}">
-              <a14:hiddenFill xmlns:a14="http://schemas.microsoft.com/office/drawing/2010/main">
+              <a14:hiddenFill xmlns:a14="http://schemas.microsoft.com/office/drawing/2010/main" xmlns="">
                 <a:solidFill>
                   <a:srgbClr val="FFFFFF"/>
                 </a:solidFill>
@@ -11164,7 +10993,7 @@
           <a:noFill/>
           <a:extLst>
             <a:ext uri="{909E8E84-426E-40dd-AFC4-6F175D3DCCD1}">
-              <a14:hiddenFill xmlns:a14="http://schemas.microsoft.com/office/drawing/2010/main">
+              <a14:hiddenFill xmlns:a14="http://schemas.microsoft.com/office/drawing/2010/main" xmlns="">
                 <a:solidFill>
                   <a:srgbClr val="FFFFFF"/>
                 </a:solidFill>
@@ -11183,13 +11012,6 @@
   <p:clrMapOvr>
     <a:masterClrMapping/>
   </p:clrMapOvr>
-  <p:timing>
-    <p:tnLst>
-      <p:par>
-        <p:cTn xmlns:p14="http://schemas.microsoft.com/office/powerpoint/2010/main" id="1" dur="indefinite" restart="never" nodeType="tmRoot"/>
-      </p:par>
-    </p:tnLst>
-  </p:timing>
 </p:sld>
 </file>
 
@@ -11231,13 +11053,13 @@
           <a:lstStyle/>
           <a:p>
             <a:r>
-              <a:rPr lang="en-US" altLang="zh-TW" dirty="0" err="1" smtClean="0">
+              <a:rPr lang="en-US" altLang="zh-TW" dirty="0" err="1">
                 <a:latin typeface="Comic Sans MS" charset="0"/>
               </a:rPr>
               <a:t>Aan</a:t>
             </a:r>
             <a:r>
-              <a:rPr lang="en-US" altLang="zh-TW" dirty="0" smtClean="0">
+              <a:rPr lang="en-US" altLang="zh-TW" dirty="0">
                 <a:latin typeface="Comic Sans MS" charset="0"/>
               </a:rPr>
               <a:t> de slag!!!</a:t>
@@ -11278,7 +11100,7 @@
           <a:noFill/>
           <a:extLst>
             <a:ext uri="{909E8E84-426E-40dd-AFC4-6F175D3DCCD1}">
-              <a14:hiddenFill xmlns:a14="http://schemas.microsoft.com/office/drawing/2010/main">
+              <a14:hiddenFill xmlns:a14="http://schemas.microsoft.com/office/drawing/2010/main" xmlns="">
                 <a:solidFill>
                   <a:srgbClr val="FFFFFF"/>
                 </a:solidFill>
@@ -11319,7 +11141,7 @@
           <a:noFill/>
           <a:extLst>
             <a:ext uri="{909E8E84-426E-40dd-AFC4-6F175D3DCCD1}">
-              <a14:hiddenFill xmlns:a14="http://schemas.microsoft.com/office/drawing/2010/main">
+              <a14:hiddenFill xmlns:a14="http://schemas.microsoft.com/office/drawing/2010/main" xmlns="">
                 <a:solidFill>
                   <a:srgbClr val="FFFFFF"/>
                 </a:solidFill>
@@ -11338,13 +11160,6 @@
   <p:clrMapOvr>
     <a:masterClrMapping/>
   </p:clrMapOvr>
-  <p:timing>
-    <p:tnLst>
-      <p:par>
-        <p:cTn xmlns:p14="http://schemas.microsoft.com/office/powerpoint/2010/main" id="1" dur="indefinite" restart="never" nodeType="tmRoot"/>
-      </p:par>
-    </p:tnLst>
-  </p:timing>
 </p:sld>
 </file>
 
@@ -11386,42 +11201,42 @@
           <a:lstStyle/>
           <a:p>
             <a:r>
-              <a:rPr lang="en-US" dirty="0" err="1" smtClean="0">
+              <a:rPr lang="en-US" dirty="0" err="1">
                 <a:latin typeface="Comic Sans MS"/>
                 <a:cs typeface="Comic Sans MS"/>
               </a:rPr>
               <a:t>Wat</a:t>
             </a:r>
             <a:r>
-              <a:rPr lang="en-US" dirty="0" smtClean="0">
+              <a:rPr lang="en-US" dirty="0">
                 <a:latin typeface="Comic Sans MS"/>
                 <a:cs typeface="Comic Sans MS"/>
               </a:rPr>
               <a:t> </a:t>
             </a:r>
             <a:r>
-              <a:rPr lang="en-US" dirty="0" err="1" smtClean="0">
+              <a:rPr lang="en-US" dirty="0" err="1">
                 <a:latin typeface="Comic Sans MS"/>
                 <a:cs typeface="Comic Sans MS"/>
               </a:rPr>
               <a:t>kunnen</a:t>
             </a:r>
             <a:r>
-              <a:rPr lang="en-US" dirty="0" smtClean="0">
+              <a:rPr lang="en-US" dirty="0">
                 <a:latin typeface="Comic Sans MS"/>
                 <a:cs typeface="Comic Sans MS"/>
               </a:rPr>
               <a:t> we </a:t>
             </a:r>
             <a:r>
-              <a:rPr lang="en-US" dirty="0" err="1" smtClean="0">
+              <a:rPr lang="en-US" dirty="0" err="1">
                 <a:latin typeface="Comic Sans MS"/>
                 <a:cs typeface="Comic Sans MS"/>
               </a:rPr>
               <a:t>leren</a:t>
             </a:r>
             <a:r>
-              <a:rPr lang="en-US" dirty="0" smtClean="0">
+              <a:rPr lang="en-US" dirty="0">
                 <a:latin typeface="Comic Sans MS"/>
                 <a:cs typeface="Comic Sans MS"/>
               </a:rPr>
@@ -11444,49 +11259,49 @@
               <a:t>We </a:t>
             </a:r>
             <a:r>
-              <a:rPr lang="en-US" dirty="0" err="1" smtClean="0">
+              <a:rPr lang="en-US" dirty="0" err="1">
                 <a:latin typeface="Comic Sans MS"/>
                 <a:cs typeface="Comic Sans MS"/>
               </a:rPr>
               <a:t>kunnen</a:t>
             </a:r>
             <a:r>
-              <a:rPr lang="en-US" dirty="0" smtClean="0">
+              <a:rPr lang="en-US" dirty="0">
                 <a:latin typeface="Comic Sans MS"/>
                 <a:cs typeface="Comic Sans MS"/>
               </a:rPr>
               <a:t> </a:t>
             </a:r>
             <a:r>
-              <a:rPr lang="en-US" dirty="0" err="1" smtClean="0">
+              <a:rPr lang="en-US" dirty="0" err="1">
                 <a:latin typeface="Comic Sans MS"/>
                 <a:cs typeface="Comic Sans MS"/>
               </a:rPr>
               <a:t>er</a:t>
             </a:r>
             <a:r>
-              <a:rPr lang="en-US" dirty="0" smtClean="0">
+              <a:rPr lang="en-US" dirty="0">
                 <a:latin typeface="Comic Sans MS"/>
                 <a:cs typeface="Comic Sans MS"/>
               </a:rPr>
               <a:t> </a:t>
             </a:r>
             <a:r>
-              <a:rPr lang="en-US" dirty="0" err="1" smtClean="0">
+              <a:rPr lang="en-US" dirty="0" err="1">
                 <a:latin typeface="Comic Sans MS"/>
                 <a:cs typeface="Comic Sans MS"/>
               </a:rPr>
               <a:t>belangrijke</a:t>
             </a:r>
             <a:r>
-              <a:rPr lang="en-US" dirty="0" smtClean="0">
+              <a:rPr lang="en-US" dirty="0">
                 <a:latin typeface="Comic Sans MS"/>
                 <a:cs typeface="Comic Sans MS"/>
               </a:rPr>
               <a:t> </a:t>
             </a:r>
             <a:r>
-              <a:rPr lang="en-US" dirty="0" smtClean="0">
+              <a:rPr lang="en-US" dirty="0">
                 <a:solidFill>
                   <a:srgbClr val="F79646"/>
                 </a:solidFill>
@@ -11496,7 +11311,7 @@
               <a:t>computer </a:t>
             </a:r>
             <a:r>
-              <a:rPr lang="en-US" dirty="0" err="1" smtClean="0">
+              <a:rPr lang="en-US" dirty="0" err="1">
                 <a:solidFill>
                   <a:srgbClr val="F79646"/>
                 </a:solidFill>
@@ -11506,7 +11321,7 @@
               <a:t>ideeën</a:t>
             </a:r>
             <a:r>
-              <a:rPr lang="en-US" dirty="0" smtClean="0">
+              <a:rPr lang="en-US" dirty="0">
                 <a:solidFill>
                   <a:srgbClr val="F79646"/>
                 </a:solidFill>
@@ -11516,30 +11331,26 @@
               <a:t> </a:t>
             </a:r>
             <a:r>
-              <a:rPr lang="en-US" dirty="0" smtClean="0">
+              <a:rPr lang="en-US" dirty="0">
                 <a:latin typeface="Comic Sans MS"/>
                 <a:cs typeface="Comic Sans MS"/>
               </a:rPr>
               <a:t>door </a:t>
             </a:r>
             <a:r>
-              <a:rPr lang="en-US" dirty="0" err="1" smtClean="0">
+              <a:rPr lang="en-US" dirty="0" err="1">
                 <a:latin typeface="Comic Sans MS"/>
                 <a:cs typeface="Comic Sans MS"/>
               </a:rPr>
               <a:t>leren</a:t>
             </a:r>
             <a:r>
-              <a:rPr lang="en-US" dirty="0" smtClean="0">
+              <a:rPr lang="en-US" dirty="0">
                 <a:latin typeface="Comic Sans MS"/>
                 <a:cs typeface="Comic Sans MS"/>
               </a:rPr>
               <a:t>.</a:t>
             </a:r>
-            <a:endParaRPr lang="en-US" dirty="0">
-              <a:latin typeface="Comic Sans MS"/>
-              <a:cs typeface="Comic Sans MS"/>
-            </a:endParaRPr>
           </a:p>
           <a:p>
             <a:pPr lvl="1"/>
@@ -11551,35 +11362,35 @@
               <a:t>We </a:t>
             </a:r>
             <a:r>
-              <a:rPr lang="en-US" dirty="0" err="1" smtClean="0">
+              <a:rPr lang="en-US" dirty="0" err="1">
                 <a:latin typeface="Comic Sans MS"/>
                 <a:cs typeface="Comic Sans MS"/>
               </a:rPr>
               <a:t>leren</a:t>
             </a:r>
             <a:r>
-              <a:rPr lang="en-US" dirty="0" smtClean="0">
+              <a:rPr lang="en-US" dirty="0">
                 <a:latin typeface="Comic Sans MS"/>
                 <a:cs typeface="Comic Sans MS"/>
               </a:rPr>
               <a:t> </a:t>
             </a:r>
             <a:r>
-              <a:rPr lang="en-US" dirty="0" err="1" smtClean="0">
+              <a:rPr lang="en-US" dirty="0" err="1">
                 <a:latin typeface="Comic Sans MS"/>
                 <a:cs typeface="Comic Sans MS"/>
               </a:rPr>
               <a:t>om</a:t>
             </a:r>
             <a:r>
-              <a:rPr lang="en-US" dirty="0" smtClean="0">
+              <a:rPr lang="en-US" dirty="0">
                 <a:latin typeface="Comic Sans MS"/>
                 <a:cs typeface="Comic Sans MS"/>
               </a:rPr>
               <a:t> </a:t>
             </a:r>
             <a:r>
-              <a:rPr lang="en-US" dirty="0" err="1" smtClean="0">
+              <a:rPr lang="en-US" dirty="0" err="1">
                 <a:solidFill>
                   <a:srgbClr val="F79646"/>
                 </a:solidFill>
@@ -11596,37 +11407,33 @@
               <a:t> </a:t>
             </a:r>
             <a:r>
-              <a:rPr lang="en-US" dirty="0" err="1" smtClean="0">
+              <a:rPr lang="en-US" dirty="0" err="1">
                 <a:latin typeface="Comic Sans MS"/>
                 <a:cs typeface="Comic Sans MS"/>
               </a:rPr>
               <a:t>te</a:t>
             </a:r>
             <a:r>
-              <a:rPr lang="en-US" dirty="0" smtClean="0">
+              <a:rPr lang="en-US" dirty="0">
                 <a:latin typeface="Comic Sans MS"/>
                 <a:cs typeface="Comic Sans MS"/>
               </a:rPr>
               <a:t> </a:t>
             </a:r>
             <a:r>
-              <a:rPr lang="en-US" dirty="0" err="1" smtClean="0">
+              <a:rPr lang="en-US" dirty="0" err="1">
                 <a:latin typeface="Comic Sans MS"/>
                 <a:cs typeface="Comic Sans MS"/>
               </a:rPr>
               <a:t>denken</a:t>
             </a:r>
             <a:r>
-              <a:rPr lang="en-US" dirty="0" smtClean="0">
+              <a:rPr lang="en-US" dirty="0">
                 <a:latin typeface="Comic Sans MS"/>
                 <a:cs typeface="Comic Sans MS"/>
               </a:rPr>
               <a:t>.</a:t>
             </a:r>
-            <a:endParaRPr lang="en-US" dirty="0">
-              <a:latin typeface="Comic Sans MS"/>
-              <a:cs typeface="Comic Sans MS"/>
-            </a:endParaRPr>
           </a:p>
           <a:p>
             <a:pPr lvl="1"/>
@@ -11638,35 +11445,35 @@
               <a:t>We </a:t>
             </a:r>
             <a:r>
-              <a:rPr lang="en-US" dirty="0" err="1" smtClean="0">
+              <a:rPr lang="en-US" dirty="0" err="1">
                 <a:latin typeface="Comic Sans MS"/>
                 <a:cs typeface="Comic Sans MS"/>
               </a:rPr>
               <a:t>leren</a:t>
             </a:r>
             <a:r>
-              <a:rPr lang="en-US" dirty="0" smtClean="0">
+              <a:rPr lang="en-US" dirty="0">
                 <a:latin typeface="Comic Sans MS"/>
                 <a:cs typeface="Comic Sans MS"/>
               </a:rPr>
               <a:t> </a:t>
             </a:r>
             <a:r>
-              <a:rPr lang="en-US" dirty="0" err="1" smtClean="0">
+              <a:rPr lang="en-US" dirty="0" err="1">
                 <a:latin typeface="Comic Sans MS"/>
                 <a:cs typeface="Comic Sans MS"/>
               </a:rPr>
               <a:t>om</a:t>
             </a:r>
             <a:r>
-              <a:rPr lang="en-US" dirty="0" smtClean="0">
+              <a:rPr lang="en-US" dirty="0">
                 <a:latin typeface="Comic Sans MS"/>
                 <a:cs typeface="Comic Sans MS"/>
               </a:rPr>
               <a:t> </a:t>
             </a:r>
             <a:r>
-              <a:rPr lang="en-US" dirty="0" err="1" smtClean="0">
+              <a:rPr lang="en-US" dirty="0" err="1">
                 <a:solidFill>
                   <a:srgbClr val="F79646"/>
                 </a:solidFill>
@@ -11683,37 +11490,33 @@
               <a:t> </a:t>
             </a:r>
             <a:r>
-              <a:rPr lang="en-US" dirty="0" err="1" smtClean="0">
+              <a:rPr lang="en-US" dirty="0" err="1">
                 <a:latin typeface="Comic Sans MS"/>
                 <a:cs typeface="Comic Sans MS"/>
               </a:rPr>
               <a:t>te</a:t>
             </a:r>
             <a:r>
-              <a:rPr lang="en-US" dirty="0" smtClean="0">
+              <a:rPr lang="en-US" dirty="0">
                 <a:latin typeface="Comic Sans MS"/>
                 <a:cs typeface="Comic Sans MS"/>
               </a:rPr>
               <a:t> </a:t>
             </a:r>
             <a:r>
-              <a:rPr lang="en-US" dirty="0" err="1" smtClean="0">
+              <a:rPr lang="en-US" dirty="0" err="1">
                 <a:latin typeface="Comic Sans MS"/>
                 <a:cs typeface="Comic Sans MS"/>
               </a:rPr>
               <a:t>denken</a:t>
             </a:r>
             <a:r>
-              <a:rPr lang="en-US" dirty="0" smtClean="0">
+              <a:rPr lang="en-US" dirty="0">
                 <a:latin typeface="Comic Sans MS"/>
                 <a:cs typeface="Comic Sans MS"/>
               </a:rPr>
               <a:t>.</a:t>
             </a:r>
-            <a:endParaRPr lang="en-US" dirty="0">
-              <a:latin typeface="Comic Sans MS"/>
-              <a:cs typeface="Comic Sans MS"/>
-            </a:endParaRPr>
           </a:p>
         </p:txBody>
       </p:sp>
@@ -11794,7 +11597,7 @@
           <a:noFill/>
           <a:extLst>
             <a:ext uri="{909E8E84-426E-40dd-AFC4-6F175D3DCCD1}">
-              <a14:hiddenFill xmlns:a14="http://schemas.microsoft.com/office/drawing/2010/main">
+              <a14:hiddenFill xmlns:a14="http://schemas.microsoft.com/office/drawing/2010/main" xmlns="">
                 <a:solidFill>
                   <a:srgbClr val="FFFFFF"/>
                 </a:solidFill>
@@ -11835,7 +11638,7 @@
           <a:noFill/>
           <a:extLst>
             <a:ext uri="{909E8E84-426E-40dd-AFC4-6F175D3DCCD1}">
-              <a14:hiddenFill xmlns:a14="http://schemas.microsoft.com/office/drawing/2010/main">
+              <a14:hiddenFill xmlns:a14="http://schemas.microsoft.com/office/drawing/2010/main" xmlns="">
                 <a:solidFill>
                   <a:srgbClr val="FFFFFF"/>
                 </a:solidFill>
@@ -11866,16 +11669,12 @@
           <a:p>
             <a:pPr algn="r"/>
             <a:r>
-              <a:rPr lang="en-US" dirty="0" smtClean="0">
+              <a:rPr lang="en-US" dirty="0">
                 <a:latin typeface="Comic Sans MS"/>
                 <a:cs typeface="Comic Sans MS"/>
               </a:rPr>
               <a:t>About </a:t>
             </a:r>
-            <a:endParaRPr lang="en-US" dirty="0">
-              <a:latin typeface="Comic Sans MS"/>
-              <a:cs typeface="Comic Sans MS"/>
-            </a:endParaRPr>
           </a:p>
         </p:txBody>
       </p:sp>
@@ -11911,7 +11710,7 @@
           <a:noFill/>
           <a:extLst>
             <a:ext uri="{909E8E84-426E-40dd-AFC4-6F175D3DCCD1}">
-              <a14:hiddenFill xmlns:a14="http://schemas.microsoft.com/office/drawing/2010/main">
+              <a14:hiddenFill xmlns:a14="http://schemas.microsoft.com/office/drawing/2010/main" xmlns="">
                 <a:solidFill>
                   <a:srgbClr val="FFFFFF"/>
                 </a:solidFill>
@@ -11930,13 +11729,6 @@
   <p:clrMapOvr>
     <a:masterClrMapping/>
   </p:clrMapOvr>
-  <p:timing>
-    <p:tnLst>
-      <p:par>
-        <p:cTn xmlns:p14="http://schemas.microsoft.com/office/powerpoint/2010/main" id="1" dur="indefinite" restart="never" nodeType="tmRoot"/>
-      </p:par>
-    </p:tnLst>
-  </p:timing>
 </p:sld>
 </file>
 
@@ -11979,37 +11771,33 @@
           <a:p>
             <a:pPr algn="l"/>
             <a:r>
-              <a:rPr lang="en-US" dirty="0" err="1" smtClean="0">
+              <a:rPr lang="en-US" dirty="0" err="1">
                 <a:latin typeface="Comic Sans MS"/>
                 <a:cs typeface="Comic Sans MS"/>
               </a:rPr>
               <a:t>Wat</a:t>
             </a:r>
             <a:r>
-              <a:rPr lang="en-US" dirty="0" smtClean="0">
+              <a:rPr lang="en-US" dirty="0">
                 <a:latin typeface="Comic Sans MS"/>
                 <a:cs typeface="Comic Sans MS"/>
               </a:rPr>
               <a:t> is </a:t>
             </a:r>
             <a:r>
-              <a:rPr lang="en-US" dirty="0" err="1" smtClean="0">
+              <a:rPr lang="en-US" dirty="0" err="1">
                 <a:latin typeface="Comic Sans MS"/>
                 <a:cs typeface="Comic Sans MS"/>
               </a:rPr>
               <a:t>programmeren</a:t>
             </a:r>
             <a:r>
-              <a:rPr lang="en-US" dirty="0" smtClean="0">
+              <a:rPr lang="en-US" dirty="0">
                 <a:latin typeface="Comic Sans MS"/>
                 <a:cs typeface="Comic Sans MS"/>
               </a:rPr>
               <a:t>?</a:t>
             </a:r>
-            <a:endParaRPr lang="en-US" dirty="0">
-              <a:latin typeface="Comic Sans MS"/>
-              <a:cs typeface="Comic Sans MS"/>
-            </a:endParaRPr>
           </a:p>
         </p:txBody>
       </p:sp>
@@ -12034,7 +11822,7 @@
           <a:lstStyle/>
           <a:p>
             <a:r>
-              <a:rPr lang="en-US" dirty="0" err="1" smtClean="0">
+              <a:rPr lang="en-US" dirty="0" err="1">
                 <a:solidFill>
                   <a:srgbClr val="F79646"/>
                 </a:solidFill>
@@ -12044,28 +11832,14 @@
               <a:t>Programmeren</a:t>
             </a:r>
             <a:r>
-              <a:rPr lang="en-US" dirty="0" smtClean="0">
-                <a:latin typeface="Comic Sans MS"/>
-                <a:cs typeface="Comic Sans MS"/>
-              </a:rPr>
-              <a:t> </a:t>
-            </a:r>
-            <a:r>
-              <a:rPr lang="en-US" dirty="0">
-                <a:latin typeface="Comic Sans MS"/>
-                <a:cs typeface="Comic Sans MS"/>
-              </a:rPr>
-              <a:t>is </a:t>
-            </a:r>
-            <a:r>
-              <a:rPr lang="en-US" dirty="0" smtClean="0">
-                <a:latin typeface="Comic Sans MS"/>
-                <a:cs typeface="Comic Sans MS"/>
-              </a:rPr>
-              <a:t>de </a:t>
-            </a:r>
-            <a:r>
-              <a:rPr lang="en-US" dirty="0" err="1" smtClean="0">
+              <a:rPr lang="en-US" dirty="0">
+                <a:latin typeface="Comic Sans MS"/>
+                <a:cs typeface="Comic Sans MS"/>
+              </a:rPr>
+              <a:t> is de </a:t>
+            </a:r>
+            <a:r>
+              <a:rPr lang="en-US" dirty="0" err="1">
                 <a:solidFill>
                   <a:srgbClr val="F79646"/>
                 </a:solidFill>
@@ -12075,536 +11849,480 @@
               <a:t>kunst</a:t>
             </a:r>
             <a:r>
-              <a:rPr lang="en-US" dirty="0" smtClean="0">
+              <a:rPr lang="en-US" dirty="0">
                 <a:latin typeface="Comic Sans MS"/>
                 <a:cs typeface="Comic Sans MS"/>
               </a:rPr>
               <a:t> </a:t>
             </a:r>
             <a:r>
-              <a:rPr lang="en-US" dirty="0" err="1" smtClean="0">
+              <a:rPr lang="en-US" dirty="0" err="1">
                 <a:latin typeface="Comic Sans MS"/>
                 <a:cs typeface="Comic Sans MS"/>
               </a:rPr>
               <a:t>om</a:t>
             </a:r>
             <a:r>
-              <a:rPr lang="en-US" dirty="0" smtClean="0">
+              <a:rPr lang="en-US" dirty="0">
                 <a:latin typeface="Comic Sans MS"/>
                 <a:cs typeface="Comic Sans MS"/>
               </a:rPr>
               <a:t> de computer </a:t>
             </a:r>
             <a:r>
-              <a:rPr lang="en-US" dirty="0" err="1" smtClean="0">
+              <a:rPr lang="en-US" dirty="0" err="1">
                 <a:latin typeface="Comic Sans MS"/>
                 <a:cs typeface="Comic Sans MS"/>
               </a:rPr>
               <a:t>dingen</a:t>
             </a:r>
             <a:r>
-              <a:rPr lang="en-US" dirty="0" smtClean="0">
+              <a:rPr lang="en-US" dirty="0">
                 <a:latin typeface="Comic Sans MS"/>
                 <a:cs typeface="Comic Sans MS"/>
               </a:rPr>
               <a:t> </a:t>
             </a:r>
             <a:r>
-              <a:rPr lang="en-US" dirty="0" err="1" smtClean="0">
+              <a:rPr lang="en-US" dirty="0" err="1">
                 <a:latin typeface="Comic Sans MS"/>
                 <a:cs typeface="Comic Sans MS"/>
               </a:rPr>
               <a:t>voor</a:t>
             </a:r>
             <a:r>
-              <a:rPr lang="en-US" dirty="0" smtClean="0">
+              <a:rPr lang="en-US" dirty="0">
                 <a:latin typeface="Comic Sans MS"/>
                 <a:cs typeface="Comic Sans MS"/>
               </a:rPr>
               <a:t> </a:t>
             </a:r>
             <a:r>
-              <a:rPr lang="en-US" dirty="0" err="1" smtClean="0">
+              <a:rPr lang="en-US" dirty="0" err="1">
                 <a:latin typeface="Comic Sans MS"/>
                 <a:cs typeface="Comic Sans MS"/>
               </a:rPr>
               <a:t>ons</a:t>
             </a:r>
             <a:r>
-              <a:rPr lang="en-US" dirty="0" smtClean="0">
+              <a:rPr lang="en-US" dirty="0">
                 <a:latin typeface="Comic Sans MS"/>
                 <a:cs typeface="Comic Sans MS"/>
               </a:rPr>
               <a:t> </a:t>
             </a:r>
             <a:r>
-              <a:rPr lang="en-US" dirty="0" err="1" smtClean="0">
+              <a:rPr lang="en-US" dirty="0" err="1">
                 <a:latin typeface="Comic Sans MS"/>
                 <a:cs typeface="Comic Sans MS"/>
               </a:rPr>
               <a:t>te</a:t>
             </a:r>
             <a:r>
-              <a:rPr lang="en-US" dirty="0" smtClean="0">
+              <a:rPr lang="en-US" dirty="0">
                 <a:latin typeface="Comic Sans MS"/>
                 <a:cs typeface="Comic Sans MS"/>
               </a:rPr>
               <a:t> </a:t>
             </a:r>
             <a:r>
-              <a:rPr lang="en-US" dirty="0" err="1" smtClean="0">
+              <a:rPr lang="en-US" dirty="0" err="1">
                 <a:latin typeface="Comic Sans MS"/>
                 <a:cs typeface="Comic Sans MS"/>
               </a:rPr>
               <a:t>laten</a:t>
             </a:r>
             <a:r>
-              <a:rPr lang="en-US" dirty="0" smtClean="0">
+              <a:rPr lang="en-US" dirty="0">
                 <a:latin typeface="Comic Sans MS"/>
                 <a:cs typeface="Comic Sans MS"/>
               </a:rPr>
               <a:t> </a:t>
             </a:r>
             <a:r>
-              <a:rPr lang="en-US" dirty="0" err="1" smtClean="0">
+              <a:rPr lang="en-US" dirty="0" err="1">
                 <a:latin typeface="Comic Sans MS"/>
                 <a:cs typeface="Comic Sans MS"/>
               </a:rPr>
               <a:t>doen</a:t>
             </a:r>
             <a:r>
-              <a:rPr lang="en-US" dirty="0" smtClean="0">
+              <a:rPr lang="en-US" dirty="0">
                 <a:latin typeface="Comic Sans MS"/>
                 <a:cs typeface="Comic Sans MS"/>
               </a:rPr>
               <a:t>.</a:t>
             </a:r>
-            <a:endParaRPr lang="en-US" dirty="0">
-              <a:latin typeface="Comic Sans MS"/>
-              <a:cs typeface="Comic Sans MS"/>
-            </a:endParaRPr>
-          </a:p>
-          <a:p>
-            <a:r>
-              <a:rPr lang="en-US" dirty="0" err="1" smtClean="0">
+          </a:p>
+          <a:p>
+            <a:r>
+              <a:rPr lang="en-US" dirty="0" err="1">
                 <a:latin typeface="Comic Sans MS"/>
                 <a:cs typeface="Comic Sans MS"/>
               </a:rPr>
               <a:t>Een</a:t>
             </a:r>
             <a:r>
-              <a:rPr lang="en-US" dirty="0" smtClean="0">
+              <a:rPr lang="en-US" dirty="0">
+                <a:latin typeface="Comic Sans MS"/>
+                <a:cs typeface="Comic Sans MS"/>
+              </a:rPr>
+              <a:t> computer </a:t>
+            </a:r>
+            <a:r>
+              <a:rPr lang="en-US" dirty="0" err="1">
+                <a:latin typeface="Comic Sans MS"/>
+                <a:cs typeface="Comic Sans MS"/>
+              </a:rPr>
+              <a:t>programma</a:t>
+            </a:r>
+            <a:r>
+              <a:rPr lang="en-US" dirty="0">
+                <a:latin typeface="Comic Sans MS"/>
+                <a:cs typeface="Comic Sans MS"/>
+              </a:rPr>
+              <a:t> is </a:t>
+            </a:r>
+            <a:r>
+              <a:rPr lang="en-US" dirty="0" err="1">
+                <a:latin typeface="Comic Sans MS"/>
+                <a:cs typeface="Comic Sans MS"/>
+              </a:rPr>
+              <a:t>een</a:t>
+            </a:r>
+            <a:r>
+              <a:rPr lang="en-US" dirty="0">
                 <a:latin typeface="Comic Sans MS"/>
                 <a:cs typeface="Comic Sans MS"/>
               </a:rPr>
               <a:t> </a:t>
             </a:r>
             <a:r>
-              <a:rPr lang="en-US" dirty="0">
-                <a:latin typeface="Comic Sans MS"/>
-                <a:cs typeface="Comic Sans MS"/>
-              </a:rPr>
-              <a:t>computer </a:t>
-            </a:r>
-            <a:r>
-              <a:rPr lang="en-US" dirty="0" err="1" smtClean="0">
-                <a:latin typeface="Comic Sans MS"/>
-                <a:cs typeface="Comic Sans MS"/>
-              </a:rPr>
-              <a:t>programma</a:t>
-            </a:r>
-            <a:r>
-              <a:rPr lang="en-US" dirty="0" smtClean="0">
-                <a:latin typeface="Comic Sans MS"/>
-                <a:cs typeface="Comic Sans MS"/>
-              </a:rPr>
-              <a:t> is </a:t>
-            </a:r>
-            <a:r>
-              <a:rPr lang="en-US" dirty="0" err="1" smtClean="0">
-                <a:latin typeface="Comic Sans MS"/>
-                <a:cs typeface="Comic Sans MS"/>
-              </a:rPr>
-              <a:t>een</a:t>
-            </a:r>
-            <a:r>
-              <a:rPr lang="en-US" dirty="0" smtClean="0">
-                <a:latin typeface="Comic Sans MS"/>
-                <a:cs typeface="Comic Sans MS"/>
-              </a:rPr>
-              <a:t> </a:t>
-            </a:r>
-            <a:r>
-              <a:rPr lang="en-US" dirty="0" err="1" smtClean="0">
+              <a:rPr lang="en-US" dirty="0" err="1">
                 <a:latin typeface="Comic Sans MS"/>
                 <a:cs typeface="Comic Sans MS"/>
               </a:rPr>
               <a:t>simpele</a:t>
             </a:r>
             <a:r>
-              <a:rPr lang="en-US" dirty="0" smtClean="0">
+              <a:rPr lang="en-US" dirty="0">
                 <a:solidFill>
                   <a:srgbClr val="F79646"/>
                 </a:solidFill>
                 <a:latin typeface="Comic Sans MS"/>
                 <a:cs typeface="Comic Sans MS"/>
               </a:rPr>
-              <a:t> </a:t>
-            </a:r>
-            <a:r>
-              <a:rPr lang="en-US" dirty="0">
+              <a:t> set van </a:t>
+            </a:r>
+            <a:r>
+              <a:rPr lang="en-US" dirty="0" err="1">
                 <a:solidFill>
                   <a:srgbClr val="F79646"/>
                 </a:solidFill>
                 <a:latin typeface="Comic Sans MS"/>
                 <a:cs typeface="Comic Sans MS"/>
               </a:rPr>
-              <a:t>set </a:t>
-            </a:r>
-            <a:r>
-              <a:rPr lang="en-US" dirty="0" smtClean="0">
+              <a:t>regeltjes</a:t>
+            </a:r>
+            <a:r>
+              <a:rPr lang="en-US" dirty="0">
+                <a:latin typeface="Comic Sans MS"/>
+                <a:cs typeface="Comic Sans MS"/>
+              </a:rPr>
+              <a:t> die </a:t>
+            </a:r>
+            <a:r>
+              <a:rPr lang="en-US" dirty="0">
                 <a:solidFill>
                   <a:srgbClr val="F79646"/>
                 </a:solidFill>
                 <a:latin typeface="Comic Sans MS"/>
                 <a:cs typeface="Comic Sans MS"/>
               </a:rPr>
-              <a:t>van </a:t>
-            </a:r>
-            <a:r>
-              <a:rPr lang="en-US" dirty="0" err="1" smtClean="0">
+              <a:t>de computer </a:t>
+            </a:r>
+            <a:r>
+              <a:rPr lang="en-US" dirty="0" err="1">
                 <a:solidFill>
                   <a:srgbClr val="F79646"/>
                 </a:solidFill>
                 <a:latin typeface="Comic Sans MS"/>
                 <a:cs typeface="Comic Sans MS"/>
               </a:rPr>
-              <a:t>regeltjes</a:t>
-            </a:r>
-            <a:r>
-              <a:rPr lang="en-US" dirty="0" smtClean="0">
-                <a:latin typeface="Comic Sans MS"/>
-                <a:cs typeface="Comic Sans MS"/>
-              </a:rPr>
-              <a:t> die </a:t>
-            </a:r>
-            <a:r>
-              <a:rPr lang="en-US" dirty="0" smtClean="0">
+              <a:t>verteld</a:t>
+            </a:r>
+            <a:r>
+              <a:rPr lang="en-US" dirty="0">
                 <a:solidFill>
                   <a:srgbClr val="F79646"/>
                 </a:solidFill>
                 <a:latin typeface="Comic Sans MS"/>
                 <a:cs typeface="Comic Sans MS"/>
               </a:rPr>
-              <a:t>de </a:t>
-            </a:r>
-            <a:r>
-              <a:rPr lang="en-US" dirty="0">
+              <a:t> </a:t>
+            </a:r>
+            <a:r>
+              <a:rPr lang="en-US" dirty="0" err="1">
                 <a:solidFill>
                   <a:srgbClr val="F79646"/>
                 </a:solidFill>
                 <a:latin typeface="Comic Sans MS"/>
                 <a:cs typeface="Comic Sans MS"/>
               </a:rPr>
-              <a:t>computer </a:t>
-            </a:r>
-            <a:r>
-              <a:rPr lang="en-US" dirty="0" err="1" smtClean="0">
+              <a:t>wat</a:t>
+            </a:r>
+            <a:r>
+              <a:rPr lang="en-US" dirty="0">
                 <a:solidFill>
                   <a:srgbClr val="F79646"/>
                 </a:solidFill>
                 <a:latin typeface="Comic Sans MS"/>
                 <a:cs typeface="Comic Sans MS"/>
               </a:rPr>
-              <a:t>verteld</a:t>
-            </a:r>
-            <a:r>
-              <a:rPr lang="en-US" dirty="0" smtClean="0">
+              <a:t> het </a:t>
+            </a:r>
+            <a:r>
+              <a:rPr lang="en-US" dirty="0" err="1">
                 <a:solidFill>
                   <a:srgbClr val="F79646"/>
                 </a:solidFill>
                 <a:latin typeface="Comic Sans MS"/>
                 <a:cs typeface="Comic Sans MS"/>
               </a:rPr>
-              <a:t> </a:t>
-            </a:r>
-            <a:r>
-              <a:rPr lang="en-US" dirty="0" err="1" smtClean="0">
+              <a:t>moet</a:t>
+            </a:r>
+            <a:r>
+              <a:rPr lang="en-US" dirty="0">
                 <a:solidFill>
                   <a:srgbClr val="F79646"/>
                 </a:solidFill>
                 <a:latin typeface="Comic Sans MS"/>
                 <a:cs typeface="Comic Sans MS"/>
               </a:rPr>
-              <a:t>wat</a:t>
-            </a:r>
-            <a:r>
-              <a:rPr lang="en-US" dirty="0" smtClean="0">
+              <a:t> </a:t>
+            </a:r>
+            <a:r>
+              <a:rPr lang="en-US" dirty="0" err="1">
                 <a:solidFill>
                   <a:srgbClr val="F79646"/>
                 </a:solidFill>
                 <a:latin typeface="Comic Sans MS"/>
                 <a:cs typeface="Comic Sans MS"/>
               </a:rPr>
-              <a:t> het </a:t>
-            </a:r>
-            <a:r>
-              <a:rPr lang="en-US" dirty="0" err="1" smtClean="0">
-                <a:solidFill>
-                  <a:srgbClr val="F79646"/>
-                </a:solidFill>
+              <a:t>doen</a:t>
+            </a:r>
+            <a:r>
+              <a:rPr lang="en-US" dirty="0">
+                <a:latin typeface="Comic Sans MS"/>
+                <a:cs typeface="Comic Sans MS"/>
+              </a:rPr>
+              <a:t>.</a:t>
+            </a:r>
+          </a:p>
+          <a:p>
+            <a:r>
+              <a:rPr lang="en-US" dirty="0">
+                <a:latin typeface="Comic Sans MS"/>
+                <a:cs typeface="Comic Sans MS"/>
+              </a:rPr>
+              <a:t>Het is </a:t>
+            </a:r>
+            <a:r>
+              <a:rPr lang="en-US" dirty="0" err="1">
+                <a:latin typeface="Comic Sans MS"/>
+                <a:cs typeface="Comic Sans MS"/>
+              </a:rPr>
+              <a:t>als</a:t>
+            </a:r>
+            <a:r>
+              <a:rPr lang="en-US" dirty="0">
+                <a:latin typeface="Comic Sans MS"/>
+                <a:cs typeface="Comic Sans MS"/>
+              </a:rPr>
+              <a:t> </a:t>
+            </a:r>
+            <a:r>
+              <a:rPr lang="en-US" dirty="0" err="1">
+                <a:latin typeface="Comic Sans MS"/>
+                <a:cs typeface="Comic Sans MS"/>
+              </a:rPr>
+              <a:t>een</a:t>
+            </a:r>
+            <a:r>
+              <a:rPr lang="en-US" dirty="0">
+                <a:latin typeface="Comic Sans MS"/>
+                <a:cs typeface="Comic Sans MS"/>
+              </a:rPr>
+              <a:t> </a:t>
+            </a:r>
+            <a:r>
+              <a:rPr lang="en-US" dirty="0" err="1">
+                <a:latin typeface="Comic Sans MS"/>
+                <a:cs typeface="Comic Sans MS"/>
+              </a:rPr>
+              <a:t>recept</a:t>
+            </a:r>
+            <a:r>
+              <a:rPr lang="en-US" dirty="0">
+                <a:latin typeface="Comic Sans MS"/>
+                <a:cs typeface="Comic Sans MS"/>
+              </a:rPr>
+              <a:t>: </a:t>
+            </a:r>
+            <a:r>
+              <a:rPr lang="en-US" dirty="0" err="1">
+                <a:latin typeface="Comic Sans MS"/>
+                <a:cs typeface="Comic Sans MS"/>
+              </a:rPr>
+              <a:t>een</a:t>
+            </a:r>
+            <a:r>
+              <a:rPr lang="en-US" dirty="0">
+                <a:latin typeface="Comic Sans MS"/>
+                <a:cs typeface="Comic Sans MS"/>
+              </a:rPr>
+              <a:t> </a:t>
+            </a:r>
+            <a:r>
+              <a:rPr lang="en-US" dirty="0" err="1">
+                <a:latin typeface="Comic Sans MS"/>
+                <a:cs typeface="Comic Sans MS"/>
+              </a:rPr>
+              <a:t>aantal</a:t>
+            </a:r>
+            <a:r>
+              <a:rPr lang="en-US" dirty="0">
+                <a:latin typeface="Comic Sans MS"/>
+                <a:cs typeface="Comic Sans MS"/>
+              </a:rPr>
+              <a:t> regels die </a:t>
+            </a:r>
+            <a:r>
+              <a:rPr lang="en-US" dirty="0" err="1">
+                <a:latin typeface="Comic Sans MS"/>
+                <a:cs typeface="Comic Sans MS"/>
+              </a:rPr>
+              <a:t>een</a:t>
+            </a:r>
+            <a:r>
+              <a:rPr lang="en-US" dirty="0">
+                <a:latin typeface="Comic Sans MS"/>
+                <a:cs typeface="Comic Sans MS"/>
+              </a:rPr>
+              <a:t> </a:t>
+            </a:r>
+            <a:r>
+              <a:rPr lang="en-US" dirty="0" err="1">
+                <a:latin typeface="Comic Sans MS"/>
+                <a:cs typeface="Comic Sans MS"/>
+              </a:rPr>
+              <a:t>kok</a:t>
+            </a:r>
+            <a:r>
+              <a:rPr lang="en-US" dirty="0">
+                <a:latin typeface="Comic Sans MS"/>
+                <a:cs typeface="Comic Sans MS"/>
+              </a:rPr>
+              <a:t> </a:t>
+            </a:r>
+            <a:r>
+              <a:rPr lang="en-US" dirty="0" err="1">
+                <a:latin typeface="Comic Sans MS"/>
+                <a:cs typeface="Comic Sans MS"/>
+              </a:rPr>
+              <a:t>vertelt</a:t>
+            </a:r>
+            <a:r>
+              <a:rPr lang="en-US" dirty="0">
+                <a:latin typeface="Comic Sans MS"/>
+                <a:cs typeface="Comic Sans MS"/>
+              </a:rPr>
+              <a:t> hoe </a:t>
+            </a:r>
+            <a:r>
+              <a:rPr lang="en-US" dirty="0" err="1">
+                <a:latin typeface="Comic Sans MS"/>
+                <a:cs typeface="Comic Sans MS"/>
+              </a:rPr>
+              <a:t>hij</a:t>
+            </a:r>
+            <a:r>
+              <a:rPr lang="en-US" dirty="0">
+                <a:latin typeface="Comic Sans MS"/>
+                <a:cs typeface="Comic Sans MS"/>
+              </a:rPr>
+              <a:t> </a:t>
+            </a:r>
+            <a:r>
+              <a:rPr lang="en-US" dirty="0" err="1">
+                <a:latin typeface="Comic Sans MS"/>
+                <a:cs typeface="Comic Sans MS"/>
+              </a:rPr>
+              <a:t>een</a:t>
+            </a:r>
+            <a:r>
+              <a:rPr lang="en-US" dirty="0">
+                <a:latin typeface="Comic Sans MS"/>
+                <a:cs typeface="Comic Sans MS"/>
+              </a:rPr>
+              <a:t> </a:t>
+            </a:r>
+            <a:r>
+              <a:rPr lang="en-US" dirty="0" err="1">
+                <a:latin typeface="Comic Sans MS"/>
+                <a:cs typeface="Comic Sans MS"/>
+              </a:rPr>
+              <a:t>gerecht</a:t>
+            </a:r>
+            <a:r>
+              <a:rPr lang="en-US" dirty="0">
+                <a:latin typeface="Comic Sans MS"/>
+                <a:cs typeface="Comic Sans MS"/>
+              </a:rPr>
+              <a:t> </a:t>
+            </a:r>
+            <a:r>
+              <a:rPr lang="en-US" dirty="0" err="1">
+                <a:latin typeface="Comic Sans MS"/>
+                <a:cs typeface="Comic Sans MS"/>
+              </a:rPr>
+              <a:t>klaar</a:t>
+            </a:r>
+            <a:r>
+              <a:rPr lang="en-US" dirty="0">
+                <a:latin typeface="Comic Sans MS"/>
+                <a:cs typeface="Comic Sans MS"/>
+              </a:rPr>
+              <a:t> </a:t>
+            </a:r>
+            <a:r>
+              <a:rPr lang="en-US" dirty="0" err="1">
                 <a:latin typeface="Comic Sans MS"/>
                 <a:cs typeface="Comic Sans MS"/>
               </a:rPr>
               <a:t>moet</a:t>
             </a:r>
             <a:r>
-              <a:rPr lang="en-US" dirty="0" smtClean="0">
-                <a:solidFill>
-                  <a:srgbClr val="F79646"/>
-                </a:solidFill>
+              <a:rPr lang="en-US" dirty="0">
                 <a:latin typeface="Comic Sans MS"/>
                 <a:cs typeface="Comic Sans MS"/>
               </a:rPr>
               <a:t> </a:t>
             </a:r>
             <a:r>
-              <a:rPr lang="en-US" dirty="0" err="1" smtClean="0">
-                <a:solidFill>
-                  <a:srgbClr val="F79646"/>
-                </a:solidFill>
-                <a:latin typeface="Comic Sans MS"/>
-                <a:cs typeface="Comic Sans MS"/>
-              </a:rPr>
-              <a:t>doen</a:t>
-            </a:r>
-            <a:r>
-              <a:rPr lang="en-US" dirty="0" smtClean="0">
+              <a:rPr lang="en-US" dirty="0" err="1">
+                <a:latin typeface="Comic Sans MS"/>
+                <a:cs typeface="Comic Sans MS"/>
+              </a:rPr>
+              <a:t>maken</a:t>
+            </a:r>
+            <a:r>
+              <a:rPr lang="en-US" dirty="0">
                 <a:latin typeface="Comic Sans MS"/>
                 <a:cs typeface="Comic Sans MS"/>
               </a:rPr>
               <a:t>.</a:t>
             </a:r>
-            <a:endParaRPr lang="en-US" dirty="0">
-              <a:latin typeface="Comic Sans MS"/>
-              <a:cs typeface="Comic Sans MS"/>
-            </a:endParaRPr>
-          </a:p>
-          <a:p>
-            <a:r>
-              <a:rPr lang="en-US" dirty="0" smtClean="0">
-                <a:latin typeface="Comic Sans MS"/>
-                <a:cs typeface="Comic Sans MS"/>
-              </a:rPr>
-              <a:t>Het </a:t>
-            </a:r>
-            <a:r>
-              <a:rPr lang="en-US" dirty="0">
-                <a:latin typeface="Comic Sans MS"/>
-                <a:cs typeface="Comic Sans MS"/>
-              </a:rPr>
-              <a:t>is </a:t>
-            </a:r>
-            <a:r>
-              <a:rPr lang="en-US" dirty="0" err="1" smtClean="0">
-                <a:latin typeface="Comic Sans MS"/>
-                <a:cs typeface="Comic Sans MS"/>
-              </a:rPr>
-              <a:t>als</a:t>
-            </a:r>
-            <a:r>
-              <a:rPr lang="en-US" dirty="0" smtClean="0">
-                <a:latin typeface="Comic Sans MS"/>
-                <a:cs typeface="Comic Sans MS"/>
-              </a:rPr>
-              <a:t> </a:t>
-            </a:r>
-            <a:r>
-              <a:rPr lang="en-US" dirty="0" err="1" smtClean="0">
-                <a:latin typeface="Comic Sans MS"/>
-                <a:cs typeface="Comic Sans MS"/>
-              </a:rPr>
-              <a:t>een</a:t>
-            </a:r>
-            <a:r>
-              <a:rPr lang="en-US" dirty="0" smtClean="0">
-                <a:latin typeface="Comic Sans MS"/>
-                <a:cs typeface="Comic Sans MS"/>
-              </a:rPr>
-              <a:t> </a:t>
-            </a:r>
-            <a:r>
-              <a:rPr lang="en-US" dirty="0" err="1" smtClean="0">
-                <a:latin typeface="Comic Sans MS"/>
-                <a:cs typeface="Comic Sans MS"/>
-              </a:rPr>
-              <a:t>recept</a:t>
-            </a:r>
-            <a:r>
-              <a:rPr lang="en-US" dirty="0" smtClean="0">
-                <a:latin typeface="Comic Sans MS"/>
-                <a:cs typeface="Comic Sans MS"/>
-              </a:rPr>
-              <a:t>: </a:t>
-            </a:r>
-            <a:r>
-              <a:rPr lang="en-US" dirty="0" err="1" smtClean="0">
-                <a:latin typeface="Comic Sans MS"/>
-                <a:cs typeface="Comic Sans MS"/>
-              </a:rPr>
-              <a:t>een</a:t>
-            </a:r>
-            <a:r>
-              <a:rPr lang="en-US" dirty="0" smtClean="0">
-                <a:latin typeface="Comic Sans MS"/>
-                <a:cs typeface="Comic Sans MS"/>
-              </a:rPr>
-              <a:t> </a:t>
-            </a:r>
-            <a:r>
-              <a:rPr lang="en-US" dirty="0" err="1" smtClean="0">
-                <a:latin typeface="Comic Sans MS"/>
-                <a:cs typeface="Comic Sans MS"/>
-              </a:rPr>
-              <a:t>aantal</a:t>
-            </a:r>
-            <a:r>
-              <a:rPr lang="en-US" dirty="0" smtClean="0">
-                <a:latin typeface="Comic Sans MS"/>
-                <a:cs typeface="Comic Sans MS"/>
-              </a:rPr>
-              <a:t> regels die </a:t>
-            </a:r>
-            <a:r>
-              <a:rPr lang="en-US" dirty="0" err="1" smtClean="0">
-                <a:latin typeface="Comic Sans MS"/>
-                <a:cs typeface="Comic Sans MS"/>
-              </a:rPr>
-              <a:t>een</a:t>
-            </a:r>
-            <a:r>
-              <a:rPr lang="en-US" dirty="0" smtClean="0">
-                <a:latin typeface="Comic Sans MS"/>
-                <a:cs typeface="Comic Sans MS"/>
-              </a:rPr>
-              <a:t> </a:t>
-            </a:r>
-            <a:r>
-              <a:rPr lang="en-US" dirty="0" err="1" smtClean="0">
-                <a:latin typeface="Comic Sans MS"/>
-                <a:cs typeface="Comic Sans MS"/>
-              </a:rPr>
-              <a:t>kok</a:t>
-            </a:r>
-            <a:r>
-              <a:rPr lang="en-US" dirty="0" smtClean="0">
-                <a:latin typeface="Comic Sans MS"/>
-                <a:cs typeface="Comic Sans MS"/>
-              </a:rPr>
-              <a:t> </a:t>
-            </a:r>
-            <a:r>
-              <a:rPr lang="en-US" dirty="0" err="1" smtClean="0">
-                <a:latin typeface="Comic Sans MS"/>
-                <a:cs typeface="Comic Sans MS"/>
-              </a:rPr>
-              <a:t>vertelt</a:t>
-            </a:r>
-            <a:r>
-              <a:rPr lang="en-US" dirty="0" smtClean="0">
-                <a:latin typeface="Comic Sans MS"/>
-                <a:cs typeface="Comic Sans MS"/>
-              </a:rPr>
-              <a:t> hoe </a:t>
-            </a:r>
-            <a:r>
-              <a:rPr lang="en-US" dirty="0" err="1" smtClean="0">
-                <a:latin typeface="Comic Sans MS"/>
-                <a:cs typeface="Comic Sans MS"/>
-              </a:rPr>
-              <a:t>hij</a:t>
-            </a:r>
-            <a:r>
-              <a:rPr lang="en-US" dirty="0" smtClean="0">
-                <a:latin typeface="Comic Sans MS"/>
-                <a:cs typeface="Comic Sans MS"/>
-              </a:rPr>
-              <a:t> </a:t>
-            </a:r>
-            <a:r>
-              <a:rPr lang="en-US" dirty="0" err="1" smtClean="0">
-                <a:latin typeface="Comic Sans MS"/>
-                <a:cs typeface="Comic Sans MS"/>
-              </a:rPr>
-              <a:t>een</a:t>
-            </a:r>
-            <a:r>
-              <a:rPr lang="en-US" dirty="0" smtClean="0">
-                <a:latin typeface="Comic Sans MS"/>
-                <a:cs typeface="Comic Sans MS"/>
-              </a:rPr>
-              <a:t> </a:t>
-            </a:r>
-            <a:r>
-              <a:rPr lang="en-US" dirty="0" err="1" smtClean="0">
-                <a:latin typeface="Comic Sans MS"/>
-                <a:cs typeface="Comic Sans MS"/>
-              </a:rPr>
-              <a:t>gerecht</a:t>
-            </a:r>
-            <a:r>
-              <a:rPr lang="en-US" dirty="0" smtClean="0">
-                <a:latin typeface="Comic Sans MS"/>
-                <a:cs typeface="Comic Sans MS"/>
-              </a:rPr>
-              <a:t> </a:t>
-            </a:r>
-            <a:r>
-              <a:rPr lang="en-US" dirty="0" err="1" smtClean="0">
-                <a:latin typeface="Comic Sans MS"/>
-                <a:cs typeface="Comic Sans MS"/>
-              </a:rPr>
-              <a:t>klaar</a:t>
-            </a:r>
-            <a:r>
-              <a:rPr lang="en-US" dirty="0" smtClean="0">
-                <a:latin typeface="Comic Sans MS"/>
-                <a:cs typeface="Comic Sans MS"/>
-              </a:rPr>
-              <a:t> </a:t>
-            </a:r>
-            <a:r>
-              <a:rPr lang="en-US" dirty="0" err="1" smtClean="0">
-                <a:latin typeface="Comic Sans MS"/>
-                <a:cs typeface="Comic Sans MS"/>
-              </a:rPr>
-              <a:t>moet</a:t>
-            </a:r>
-            <a:r>
-              <a:rPr lang="en-US" dirty="0" smtClean="0">
-                <a:latin typeface="Comic Sans MS"/>
-                <a:cs typeface="Comic Sans MS"/>
-              </a:rPr>
-              <a:t> </a:t>
-            </a:r>
-            <a:r>
-              <a:rPr lang="en-US" dirty="0" err="1" smtClean="0">
-                <a:latin typeface="Comic Sans MS"/>
-                <a:cs typeface="Comic Sans MS"/>
-              </a:rPr>
-              <a:t>maken</a:t>
-            </a:r>
-            <a:r>
-              <a:rPr lang="en-US" dirty="0" smtClean="0">
-                <a:latin typeface="Comic Sans MS"/>
-                <a:cs typeface="Comic Sans MS"/>
-              </a:rPr>
-              <a:t>.</a:t>
-            </a:r>
-            <a:endParaRPr lang="en-US" dirty="0">
-              <a:latin typeface="Comic Sans MS"/>
-              <a:cs typeface="Comic Sans MS"/>
-            </a:endParaRPr>
           </a:p>
           <a:p>
             <a:endParaRPr lang="en-US" dirty="0"/>
@@ -12688,7 +12406,7 @@
           <a:noFill/>
           <a:extLst>
             <a:ext uri="{909E8E84-426E-40dd-AFC4-6F175D3DCCD1}">
-              <a14:hiddenFill xmlns:a14="http://schemas.microsoft.com/office/drawing/2010/main">
+              <a14:hiddenFill xmlns:a14="http://schemas.microsoft.com/office/drawing/2010/main" xmlns="">
                 <a:solidFill>
                   <a:srgbClr val="FFFFFF"/>
                 </a:solidFill>
@@ -12707,13 +12425,6 @@
   <p:clrMapOvr>
     <a:masterClrMapping/>
   </p:clrMapOvr>
-  <p:timing>
-    <p:tnLst>
-      <p:par>
-        <p:cTn xmlns:p14="http://schemas.microsoft.com/office/powerpoint/2010/main" id="1" dur="indefinite" restart="never" nodeType="tmRoot"/>
-      </p:par>
-    </p:tnLst>
-  </p:timing>
 </p:sld>
 </file>
 
@@ -12750,11 +12461,11 @@
           <a:lstStyle/>
           <a:p>
             <a:r>
-              <a:rPr lang="en-US" dirty="0" smtClean="0"/>
+              <a:rPr lang="en-US" dirty="0"/>
               <a:t>Het </a:t>
             </a:r>
             <a:r>
-              <a:rPr lang="en-US" dirty="0" err="1" smtClean="0"/>
+              <a:rPr lang="en-US" dirty="0" err="1"/>
               <a:t>programma</a:t>
             </a:r>
             <a:endParaRPr lang="en-US" dirty="0"/>
@@ -12903,7 +12614,7 @@
           <a:lstStyle/>
           <a:p>
             <a:r>
-              <a:rPr lang="nl-NL" sz="4800" dirty="0" smtClean="0">
+              <a:rPr lang="nl-NL" sz="4800" dirty="0">
                 <a:solidFill>
                   <a:schemeClr val="accent6"/>
                 </a:solidFill>
@@ -12912,13 +12623,6 @@
               </a:rPr>
               <a:t>Speelveld</a:t>
             </a:r>
-            <a:endParaRPr lang="nl-NL" sz="4800" dirty="0">
-              <a:solidFill>
-                <a:schemeClr val="accent6"/>
-              </a:solidFill>
-              <a:latin typeface="Comic Sans MS"/>
-              <a:cs typeface="Comic Sans MS"/>
-            </a:endParaRPr>
           </a:p>
         </p:txBody>
       </p:sp>
@@ -12989,7 +12693,7 @@
           <a:lstStyle/>
           <a:p>
             <a:r>
-              <a:rPr lang="nl-NL" sz="4800" dirty="0" err="1" smtClean="0">
+              <a:rPr lang="nl-NL" sz="4800" dirty="0" err="1">
                 <a:solidFill>
                   <a:schemeClr val="accent6"/>
                 </a:solidFill>
@@ -13031,7 +12735,7 @@
           <a:lstStyle/>
           <a:p>
             <a:r>
-              <a:rPr lang="nl-NL" sz="4800" dirty="0" smtClean="0">
+              <a:rPr lang="nl-NL" sz="4800" dirty="0">
                 <a:solidFill>
                   <a:schemeClr val="accent6"/>
                 </a:solidFill>
@@ -13040,13 +12744,6 @@
               </a:rPr>
               <a:t>Bouwstenen</a:t>
             </a:r>
-            <a:endParaRPr lang="nl-NL" sz="4800" dirty="0">
-              <a:solidFill>
-                <a:schemeClr val="accent6"/>
-              </a:solidFill>
-              <a:latin typeface="Comic Sans MS"/>
-              <a:cs typeface="Comic Sans MS"/>
-            </a:endParaRPr>
           </a:p>
         </p:txBody>
       </p:sp>
@@ -13161,7 +12858,7 @@
           <a:lstStyle/>
           <a:p>
             <a:r>
-              <a:rPr lang="nl-NL" sz="4800" dirty="0" smtClean="0">
+              <a:rPr lang="nl-NL" sz="4800" dirty="0">
                 <a:solidFill>
                   <a:schemeClr val="accent6"/>
                 </a:solidFill>
@@ -13170,13 +12867,6 @@
               </a:rPr>
               <a:t>Programma</a:t>
             </a:r>
-            <a:endParaRPr lang="nl-NL" sz="4800" dirty="0">
-              <a:solidFill>
-                <a:schemeClr val="accent6"/>
-              </a:solidFill>
-              <a:latin typeface="Comic Sans MS"/>
-              <a:cs typeface="Comic Sans MS"/>
-            </a:endParaRPr>
           </a:p>
         </p:txBody>
       </p:sp>
@@ -13193,7 +12883,7 @@
   <p:timing>
     <p:tnLst>
       <p:par>
-        <p:cTn xmlns:p14="http://schemas.microsoft.com/office/powerpoint/2010/main" id="1" dur="indefinite" restart="never" nodeType="tmRoot">
+        <p:cTn id="1" dur="indefinite" restart="never" nodeType="tmRoot">
           <p:childTnLst>
             <p:seq concurrent="1" nextAc="seek">
               <p:cTn id="2" dur="indefinite" nodeType="mainSeq">
@@ -14210,14 +13900,14 @@
           <a:lstStyle/>
           <a:p>
             <a:r>
-              <a:rPr lang="en-US" sz="3600" dirty="0" smtClean="0">
+              <a:rPr lang="en-US" sz="3600" dirty="0">
                 <a:latin typeface="Comic Sans MS"/>
                 <a:cs typeface="Comic Sans MS"/>
               </a:rPr>
               <a:t>Sprites</a:t>
             </a:r>
             <a:br>
-              <a:rPr lang="en-US" sz="3600" dirty="0" smtClean="0">
+              <a:rPr lang="en-US" sz="3600" dirty="0">
                 <a:latin typeface="Comic Sans MS"/>
                 <a:cs typeface="Comic Sans MS"/>
               </a:rPr>
@@ -14250,21 +13940,14 @@
           <a:lstStyle/>
           <a:p>
             <a:r>
-              <a:rPr lang="en-US" dirty="0" smtClean="0">
-                <a:latin typeface="Comic Sans MS"/>
-                <a:cs typeface="Comic Sans MS"/>
-              </a:rPr>
-              <a:t>Op </a:t>
-            </a:r>
-            <a:r>
-              <a:rPr lang="en-US" dirty="0" smtClean="0">
-                <a:latin typeface="Comic Sans MS"/>
-                <a:cs typeface="Comic Sans MS"/>
-              </a:rPr>
-              <a:t>het </a:t>
-            </a:r>
-            <a:r>
-              <a:rPr lang="en-US" dirty="0" err="1" smtClean="0">
+              <a:rPr lang="en-US" dirty="0">
+                <a:latin typeface="Comic Sans MS"/>
+                <a:cs typeface="Comic Sans MS"/>
+              </a:rPr>
+              <a:t>Op het </a:t>
+            </a:r>
+            <a:r>
+              <a:rPr lang="en-US" dirty="0" err="1">
                 <a:solidFill>
                   <a:srgbClr val="F79646"/>
                 </a:solidFill>
@@ -14274,7 +13957,7 @@
               <a:t>speelveld</a:t>
             </a:r>
             <a:r>
-              <a:rPr lang="en-US" dirty="0" smtClean="0">
+              <a:rPr lang="en-US" dirty="0">
                 <a:solidFill>
                   <a:srgbClr val="F79646"/>
                 </a:solidFill>
@@ -14284,42 +13967,35 @@
               <a:t> </a:t>
             </a:r>
             <a:r>
-              <a:rPr lang="en-US" dirty="0" err="1" smtClean="0">
+              <a:rPr lang="en-US" dirty="0" err="1">
                 <a:latin typeface="Comic Sans MS"/>
                 <a:cs typeface="Comic Sans MS"/>
               </a:rPr>
               <a:t>kunnen</a:t>
             </a:r>
             <a:r>
-              <a:rPr lang="en-US" dirty="0" smtClean="0">
-                <a:latin typeface="Comic Sans MS"/>
-                <a:cs typeface="Comic Sans MS"/>
-              </a:rPr>
-              <a:t> </a:t>
-            </a:r>
-            <a:r>
-              <a:rPr lang="en-US" dirty="0" smtClean="0">
-                <a:latin typeface="Comic Sans MS"/>
-                <a:cs typeface="Comic Sans MS"/>
-              </a:rPr>
-              <a:t>we </a:t>
-            </a:r>
-            <a:r>
-              <a:rPr lang="en-US" dirty="0" err="1" smtClean="0">
+              <a:rPr lang="en-US" dirty="0">
+                <a:latin typeface="Comic Sans MS"/>
+                <a:cs typeface="Comic Sans MS"/>
+              </a:rPr>
+              <a:t> we </a:t>
+            </a:r>
+            <a:r>
+              <a:rPr lang="en-US" dirty="0" err="1">
                 <a:latin typeface="Comic Sans MS"/>
                 <a:cs typeface="Comic Sans MS"/>
               </a:rPr>
               <a:t>dingen</a:t>
             </a:r>
             <a:r>
-              <a:rPr lang="en-US" dirty="0" smtClean="0">
+              <a:rPr lang="en-US" dirty="0">
                 <a:latin typeface="Comic Sans MS"/>
                 <a:cs typeface="Comic Sans MS"/>
               </a:rPr>
               <a:t>, </a:t>
             </a:r>
             <a:r>
-              <a:rPr lang="en-US" dirty="0" smtClean="0">
+              <a:rPr lang="en-US" dirty="0">
                 <a:solidFill>
                   <a:srgbClr val="F79646"/>
                 </a:solidFill>
@@ -14336,28 +14012,28 @@
               <a:t> </a:t>
             </a:r>
             <a:r>
-              <a:rPr lang="en-US" dirty="0" err="1" smtClean="0">
+              <a:rPr lang="en-US" dirty="0" err="1">
                 <a:latin typeface="Comic Sans MS"/>
                 <a:cs typeface="Comic Sans MS"/>
               </a:rPr>
               <a:t>genaamd</a:t>
             </a:r>
             <a:r>
-              <a:rPr lang="en-US" dirty="0" smtClean="0">
+              <a:rPr lang="en-US" dirty="0">
                 <a:latin typeface="Comic Sans MS"/>
                 <a:cs typeface="Comic Sans MS"/>
               </a:rPr>
               <a:t>, </a:t>
             </a:r>
             <a:r>
-              <a:rPr lang="en-US" dirty="0" err="1" smtClean="0">
+              <a:rPr lang="en-US" dirty="0" err="1">
                 <a:latin typeface="Comic Sans MS"/>
                 <a:cs typeface="Comic Sans MS"/>
               </a:rPr>
               <a:t>plaatsen</a:t>
             </a:r>
             <a:r>
-              <a:rPr lang="en-US" dirty="0" smtClean="0">
+              <a:rPr lang="en-US" dirty="0">
                 <a:latin typeface="Comic Sans MS"/>
                 <a:cs typeface="Comic Sans MS"/>
               </a:rPr>
@@ -14366,65 +14042,47 @@
           </a:p>
           <a:p>
             <a:r>
-              <a:rPr lang="en-US" dirty="0" err="1" smtClean="0">
+              <a:rPr lang="en-US" dirty="0" err="1">
                 <a:latin typeface="Comic Sans MS"/>
                 <a:cs typeface="Comic Sans MS"/>
               </a:rPr>
               <a:t>Hier</a:t>
             </a:r>
             <a:r>
-              <a:rPr lang="en-US" dirty="0" smtClean="0">
+              <a:rPr lang="en-US" dirty="0">
                 <a:latin typeface="Comic Sans MS"/>
                 <a:cs typeface="Comic Sans MS"/>
               </a:rPr>
               <a:t> </a:t>
             </a:r>
             <a:r>
-              <a:rPr lang="en-US" dirty="0" err="1" smtClean="0">
+              <a:rPr lang="en-US" dirty="0" err="1">
                 <a:latin typeface="Comic Sans MS"/>
                 <a:cs typeface="Comic Sans MS"/>
               </a:rPr>
               <a:t>zie</a:t>
             </a:r>
             <a:r>
-              <a:rPr lang="en-US" dirty="0" smtClean="0">
+              <a:rPr lang="en-US" dirty="0">
                 <a:latin typeface="Comic Sans MS"/>
                 <a:cs typeface="Comic Sans MS"/>
               </a:rPr>
               <a:t> je </a:t>
             </a:r>
             <a:r>
-              <a:rPr lang="en-US" dirty="0" err="1" smtClean="0">
+              <a:rPr lang="en-US" dirty="0" err="1">
                 <a:latin typeface="Comic Sans MS"/>
                 <a:cs typeface="Comic Sans MS"/>
               </a:rPr>
               <a:t>voorbeelden</a:t>
             </a:r>
             <a:r>
-              <a:rPr lang="en-US" dirty="0" smtClean="0">
-                <a:latin typeface="Comic Sans MS"/>
-                <a:cs typeface="Comic Sans MS"/>
-              </a:rPr>
-              <a:t> </a:t>
-            </a:r>
-            <a:r>
-              <a:rPr lang="en-US" dirty="0" smtClean="0">
-                <a:latin typeface="Comic Sans MS"/>
-                <a:cs typeface="Comic Sans MS"/>
-              </a:rPr>
-              <a:t>van </a:t>
-            </a:r>
-            <a:r>
-              <a:rPr lang="en-US" dirty="0" smtClean="0">
-                <a:latin typeface="Comic Sans MS"/>
-                <a:cs typeface="Comic Sans MS"/>
-              </a:rPr>
-              <a:t>sprites.</a:t>
-            </a:r>
-            <a:endParaRPr lang="en-US" dirty="0">
-              <a:latin typeface="Comic Sans MS"/>
-              <a:cs typeface="Comic Sans MS"/>
-            </a:endParaRPr>
+              <a:rPr lang="en-US" dirty="0">
+                <a:latin typeface="Comic Sans MS"/>
+                <a:cs typeface="Comic Sans MS"/>
+              </a:rPr>
+              <a:t> van sprites.</a:t>
+            </a:r>
           </a:p>
         </p:txBody>
       </p:sp>
@@ -14505,7 +14163,7 @@
           <a:noFill/>
           <a:extLst>
             <a:ext uri="{909E8E84-426E-40dd-AFC4-6F175D3DCCD1}">
-              <a14:hiddenFill xmlns:a14="http://schemas.microsoft.com/office/drawing/2010/main">
+              <a14:hiddenFill xmlns:a14="http://schemas.microsoft.com/office/drawing/2010/main" xmlns="">
                 <a:solidFill>
                   <a:srgbClr val="FFFFFF"/>
                 </a:solidFill>
@@ -14584,13 +14242,6 @@
   <p:clrMapOvr>
     <a:masterClrMapping/>
   </p:clrMapOvr>
-  <p:timing>
-    <p:tnLst>
-      <p:par>
-        <p:cTn xmlns:p14="http://schemas.microsoft.com/office/powerpoint/2010/main" id="1" dur="indefinite" restart="never" nodeType="tmRoot"/>
-      </p:par>
-    </p:tnLst>
-  </p:timing>
 </p:sld>
 </file>
 
@@ -14627,7 +14278,7 @@
           <a:lstStyle/>
           <a:p>
             <a:r>
-              <a:rPr lang="en-US" dirty="0" err="1" smtClean="0">
+              <a:rPr lang="en-US" dirty="0" err="1">
                 <a:latin typeface="Comic Sans MS"/>
                 <a:cs typeface="Comic Sans MS"/>
               </a:rPr>
@@ -14661,14 +14312,14 @@
           <a:lstStyle/>
           <a:p>
             <a:r>
-              <a:rPr lang="en-US" sz="2800" dirty="0" smtClean="0">
+              <a:rPr lang="en-US" sz="2800" dirty="0">
                 <a:latin typeface="Comic Sans MS"/>
                 <a:cs typeface="Comic Sans MS"/>
               </a:rPr>
               <a:t>Het </a:t>
             </a:r>
             <a:r>
-              <a:rPr lang="en-US" sz="2800" dirty="0" err="1" smtClean="0">
+              <a:rPr lang="en-US" sz="2800" dirty="0" err="1">
                 <a:solidFill>
                   <a:srgbClr val="F79646"/>
                 </a:solidFill>
@@ -14678,91 +14329,84 @@
               <a:t>speelveld</a:t>
             </a:r>
             <a:r>
-              <a:rPr lang="en-US" sz="2800" dirty="0" smtClean="0">
+              <a:rPr lang="en-US" sz="2800" dirty="0">
+                <a:latin typeface="Comic Sans MS"/>
+                <a:cs typeface="Comic Sans MS"/>
+              </a:rPr>
+              <a:t> is </a:t>
+            </a:r>
+            <a:r>
+              <a:rPr lang="en-US" sz="2800" dirty="0" err="1">
+                <a:latin typeface="Comic Sans MS"/>
+                <a:cs typeface="Comic Sans MS"/>
+              </a:rPr>
+              <a:t>waar</a:t>
+            </a:r>
+            <a:r>
+              <a:rPr lang="en-US" sz="2800" dirty="0">
+                <a:latin typeface="Comic Sans MS"/>
+                <a:cs typeface="Comic Sans MS"/>
+              </a:rPr>
+              <a:t> je </a:t>
+            </a:r>
+            <a:r>
+              <a:rPr lang="en-US" sz="2800" dirty="0" err="1">
+                <a:latin typeface="Comic Sans MS"/>
+                <a:cs typeface="Comic Sans MS"/>
+              </a:rPr>
+              <a:t>verhalen</a:t>
+            </a:r>
+            <a:r>
+              <a:rPr lang="en-US" sz="2800" dirty="0">
+                <a:latin typeface="Comic Sans MS"/>
+                <a:cs typeface="Comic Sans MS"/>
+              </a:rPr>
+              <a:t>, games en </a:t>
+            </a:r>
+            <a:r>
+              <a:rPr lang="en-US" sz="2800" dirty="0" err="1">
+                <a:latin typeface="Comic Sans MS"/>
+                <a:cs typeface="Comic Sans MS"/>
+              </a:rPr>
+              <a:t>animaties</a:t>
+            </a:r>
+            <a:r>
+              <a:rPr lang="en-US" sz="2800" dirty="0">
+                <a:latin typeface="Comic Sans MS"/>
+                <a:cs typeface="Comic Sans MS"/>
+              </a:rPr>
+              <a:t> tot </a:t>
+            </a:r>
+            <a:r>
+              <a:rPr lang="en-US" sz="2800" dirty="0" err="1">
+                <a:latin typeface="Comic Sans MS"/>
+                <a:cs typeface="Comic Sans MS"/>
+              </a:rPr>
+              <a:t>leven</a:t>
+            </a:r>
+            <a:r>
+              <a:rPr lang="en-US" sz="2800" dirty="0">
                 <a:latin typeface="Comic Sans MS"/>
                 <a:cs typeface="Comic Sans MS"/>
               </a:rPr>
               <a:t> </a:t>
             </a:r>
             <a:r>
+              <a:rPr lang="en-US" sz="2800" dirty="0" err="1">
+                <a:latin typeface="Comic Sans MS"/>
+                <a:cs typeface="Comic Sans MS"/>
+              </a:rPr>
+              <a:t>komen</a:t>
+            </a:r>
+            <a:r>
               <a:rPr lang="en-US" sz="2800" dirty="0">
                 <a:latin typeface="Comic Sans MS"/>
                 <a:cs typeface="Comic Sans MS"/>
               </a:rPr>
-              <a:t>is </a:t>
-            </a:r>
-            <a:r>
-              <a:rPr lang="en-US" sz="2800" dirty="0" err="1" smtClean="0">
-                <a:latin typeface="Comic Sans MS"/>
-                <a:cs typeface="Comic Sans MS"/>
-              </a:rPr>
-              <a:t>waar</a:t>
-            </a:r>
-            <a:r>
-              <a:rPr lang="en-US" sz="2800" dirty="0" smtClean="0">
-                <a:latin typeface="Comic Sans MS"/>
-                <a:cs typeface="Comic Sans MS"/>
-              </a:rPr>
-              <a:t> je </a:t>
-            </a:r>
-            <a:r>
-              <a:rPr lang="en-US" sz="2800" dirty="0" err="1" smtClean="0">
-                <a:latin typeface="Comic Sans MS"/>
-                <a:cs typeface="Comic Sans MS"/>
-              </a:rPr>
-              <a:t>verhalen</a:t>
-            </a:r>
-            <a:r>
-              <a:rPr lang="en-US" sz="2800" dirty="0" smtClean="0">
-                <a:latin typeface="Comic Sans MS"/>
-                <a:cs typeface="Comic Sans MS"/>
-              </a:rPr>
-              <a:t>, games en </a:t>
-            </a:r>
-            <a:r>
-              <a:rPr lang="en-US" sz="2800" dirty="0" err="1" smtClean="0">
-                <a:latin typeface="Comic Sans MS"/>
-                <a:cs typeface="Comic Sans MS"/>
-              </a:rPr>
-              <a:t>animaties</a:t>
-            </a:r>
-            <a:r>
-              <a:rPr lang="en-US" sz="2800" dirty="0" smtClean="0">
-                <a:latin typeface="Comic Sans MS"/>
-                <a:cs typeface="Comic Sans MS"/>
-              </a:rPr>
-              <a:t> tot </a:t>
-            </a:r>
-            <a:r>
-              <a:rPr lang="en-US" sz="2800" dirty="0" err="1" smtClean="0">
-                <a:latin typeface="Comic Sans MS"/>
-                <a:cs typeface="Comic Sans MS"/>
-              </a:rPr>
-              <a:t>leven</a:t>
-            </a:r>
-            <a:r>
-              <a:rPr lang="en-US" sz="2800" dirty="0" smtClean="0">
-                <a:latin typeface="Comic Sans MS"/>
-                <a:cs typeface="Comic Sans MS"/>
-              </a:rPr>
-              <a:t> </a:t>
-            </a:r>
-            <a:r>
-              <a:rPr lang="en-US" sz="2800" dirty="0" err="1" smtClean="0">
-                <a:latin typeface="Comic Sans MS"/>
-                <a:cs typeface="Comic Sans MS"/>
-              </a:rPr>
-              <a:t>komen</a:t>
-            </a:r>
-            <a:r>
-              <a:rPr lang="en-US" sz="2800" dirty="0" smtClean="0">
-                <a:latin typeface="Comic Sans MS"/>
-                <a:cs typeface="Comic Sans MS"/>
-              </a:rPr>
               <a:t>.</a:t>
             </a:r>
             <a:br>
-              <a:rPr lang="en-US" sz="2800" dirty="0" smtClean="0">
+              <a:rPr lang="en-US" sz="2800" dirty="0">
                 <a:latin typeface="Comic Sans MS"/>
                 <a:cs typeface="Comic Sans MS"/>
               </a:rPr>
@@ -14791,14 +14435,14 @@
               <a:t> </a:t>
             </a:r>
             <a:r>
-              <a:rPr lang="en-US" dirty="0" err="1" smtClean="0">
+              <a:rPr lang="en-US" dirty="0" err="1">
                 <a:latin typeface="Comic Sans MS"/>
                 <a:cs typeface="Comic Sans MS"/>
               </a:rPr>
               <a:t>kunnen</a:t>
             </a:r>
             <a:r>
-              <a:rPr lang="en-US" dirty="0" smtClean="0">
+              <a:rPr lang="en-US" dirty="0">
                 <a:latin typeface="Comic Sans MS"/>
                 <a:cs typeface="Comic Sans MS"/>
               </a:rPr>
@@ -14808,42 +14452,38 @@
           <a:p>
             <a:pPr lvl="1"/>
             <a:r>
-              <a:rPr lang="en-US" dirty="0" err="1" smtClean="0">
+              <a:rPr lang="en-US" dirty="0" err="1">
                 <a:latin typeface="Comic Sans MS"/>
                 <a:cs typeface="Comic Sans MS"/>
               </a:rPr>
               <a:t>bewegen</a:t>
             </a:r>
-            <a:endParaRPr lang="en-US" dirty="0" err="1">
-              <a:latin typeface="Comic Sans MS"/>
-              <a:cs typeface="Comic Sans MS"/>
-            </a:endParaRPr>
           </a:p>
           <a:p>
             <a:pPr lvl="1"/>
             <a:r>
-              <a:rPr lang="en-US" dirty="0" err="1" smtClean="0">
+              <a:rPr lang="en-US" dirty="0" err="1">
                 <a:latin typeface="Comic Sans MS"/>
                 <a:cs typeface="Comic Sans MS"/>
               </a:rPr>
               <a:t>praten</a:t>
             </a:r>
             <a:r>
-              <a:rPr lang="en-US" dirty="0" smtClean="0">
+              <a:rPr lang="en-US" dirty="0">
                 <a:latin typeface="Comic Sans MS"/>
                 <a:cs typeface="Comic Sans MS"/>
               </a:rPr>
               <a:t> met </a:t>
             </a:r>
             <a:r>
-              <a:rPr lang="en-US" dirty="0" err="1" smtClean="0">
+              <a:rPr lang="en-US" dirty="0" err="1">
                 <a:latin typeface="Comic Sans MS"/>
                 <a:cs typeface="Comic Sans MS"/>
               </a:rPr>
               <a:t>elkaar</a:t>
             </a:r>
             <a:r>
-              <a:rPr lang="en-US" dirty="0" smtClean="0">
+              <a:rPr lang="en-US" dirty="0">
                 <a:latin typeface="Comic Sans MS"/>
                 <a:cs typeface="Comic Sans MS"/>
               </a:rPr>
@@ -14853,37 +14493,33 @@
           <a:p>
             <a:pPr lvl="1"/>
             <a:r>
-              <a:rPr lang="en-US" dirty="0" err="1" smtClean="0">
+              <a:rPr lang="en-US" dirty="0" err="1">
                 <a:latin typeface="Comic Sans MS"/>
                 <a:cs typeface="Comic Sans MS"/>
               </a:rPr>
               <a:t>reageren</a:t>
             </a:r>
             <a:r>
-              <a:rPr lang="en-US" dirty="0" smtClean="0">
+              <a:rPr lang="en-US" dirty="0">
                 <a:latin typeface="Comic Sans MS"/>
                 <a:cs typeface="Comic Sans MS"/>
               </a:rPr>
               <a:t> </a:t>
             </a:r>
             <a:r>
-              <a:rPr lang="en-US" dirty="0" err="1" smtClean="0">
+              <a:rPr lang="en-US" dirty="0" err="1">
                 <a:latin typeface="Comic Sans MS"/>
                 <a:cs typeface="Comic Sans MS"/>
               </a:rPr>
               <a:t>elkaar</a:t>
             </a:r>
             <a:r>
-              <a:rPr lang="en-US" dirty="0" smtClean="0">
+              <a:rPr lang="en-US" dirty="0">
                 <a:latin typeface="Comic Sans MS"/>
                 <a:cs typeface="Comic Sans MS"/>
               </a:rPr>
               <a:t> op.</a:t>
             </a:r>
-            <a:endParaRPr lang="en-US" dirty="0">
-              <a:latin typeface="Comic Sans MS"/>
-              <a:cs typeface="Comic Sans MS"/>
-            </a:endParaRPr>
           </a:p>
         </p:txBody>
       </p:sp>
@@ -15044,13 +14680,6 @@
   <p:clrMapOvr>
     <a:masterClrMapping/>
   </p:clrMapOvr>
-  <p:timing>
-    <p:tnLst>
-      <p:par>
-        <p:cTn xmlns:p14="http://schemas.microsoft.com/office/powerpoint/2010/main" id="1" dur="indefinite" restart="never" nodeType="tmRoot"/>
-      </p:par>
-    </p:tnLst>
-  </p:timing>
 </p:sld>
 </file>
 
@@ -15117,16 +14746,12 @@
           <a:lstStyle/>
           <a:p>
             <a:r>
-              <a:rPr lang="en-US" dirty="0" smtClean="0">
+              <a:rPr lang="en-US" dirty="0">
                 <a:latin typeface="Comic Sans MS"/>
                 <a:cs typeface="Comic Sans MS"/>
               </a:rPr>
               <a:t>Sprites</a:t>
             </a:r>
-            <a:endParaRPr lang="en-US" dirty="0">
-              <a:latin typeface="Comic Sans MS"/>
-              <a:cs typeface="Comic Sans MS"/>
-            </a:endParaRPr>
           </a:p>
         </p:txBody>
       </p:sp>
@@ -15151,35 +14776,35 @@
           <a:lstStyle/>
           <a:p>
             <a:r>
-              <a:rPr lang="en-US" dirty="0" smtClean="0">
+              <a:rPr lang="en-US" dirty="0">
                 <a:latin typeface="Comic Sans MS"/>
                 <a:cs typeface="Comic Sans MS"/>
               </a:rPr>
               <a:t>Je </a:t>
             </a:r>
             <a:r>
-              <a:rPr lang="en-US" dirty="0" err="1" smtClean="0">
+              <a:rPr lang="en-US" dirty="0" err="1">
                 <a:latin typeface="Comic Sans MS"/>
                 <a:cs typeface="Comic Sans MS"/>
               </a:rPr>
               <a:t>kan</a:t>
             </a:r>
             <a:r>
-              <a:rPr lang="en-US" dirty="0" smtClean="0">
+              <a:rPr lang="en-US" dirty="0">
                 <a:latin typeface="Comic Sans MS"/>
                 <a:cs typeface="Comic Sans MS"/>
               </a:rPr>
               <a:t> </a:t>
             </a:r>
             <a:r>
-              <a:rPr lang="en-US" dirty="0" err="1" smtClean="0">
+              <a:rPr lang="en-US" dirty="0" err="1">
                 <a:latin typeface="Comic Sans MS"/>
                 <a:cs typeface="Comic Sans MS"/>
               </a:rPr>
               <a:t>zelf</a:t>
             </a:r>
             <a:r>
-              <a:rPr lang="en-US" dirty="0" smtClean="0">
+              <a:rPr lang="en-US" dirty="0">
                 <a:latin typeface="Comic Sans MS"/>
                 <a:cs typeface="Comic Sans MS"/>
               </a:rPr>
@@ -15193,37 +14818,45 @@
                 <a:latin typeface="Comic Sans MS"/>
                 <a:cs typeface="Comic Sans MS"/>
               </a:rPr>
-              <a:t>n</a:t>
-            </a:r>
-            <a:r>
-              <a:rPr lang="en-US" dirty="0" err="1" smtClean="0">
+              <a:t>nieuwe</a:t>
+            </a:r>
+            <a:r>
+              <a:rPr lang="en-US" dirty="0">
                 <a:solidFill>
                   <a:srgbClr val="F79646"/>
                 </a:solidFill>
                 <a:latin typeface="Comic Sans MS"/>
                 <a:cs typeface="Comic Sans MS"/>
               </a:rPr>
-              <a:t>ieuwe</a:t>
-            </a:r>
-            <a:r>
-              <a:rPr lang="en-US" dirty="0" smtClean="0">
-                <a:solidFill>
-                  <a:srgbClr val="F79646"/>
-                </a:solidFill>
+              <a:t> sprites</a:t>
+            </a:r>
+            <a:r>
+              <a:rPr lang="en-US" dirty="0">
                 <a:latin typeface="Comic Sans MS"/>
                 <a:cs typeface="Comic Sans MS"/>
               </a:rPr>
               <a:t> </a:t>
             </a:r>
             <a:r>
-              <a:rPr lang="en-US" dirty="0">
-                <a:solidFill>
-                  <a:srgbClr val="F79646"/>
-                </a:solidFill>
-                <a:latin typeface="Comic Sans MS"/>
-                <a:cs typeface="Comic Sans MS"/>
-              </a:rPr>
-              <a:t>sprites</a:t>
+              <a:rPr lang="en-US" dirty="0" err="1">
+                <a:latin typeface="Comic Sans MS"/>
+                <a:cs typeface="Comic Sans MS"/>
+              </a:rPr>
+              <a:t>maken</a:t>
+            </a:r>
+            <a:r>
+              <a:rPr lang="en-US" dirty="0">
+                <a:latin typeface="Comic Sans MS"/>
+                <a:cs typeface="Comic Sans MS"/>
+              </a:rPr>
+              <a:t> of </a:t>
+            </a:r>
+            <a:r>
+              <a:rPr lang="en-US" dirty="0" err="1">
+                <a:latin typeface="Comic Sans MS"/>
+                <a:cs typeface="Comic Sans MS"/>
+              </a:rPr>
+              <a:t>er</a:t>
             </a:r>
             <a:r>
               <a:rPr lang="en-US" dirty="0">
@@ -15233,84 +14866,56 @@
               <a:t> </a:t>
             </a:r>
             <a:r>
-              <a:rPr lang="en-US" dirty="0" err="1" smtClean="0">
-                <a:latin typeface="Comic Sans MS"/>
-                <a:cs typeface="Comic Sans MS"/>
-              </a:rPr>
-              <a:t>maken</a:t>
-            </a:r>
-            <a:r>
-              <a:rPr lang="en-US" dirty="0" smtClean="0">
-                <a:latin typeface="Comic Sans MS"/>
-                <a:cs typeface="Comic Sans MS"/>
-              </a:rPr>
-              <a:t> of </a:t>
-            </a:r>
-            <a:r>
-              <a:rPr lang="en-US" dirty="0" err="1" smtClean="0">
-                <a:latin typeface="Comic Sans MS"/>
-                <a:cs typeface="Comic Sans MS"/>
-              </a:rPr>
-              <a:t>er</a:t>
-            </a:r>
-            <a:r>
-              <a:rPr lang="en-US" dirty="0" smtClean="0">
+              <a:rPr lang="en-US" dirty="0" err="1">
+                <a:latin typeface="Comic Sans MS"/>
+                <a:cs typeface="Comic Sans MS"/>
+              </a:rPr>
+              <a:t>een</a:t>
+            </a:r>
+            <a:r>
+              <a:rPr lang="en-US" dirty="0">
                 <a:latin typeface="Comic Sans MS"/>
                 <a:cs typeface="Comic Sans MS"/>
               </a:rPr>
               <a:t> </a:t>
             </a:r>
             <a:r>
-              <a:rPr lang="en-US" dirty="0" err="1" smtClean="0">
-                <a:latin typeface="Comic Sans MS"/>
-                <a:cs typeface="Comic Sans MS"/>
-              </a:rPr>
-              <a:t>een</a:t>
-            </a:r>
-            <a:r>
-              <a:rPr lang="en-US" dirty="0" smtClean="0">
+              <a:rPr lang="en-US" dirty="0" err="1">
+                <a:latin typeface="Comic Sans MS"/>
+                <a:cs typeface="Comic Sans MS"/>
+              </a:rPr>
+              <a:t>kiezen</a:t>
+            </a:r>
+            <a:r>
+              <a:rPr lang="en-US" dirty="0">
                 <a:latin typeface="Comic Sans MS"/>
                 <a:cs typeface="Comic Sans MS"/>
               </a:rPr>
               <a:t> </a:t>
             </a:r>
             <a:r>
-              <a:rPr lang="en-US" dirty="0" err="1" smtClean="0">
-                <a:latin typeface="Comic Sans MS"/>
-                <a:cs typeface="Comic Sans MS"/>
-              </a:rPr>
-              <a:t>kiezen</a:t>
-            </a:r>
-            <a:r>
-              <a:rPr lang="en-US" dirty="0" smtClean="0">
-                <a:latin typeface="Comic Sans MS"/>
-                <a:cs typeface="Comic Sans MS"/>
-              </a:rPr>
-              <a:t> </a:t>
-            </a:r>
-            <a:r>
-              <a:rPr lang="en-US" dirty="0" err="1" smtClean="0">
+              <a:rPr lang="en-US" dirty="0" err="1">
                 <a:latin typeface="Comic Sans MS"/>
                 <a:cs typeface="Comic Sans MS"/>
               </a:rPr>
               <a:t>uit</a:t>
             </a:r>
             <a:r>
-              <a:rPr lang="en-US" dirty="0" smtClean="0">
+              <a:rPr lang="en-US" dirty="0">
                 <a:latin typeface="Comic Sans MS"/>
                 <a:cs typeface="Comic Sans MS"/>
               </a:rPr>
               <a:t> de </a:t>
             </a:r>
             <a:r>
-              <a:rPr lang="en-US" dirty="0" err="1" smtClean="0">
+              <a:rPr lang="en-US" dirty="0" err="1">
                 <a:latin typeface="Comic Sans MS"/>
                 <a:cs typeface="Comic Sans MS"/>
               </a:rPr>
               <a:t>spritebibliotheek</a:t>
             </a:r>
             <a:r>
-              <a:rPr lang="en-US" dirty="0" smtClean="0">
+              <a:rPr lang="en-US" dirty="0">
                 <a:latin typeface="Comic Sans MS"/>
                 <a:cs typeface="Comic Sans MS"/>
               </a:rPr>
@@ -15515,7 +15120,7 @@
   <p:timing>
     <p:tnLst>
       <p:par>
-        <p:cTn xmlns:p14="http://schemas.microsoft.com/office/powerpoint/2010/main" id="1" dur="indefinite" restart="never" nodeType="tmRoot">
+        <p:cTn id="1" dur="indefinite" restart="never" nodeType="tmRoot">
           <p:childTnLst>
             <p:seq concurrent="1" nextAc="seek">
               <p:cTn id="2" dur="indefinite" nodeType="mainSeq">
@@ -15903,17 +15508,10 @@
                 <a:latin typeface="Comic Sans MS"/>
                 <a:cs typeface="Comic Sans MS"/>
               </a:rPr>
-              <a:t>S</a:t>
-            </a:r>
-            <a:r>
-              <a:rPr lang="en-US" dirty="0" smtClean="0">
-                <a:latin typeface="Comic Sans MS"/>
-                <a:cs typeface="Comic Sans MS"/>
-              </a:rPr>
-              <a:t>prite </a:t>
-            </a:r>
-            <a:r>
-              <a:rPr lang="en-US" dirty="0" err="1" smtClean="0">
+              <a:t>Sprite </a:t>
+            </a:r>
+            <a:r>
+              <a:rPr lang="en-US" dirty="0" err="1">
                 <a:latin typeface="Comic Sans MS"/>
                 <a:cs typeface="Comic Sans MS"/>
               </a:rPr>
@@ -15947,28 +15545,28 @@
           <a:lstStyle/>
           <a:p>
             <a:r>
-              <a:rPr lang="en-US" dirty="0" smtClean="0">
+              <a:rPr lang="en-US" dirty="0">
                 <a:latin typeface="Comic Sans MS"/>
                 <a:cs typeface="Comic Sans MS"/>
               </a:rPr>
               <a:t>Je </a:t>
             </a:r>
             <a:r>
-              <a:rPr lang="en-US" dirty="0" err="1" smtClean="0">
+              <a:rPr lang="en-US" dirty="0" err="1">
                 <a:latin typeface="Comic Sans MS"/>
                 <a:cs typeface="Comic Sans MS"/>
               </a:rPr>
               <a:t>kan</a:t>
             </a:r>
             <a:r>
-              <a:rPr lang="en-US" dirty="0" smtClean="0">
+              <a:rPr lang="en-US" dirty="0">
                 <a:latin typeface="Comic Sans MS"/>
                 <a:cs typeface="Comic Sans MS"/>
               </a:rPr>
               <a:t> de </a:t>
             </a:r>
             <a:r>
-              <a:rPr lang="en-US" dirty="0" err="1" smtClean="0">
+              <a:rPr lang="en-US" dirty="0" err="1">
                 <a:solidFill>
                   <a:srgbClr val="F79646"/>
                 </a:solidFill>
@@ -15978,14 +15576,14 @@
               <a:t>naam</a:t>
             </a:r>
             <a:r>
-              <a:rPr lang="en-US" dirty="0" smtClean="0">
+              <a:rPr lang="en-US" dirty="0">
                 <a:latin typeface="Comic Sans MS"/>
                 <a:cs typeface="Comic Sans MS"/>
               </a:rPr>
               <a:t>, </a:t>
             </a:r>
             <a:r>
-              <a:rPr lang="en-US" dirty="0" err="1" smtClean="0">
+              <a:rPr lang="en-US" dirty="0" err="1">
                 <a:solidFill>
                   <a:srgbClr val="F79646"/>
                 </a:solidFill>
@@ -15995,14 +15593,14 @@
               <a:t>plaats</a:t>
             </a:r>
             <a:r>
-              <a:rPr lang="en-US" dirty="0" smtClean="0">
+              <a:rPr lang="en-US" dirty="0">
                 <a:latin typeface="Comic Sans MS"/>
                 <a:cs typeface="Comic Sans MS"/>
               </a:rPr>
               <a:t>, </a:t>
             </a:r>
             <a:r>
-              <a:rPr lang="en-US" dirty="0" err="1" smtClean="0">
+              <a:rPr lang="en-US" dirty="0" err="1">
                 <a:solidFill>
                   <a:srgbClr val="F79646"/>
                 </a:solidFill>
@@ -16012,14 +15610,14 @@
               <a:t>draaistijl</a:t>
             </a:r>
             <a:r>
-              <a:rPr lang="en-US" dirty="0" smtClean="0">
+              <a:rPr lang="en-US" dirty="0">
                 <a:latin typeface="Comic Sans MS"/>
                 <a:cs typeface="Comic Sans MS"/>
               </a:rPr>
               <a:t>, </a:t>
             </a:r>
             <a:r>
-              <a:rPr lang="en-US" dirty="0" smtClean="0">
+              <a:rPr lang="en-US" dirty="0">
                 <a:solidFill>
                   <a:srgbClr val="F79646"/>
                 </a:solidFill>
@@ -16029,7 +15627,7 @@
               <a:t>of het </a:t>
             </a:r>
             <a:r>
-              <a:rPr lang="en-US" dirty="0" err="1" smtClean="0">
+              <a:rPr lang="en-US" dirty="0" err="1">
                 <a:solidFill>
                   <a:srgbClr val="F79646"/>
                 </a:solidFill>
@@ -16039,7 +15637,7 @@
               <a:t>sleepbaar</a:t>
             </a:r>
             <a:r>
-              <a:rPr lang="en-US" dirty="0" smtClean="0">
+              <a:rPr lang="en-US" dirty="0">
                 <a:solidFill>
                   <a:srgbClr val="F79646"/>
                 </a:solidFill>
@@ -16049,14 +15647,14 @@
               <a:t> is </a:t>
             </a:r>
             <a:r>
-              <a:rPr lang="en-US" dirty="0" smtClean="0">
+              <a:rPr lang="en-US" dirty="0">
                 <a:latin typeface="Comic Sans MS"/>
                 <a:cs typeface="Comic Sans MS"/>
               </a:rPr>
               <a:t>en </a:t>
             </a:r>
             <a:r>
-              <a:rPr lang="en-US" dirty="0" smtClean="0">
+              <a:rPr lang="en-US" dirty="0">
                 <a:solidFill>
                   <a:srgbClr val="F79646"/>
                 </a:solidFill>
@@ -16066,7 +15664,7 @@
               <a:t>of het </a:t>
             </a:r>
             <a:r>
-              <a:rPr lang="en-US" dirty="0" err="1" smtClean="0">
+              <a:rPr lang="en-US" dirty="0" err="1">
                 <a:solidFill>
                   <a:srgbClr val="F79646"/>
                 </a:solidFill>
@@ -16076,7 +15674,7 @@
               <a:t>getoond</a:t>
             </a:r>
             <a:r>
-              <a:rPr lang="en-US" dirty="0" smtClean="0">
+              <a:rPr lang="en-US" dirty="0">
                 <a:solidFill>
                   <a:srgbClr val="F79646"/>
                 </a:solidFill>
@@ -16086,7 +15684,7 @@
               <a:t> </a:t>
             </a:r>
             <a:r>
-              <a:rPr lang="en-US" dirty="0" err="1" smtClean="0">
+              <a:rPr lang="en-US" dirty="0" err="1">
                 <a:solidFill>
                   <a:srgbClr val="F79646"/>
                 </a:solidFill>
@@ -16096,7 +15694,7 @@
               <a:t>moet</a:t>
             </a:r>
             <a:r>
-              <a:rPr lang="en-US" dirty="0" smtClean="0">
+              <a:rPr lang="en-US" dirty="0">
                 <a:solidFill>
                   <a:srgbClr val="F79646"/>
                 </a:solidFill>
@@ -16106,7 +15704,7 @@
               <a:t> </a:t>
             </a:r>
             <a:r>
-              <a:rPr lang="en-US" dirty="0" err="1" smtClean="0">
+              <a:rPr lang="en-US" dirty="0" err="1">
                 <a:solidFill>
                   <a:srgbClr val="F79646"/>
                 </a:solidFill>
@@ -16116,7 +15714,7 @@
               <a:t>worden</a:t>
             </a:r>
             <a:r>
-              <a:rPr lang="en-US" dirty="0" smtClean="0">
+              <a:rPr lang="en-US" dirty="0">
                 <a:solidFill>
                   <a:srgbClr val="F79646"/>
                 </a:solidFill>
@@ -16126,28 +15724,28 @@
               <a:t> </a:t>
             </a:r>
             <a:r>
-              <a:rPr lang="en-US" dirty="0" err="1" smtClean="0">
+              <a:rPr lang="en-US" dirty="0" err="1">
                 <a:latin typeface="Comic Sans MS"/>
                 <a:cs typeface="Comic Sans MS"/>
               </a:rPr>
               <a:t>bekijken</a:t>
             </a:r>
             <a:r>
-              <a:rPr lang="en-US" dirty="0" smtClean="0">
+              <a:rPr lang="en-US" dirty="0">
                 <a:latin typeface="Comic Sans MS"/>
                 <a:cs typeface="Comic Sans MS"/>
               </a:rPr>
               <a:t> en </a:t>
             </a:r>
             <a:r>
-              <a:rPr lang="en-US" dirty="0" err="1" smtClean="0">
+              <a:rPr lang="en-US" dirty="0" err="1">
                 <a:latin typeface="Comic Sans MS"/>
                 <a:cs typeface="Comic Sans MS"/>
               </a:rPr>
               <a:t>wijzigen</a:t>
             </a:r>
             <a:r>
-              <a:rPr lang="en-US" dirty="0" smtClean="0">
+              <a:rPr lang="en-US" dirty="0">
                 <a:latin typeface="Comic Sans MS"/>
                 <a:cs typeface="Comic Sans MS"/>
               </a:rPr>
@@ -16243,7 +15841,7 @@
           <a:noFill/>
           <a:extLst>
             <a:ext uri="{909E8E84-426E-40dd-AFC4-6F175D3DCCD1}">
-              <a14:hiddenFill xmlns:a14="http://schemas.microsoft.com/office/drawing/2010/main">
+              <a14:hiddenFill xmlns:a14="http://schemas.microsoft.com/office/drawing/2010/main" xmlns="">
                 <a:solidFill>
                   <a:srgbClr val="FFFFFF"/>
                 </a:solidFill>
@@ -16426,7 +16024,7 @@
   <p:timing>
     <p:tnLst>
       <p:par>
-        <p:cTn xmlns:p14="http://schemas.microsoft.com/office/powerpoint/2010/main" id="1" dur="indefinite" restart="never" nodeType="tmRoot">
+        <p:cTn id="1" dur="indefinite" restart="never" nodeType="tmRoot">
           <p:childTnLst>
             <p:seq concurrent="1" nextAc="seek">
               <p:cTn id="2" dur="indefinite" nodeType="mainSeq">
